--- a/lecture05.viz.data.shaping/lecture05.pptx
+++ b/lecture05.viz.data.shaping/lecture05.pptx
@@ -5,60 +5,57 @@
     <p:sldMasterId id="2147483648" r:id="rId1"/>
   </p:sldMasterIdLst>
   <p:notesMasterIdLst>
-    <p:notesMasterId r:id="rId53"/>
+    <p:notesMasterId r:id="rId50"/>
   </p:notesMasterIdLst>
   <p:sldIdLst>
     <p:sldId id="256" r:id="rId2"/>
     <p:sldId id="322" r:id="rId3"/>
-    <p:sldId id="323" r:id="rId4"/>
-    <p:sldId id="324" r:id="rId5"/>
-    <p:sldId id="315" r:id="rId6"/>
-    <p:sldId id="316" r:id="rId7"/>
-    <p:sldId id="317" r:id="rId8"/>
-    <p:sldId id="318" r:id="rId9"/>
-    <p:sldId id="297" r:id="rId10"/>
-    <p:sldId id="319" r:id="rId11"/>
-    <p:sldId id="300" r:id="rId12"/>
-    <p:sldId id="301" r:id="rId13"/>
-    <p:sldId id="302" r:id="rId14"/>
-    <p:sldId id="303" r:id="rId15"/>
-    <p:sldId id="304" r:id="rId16"/>
-    <p:sldId id="305" r:id="rId17"/>
-    <p:sldId id="306" r:id="rId18"/>
-    <p:sldId id="307" r:id="rId19"/>
-    <p:sldId id="308" r:id="rId20"/>
-    <p:sldId id="309" r:id="rId21"/>
-    <p:sldId id="310" r:id="rId22"/>
-    <p:sldId id="311" r:id="rId23"/>
-    <p:sldId id="312" r:id="rId24"/>
-    <p:sldId id="313" r:id="rId25"/>
-    <p:sldId id="333" r:id="rId26"/>
-    <p:sldId id="325" r:id="rId27"/>
-    <p:sldId id="326" r:id="rId28"/>
-    <p:sldId id="327" r:id="rId29"/>
-    <p:sldId id="328" r:id="rId30"/>
-    <p:sldId id="329" r:id="rId31"/>
-    <p:sldId id="330" r:id="rId32"/>
-    <p:sldId id="331" r:id="rId33"/>
-    <p:sldId id="332" r:id="rId34"/>
-    <p:sldId id="314" r:id="rId35"/>
-    <p:sldId id="320" r:id="rId36"/>
-    <p:sldId id="278" r:id="rId37"/>
-    <p:sldId id="279" r:id="rId38"/>
-    <p:sldId id="280" r:id="rId39"/>
-    <p:sldId id="281" r:id="rId40"/>
-    <p:sldId id="282" r:id="rId41"/>
-    <p:sldId id="283" r:id="rId42"/>
-    <p:sldId id="284" r:id="rId43"/>
-    <p:sldId id="285" r:id="rId44"/>
-    <p:sldId id="286" r:id="rId45"/>
-    <p:sldId id="321" r:id="rId46"/>
-    <p:sldId id="291" r:id="rId47"/>
-    <p:sldId id="292" r:id="rId48"/>
-    <p:sldId id="293" r:id="rId49"/>
-    <p:sldId id="294" r:id="rId50"/>
-    <p:sldId id="295" r:id="rId51"/>
-    <p:sldId id="296" r:id="rId52"/>
+    <p:sldId id="315" r:id="rId4"/>
+    <p:sldId id="316" r:id="rId5"/>
+    <p:sldId id="317" r:id="rId6"/>
+    <p:sldId id="297" r:id="rId7"/>
+    <p:sldId id="319" r:id="rId8"/>
+    <p:sldId id="300" r:id="rId9"/>
+    <p:sldId id="301" r:id="rId10"/>
+    <p:sldId id="302" r:id="rId11"/>
+    <p:sldId id="303" r:id="rId12"/>
+    <p:sldId id="304" r:id="rId13"/>
+    <p:sldId id="305" r:id="rId14"/>
+    <p:sldId id="306" r:id="rId15"/>
+    <p:sldId id="307" r:id="rId16"/>
+    <p:sldId id="308" r:id="rId17"/>
+    <p:sldId id="309" r:id="rId18"/>
+    <p:sldId id="310" r:id="rId19"/>
+    <p:sldId id="311" r:id="rId20"/>
+    <p:sldId id="312" r:id="rId21"/>
+    <p:sldId id="313" r:id="rId22"/>
+    <p:sldId id="333" r:id="rId23"/>
+    <p:sldId id="325" r:id="rId24"/>
+    <p:sldId id="326" r:id="rId25"/>
+    <p:sldId id="327" r:id="rId26"/>
+    <p:sldId id="328" r:id="rId27"/>
+    <p:sldId id="329" r:id="rId28"/>
+    <p:sldId id="330" r:id="rId29"/>
+    <p:sldId id="331" r:id="rId30"/>
+    <p:sldId id="332" r:id="rId31"/>
+    <p:sldId id="314" r:id="rId32"/>
+    <p:sldId id="320" r:id="rId33"/>
+    <p:sldId id="278" r:id="rId34"/>
+    <p:sldId id="279" r:id="rId35"/>
+    <p:sldId id="280" r:id="rId36"/>
+    <p:sldId id="281" r:id="rId37"/>
+    <p:sldId id="282" r:id="rId38"/>
+    <p:sldId id="283" r:id="rId39"/>
+    <p:sldId id="284" r:id="rId40"/>
+    <p:sldId id="285" r:id="rId41"/>
+    <p:sldId id="286" r:id="rId42"/>
+    <p:sldId id="321" r:id="rId43"/>
+    <p:sldId id="291" r:id="rId44"/>
+    <p:sldId id="292" r:id="rId45"/>
+    <p:sldId id="293" r:id="rId46"/>
+    <p:sldId id="294" r:id="rId47"/>
+    <p:sldId id="295" r:id="rId48"/>
+    <p:sldId id="296" r:id="rId49"/>
   </p:sldIdLst>
   <p:sldSz cx="12192000" cy="6858000"/>
   <p:notesSz cx="6858000" cy="9144000"/>
@@ -247,7 +244,7 @@
           <a:p>
             <a:fld id="{C0FC40F0-B60A-C14D-8B4D-60FFB3E6F5B7}" type="datetimeFigureOut">
               <a:rPr lang="en-US" smtClean="0"/>
-              <a:t>10/29/16</a:t>
+              <a:t>6/29/19</a:t>
             </a:fld>
             <a:endParaRPr lang="en-US"/>
           </a:p>
@@ -311,38 +308,37 @@
           <a:p>
             <a:pPr lvl="0"/>
             <a:r>
-              <a:rPr lang="en-US" smtClean="0"/>
+              <a:rPr lang="en-US"/>
               <a:t>Click to edit Master text styles</a:t>
             </a:r>
           </a:p>
           <a:p>
             <a:pPr lvl="1"/>
             <a:r>
-              <a:rPr lang="en-US" smtClean="0"/>
+              <a:rPr lang="en-US"/>
               <a:t>Second level</a:t>
             </a:r>
           </a:p>
           <a:p>
             <a:pPr lvl="2"/>
             <a:r>
-              <a:rPr lang="en-US" smtClean="0"/>
+              <a:rPr lang="en-US"/>
               <a:t>Third level</a:t>
             </a:r>
           </a:p>
           <a:p>
             <a:pPr lvl="3"/>
             <a:r>
-              <a:rPr lang="en-US" smtClean="0"/>
+              <a:rPr lang="en-US"/>
               <a:t>Fourth level</a:t>
             </a:r>
           </a:p>
           <a:p>
             <a:pPr lvl="4"/>
             <a:r>
-              <a:rPr lang="en-US" smtClean="0"/>
+              <a:rPr lang="en-US"/>
               <a:t>Fifth level</a:t>
             </a:r>
-            <a:endParaRPr lang="en-US"/>
           </a:p>
         </p:txBody>
       </p:sp>
@@ -557,10 +553,9 @@
           </a:lstStyle>
           <a:p>
             <a:r>
-              <a:rPr lang="en-US" smtClean="0"/>
+              <a:rPr lang="en-US"/>
               <a:t>Click to edit Master title style</a:t>
             </a:r>
-            <a:endParaRPr lang="en-US"/>
           </a:p>
         </p:txBody>
       </p:sp>
@@ -622,10 +617,9 @@
           </a:lstStyle>
           <a:p>
             <a:r>
-              <a:rPr lang="en-US" smtClean="0"/>
+              <a:rPr lang="en-US"/>
               <a:t>Click to edit Master subtitle style</a:t>
             </a:r>
-            <a:endParaRPr lang="en-US"/>
           </a:p>
         </p:txBody>
       </p:sp>
@@ -646,7 +640,7 @@
           <a:p>
             <a:fld id="{D8BAFBB8-7F33-3545-ADBA-911ADAFE78D5}" type="datetimeFigureOut">
               <a:rPr lang="en-US" smtClean="0"/>
-              <a:t>10/29/16</a:t>
+              <a:t>6/29/19</a:t>
             </a:fld>
             <a:endParaRPr lang="en-US"/>
           </a:p>
@@ -740,10 +734,9 @@
           <a:lstStyle/>
           <a:p>
             <a:r>
-              <a:rPr lang="en-US" smtClean="0"/>
+              <a:rPr lang="en-US"/>
               <a:t>Click to edit Master title style</a:t>
             </a:r>
-            <a:endParaRPr lang="en-US"/>
           </a:p>
         </p:txBody>
       </p:sp>
@@ -764,38 +757,37 @@
           <a:p>
             <a:pPr lvl="0"/>
             <a:r>
-              <a:rPr lang="en-US" smtClean="0"/>
+              <a:rPr lang="en-US"/>
               <a:t>Click to edit Master text styles</a:t>
             </a:r>
           </a:p>
           <a:p>
             <a:pPr lvl="1"/>
             <a:r>
-              <a:rPr lang="en-US" smtClean="0"/>
+              <a:rPr lang="en-US"/>
               <a:t>Second level</a:t>
             </a:r>
           </a:p>
           <a:p>
             <a:pPr lvl="2"/>
             <a:r>
-              <a:rPr lang="en-US" smtClean="0"/>
+              <a:rPr lang="en-US"/>
               <a:t>Third level</a:t>
             </a:r>
           </a:p>
           <a:p>
             <a:pPr lvl="3"/>
             <a:r>
-              <a:rPr lang="en-US" smtClean="0"/>
+              <a:rPr lang="en-US"/>
               <a:t>Fourth level</a:t>
             </a:r>
           </a:p>
           <a:p>
             <a:pPr lvl="4"/>
             <a:r>
-              <a:rPr lang="en-US" smtClean="0"/>
+              <a:rPr lang="en-US"/>
               <a:t>Fifth level</a:t>
             </a:r>
-            <a:endParaRPr lang="en-US"/>
           </a:p>
         </p:txBody>
       </p:sp>
@@ -816,7 +808,7 @@
           <a:p>
             <a:fld id="{D8BAFBB8-7F33-3545-ADBA-911ADAFE78D5}" type="datetimeFigureOut">
               <a:rPr lang="en-US" smtClean="0"/>
-              <a:t>10/29/16</a:t>
+              <a:t>6/29/19</a:t>
             </a:fld>
             <a:endParaRPr lang="en-US"/>
           </a:p>
@@ -915,10 +907,9 @@
           <a:lstStyle/>
           <a:p>
             <a:r>
-              <a:rPr lang="en-US" smtClean="0"/>
+              <a:rPr lang="en-US"/>
               <a:t>Click to edit Master title style</a:t>
             </a:r>
-            <a:endParaRPr lang="en-US"/>
           </a:p>
         </p:txBody>
       </p:sp>
@@ -944,38 +935,37 @@
           <a:p>
             <a:pPr lvl="0"/>
             <a:r>
-              <a:rPr lang="en-US" smtClean="0"/>
+              <a:rPr lang="en-US"/>
               <a:t>Click to edit Master text styles</a:t>
             </a:r>
           </a:p>
           <a:p>
             <a:pPr lvl="1"/>
             <a:r>
-              <a:rPr lang="en-US" smtClean="0"/>
+              <a:rPr lang="en-US"/>
               <a:t>Second level</a:t>
             </a:r>
           </a:p>
           <a:p>
             <a:pPr lvl="2"/>
             <a:r>
-              <a:rPr lang="en-US" smtClean="0"/>
+              <a:rPr lang="en-US"/>
               <a:t>Third level</a:t>
             </a:r>
           </a:p>
           <a:p>
             <a:pPr lvl="3"/>
             <a:r>
-              <a:rPr lang="en-US" smtClean="0"/>
+              <a:rPr lang="en-US"/>
               <a:t>Fourth level</a:t>
             </a:r>
           </a:p>
           <a:p>
             <a:pPr lvl="4"/>
             <a:r>
-              <a:rPr lang="en-US" smtClean="0"/>
+              <a:rPr lang="en-US"/>
               <a:t>Fifth level</a:t>
             </a:r>
-            <a:endParaRPr lang="en-US"/>
           </a:p>
         </p:txBody>
       </p:sp>
@@ -996,7 +986,7 @@
           <a:p>
             <a:fld id="{D8BAFBB8-7F33-3545-ADBA-911ADAFE78D5}" type="datetimeFigureOut">
               <a:rPr lang="en-US" smtClean="0"/>
-              <a:t>10/29/16</a:t>
+              <a:t>6/29/19</a:t>
             </a:fld>
             <a:endParaRPr lang="en-US"/>
           </a:p>
@@ -1090,10 +1080,9 @@
           <a:lstStyle/>
           <a:p>
             <a:r>
-              <a:rPr lang="en-US" smtClean="0"/>
+              <a:rPr lang="en-US"/>
               <a:t>Click to edit Master title style</a:t>
             </a:r>
-            <a:endParaRPr lang="en-US"/>
           </a:p>
         </p:txBody>
       </p:sp>
@@ -1114,38 +1103,37 @@
           <a:p>
             <a:pPr lvl="0"/>
             <a:r>
-              <a:rPr lang="en-US" smtClean="0"/>
+              <a:rPr lang="en-US"/>
               <a:t>Click to edit Master text styles</a:t>
             </a:r>
           </a:p>
           <a:p>
             <a:pPr lvl="1"/>
             <a:r>
-              <a:rPr lang="en-US" smtClean="0"/>
+              <a:rPr lang="en-US"/>
               <a:t>Second level</a:t>
             </a:r>
           </a:p>
           <a:p>
             <a:pPr lvl="2"/>
             <a:r>
-              <a:rPr lang="en-US" smtClean="0"/>
+              <a:rPr lang="en-US"/>
               <a:t>Third level</a:t>
             </a:r>
           </a:p>
           <a:p>
             <a:pPr lvl="3"/>
             <a:r>
-              <a:rPr lang="en-US" smtClean="0"/>
+              <a:rPr lang="en-US"/>
               <a:t>Fourth level</a:t>
             </a:r>
           </a:p>
           <a:p>
             <a:pPr lvl="4"/>
             <a:r>
-              <a:rPr lang="en-US" smtClean="0"/>
+              <a:rPr lang="en-US"/>
               <a:t>Fifth level</a:t>
             </a:r>
-            <a:endParaRPr lang="en-US"/>
           </a:p>
         </p:txBody>
       </p:sp>
@@ -1166,7 +1154,7 @@
           <a:p>
             <a:fld id="{D8BAFBB8-7F33-3545-ADBA-911ADAFE78D5}" type="datetimeFigureOut">
               <a:rPr lang="en-US" smtClean="0"/>
-              <a:t>10/29/16</a:t>
+              <a:t>6/29/19</a:t>
             </a:fld>
             <a:endParaRPr lang="en-US"/>
           </a:p>
@@ -1269,10 +1257,9 @@
           </a:lstStyle>
           <a:p>
             <a:r>
-              <a:rPr lang="en-US" smtClean="0"/>
+              <a:rPr lang="en-US"/>
               <a:t>Click to edit Master title style</a:t>
             </a:r>
-            <a:endParaRPr lang="en-US"/>
           </a:p>
         </p:txBody>
       </p:sp>
@@ -1389,7 +1376,7 @@
           <a:p>
             <a:pPr lvl="0"/>
             <a:r>
-              <a:rPr lang="en-US" smtClean="0"/>
+              <a:rPr lang="en-US"/>
               <a:t>Click to edit Master text styles</a:t>
             </a:r>
           </a:p>
@@ -1412,7 +1399,7 @@
           <a:p>
             <a:fld id="{D8BAFBB8-7F33-3545-ADBA-911ADAFE78D5}" type="datetimeFigureOut">
               <a:rPr lang="en-US" smtClean="0"/>
-              <a:t>10/29/16</a:t>
+              <a:t>6/29/19</a:t>
             </a:fld>
             <a:endParaRPr lang="en-US"/>
           </a:p>
@@ -1506,10 +1493,9 @@
           <a:lstStyle/>
           <a:p>
             <a:r>
-              <a:rPr lang="en-US" smtClean="0"/>
+              <a:rPr lang="en-US"/>
               <a:t>Click to edit Master title style</a:t>
             </a:r>
-            <a:endParaRPr lang="en-US"/>
           </a:p>
         </p:txBody>
       </p:sp>
@@ -1535,38 +1521,37 @@
           <a:p>
             <a:pPr lvl="0"/>
             <a:r>
-              <a:rPr lang="en-US" smtClean="0"/>
+              <a:rPr lang="en-US"/>
               <a:t>Click to edit Master text styles</a:t>
             </a:r>
           </a:p>
           <a:p>
             <a:pPr lvl="1"/>
             <a:r>
-              <a:rPr lang="en-US" smtClean="0"/>
+              <a:rPr lang="en-US"/>
               <a:t>Second level</a:t>
             </a:r>
           </a:p>
           <a:p>
             <a:pPr lvl="2"/>
             <a:r>
-              <a:rPr lang="en-US" smtClean="0"/>
+              <a:rPr lang="en-US"/>
               <a:t>Third level</a:t>
             </a:r>
           </a:p>
           <a:p>
             <a:pPr lvl="3"/>
             <a:r>
-              <a:rPr lang="en-US" smtClean="0"/>
+              <a:rPr lang="en-US"/>
               <a:t>Fourth level</a:t>
             </a:r>
           </a:p>
           <a:p>
             <a:pPr lvl="4"/>
             <a:r>
-              <a:rPr lang="en-US" smtClean="0"/>
+              <a:rPr lang="en-US"/>
               <a:t>Fifth level</a:t>
             </a:r>
-            <a:endParaRPr lang="en-US"/>
           </a:p>
         </p:txBody>
       </p:sp>
@@ -1592,38 +1577,37 @@
           <a:p>
             <a:pPr lvl="0"/>
             <a:r>
-              <a:rPr lang="en-US" smtClean="0"/>
+              <a:rPr lang="en-US"/>
               <a:t>Click to edit Master text styles</a:t>
             </a:r>
           </a:p>
           <a:p>
             <a:pPr lvl="1"/>
             <a:r>
-              <a:rPr lang="en-US" smtClean="0"/>
+              <a:rPr lang="en-US"/>
               <a:t>Second level</a:t>
             </a:r>
           </a:p>
           <a:p>
             <a:pPr lvl="2"/>
             <a:r>
-              <a:rPr lang="en-US" smtClean="0"/>
+              <a:rPr lang="en-US"/>
               <a:t>Third level</a:t>
             </a:r>
           </a:p>
           <a:p>
             <a:pPr lvl="3"/>
             <a:r>
-              <a:rPr lang="en-US" smtClean="0"/>
+              <a:rPr lang="en-US"/>
               <a:t>Fourth level</a:t>
             </a:r>
           </a:p>
           <a:p>
             <a:pPr lvl="4"/>
             <a:r>
-              <a:rPr lang="en-US" smtClean="0"/>
+              <a:rPr lang="en-US"/>
               <a:t>Fifth level</a:t>
             </a:r>
-            <a:endParaRPr lang="en-US"/>
           </a:p>
         </p:txBody>
       </p:sp>
@@ -1644,7 +1628,7 @@
           <a:p>
             <a:fld id="{D8BAFBB8-7F33-3545-ADBA-911ADAFE78D5}" type="datetimeFigureOut">
               <a:rPr lang="en-US" smtClean="0"/>
-              <a:t>10/29/16</a:t>
+              <a:t>6/29/19</a:t>
             </a:fld>
             <a:endParaRPr lang="en-US"/>
           </a:p>
@@ -1743,10 +1727,9 @@
           <a:lstStyle/>
           <a:p>
             <a:r>
-              <a:rPr lang="en-US" smtClean="0"/>
+              <a:rPr lang="en-US"/>
               <a:t>Click to edit Master title style</a:t>
             </a:r>
-            <a:endParaRPr lang="en-US"/>
           </a:p>
         </p:txBody>
       </p:sp>
@@ -1809,7 +1792,7 @@
           <a:p>
             <a:pPr lvl="0"/>
             <a:r>
-              <a:rPr lang="en-US" smtClean="0"/>
+              <a:rPr lang="en-US"/>
               <a:t>Click to edit Master text styles</a:t>
             </a:r>
           </a:p>
@@ -1837,38 +1820,37 @@
           <a:p>
             <a:pPr lvl="0"/>
             <a:r>
-              <a:rPr lang="en-US" smtClean="0"/>
+              <a:rPr lang="en-US"/>
               <a:t>Click to edit Master text styles</a:t>
             </a:r>
           </a:p>
           <a:p>
             <a:pPr lvl="1"/>
             <a:r>
-              <a:rPr lang="en-US" smtClean="0"/>
+              <a:rPr lang="en-US"/>
               <a:t>Second level</a:t>
             </a:r>
           </a:p>
           <a:p>
             <a:pPr lvl="2"/>
             <a:r>
-              <a:rPr lang="en-US" smtClean="0"/>
+              <a:rPr lang="en-US"/>
               <a:t>Third level</a:t>
             </a:r>
           </a:p>
           <a:p>
             <a:pPr lvl="3"/>
             <a:r>
-              <a:rPr lang="en-US" smtClean="0"/>
+              <a:rPr lang="en-US"/>
               <a:t>Fourth level</a:t>
             </a:r>
           </a:p>
           <a:p>
             <a:pPr lvl="4"/>
             <a:r>
-              <a:rPr lang="en-US" smtClean="0"/>
+              <a:rPr lang="en-US"/>
               <a:t>Fifth level</a:t>
             </a:r>
-            <a:endParaRPr lang="en-US"/>
           </a:p>
         </p:txBody>
       </p:sp>
@@ -1931,7 +1913,7 @@
           <a:p>
             <a:pPr lvl="0"/>
             <a:r>
-              <a:rPr lang="en-US" smtClean="0"/>
+              <a:rPr lang="en-US"/>
               <a:t>Click to edit Master text styles</a:t>
             </a:r>
           </a:p>
@@ -1959,38 +1941,37 @@
           <a:p>
             <a:pPr lvl="0"/>
             <a:r>
-              <a:rPr lang="en-US" smtClean="0"/>
+              <a:rPr lang="en-US"/>
               <a:t>Click to edit Master text styles</a:t>
             </a:r>
           </a:p>
           <a:p>
             <a:pPr lvl="1"/>
             <a:r>
-              <a:rPr lang="en-US" smtClean="0"/>
+              <a:rPr lang="en-US"/>
               <a:t>Second level</a:t>
             </a:r>
           </a:p>
           <a:p>
             <a:pPr lvl="2"/>
             <a:r>
-              <a:rPr lang="en-US" smtClean="0"/>
+              <a:rPr lang="en-US"/>
               <a:t>Third level</a:t>
             </a:r>
           </a:p>
           <a:p>
             <a:pPr lvl="3"/>
             <a:r>
-              <a:rPr lang="en-US" smtClean="0"/>
+              <a:rPr lang="en-US"/>
               <a:t>Fourth level</a:t>
             </a:r>
           </a:p>
           <a:p>
             <a:pPr lvl="4"/>
             <a:r>
-              <a:rPr lang="en-US" smtClean="0"/>
+              <a:rPr lang="en-US"/>
               <a:t>Fifth level</a:t>
             </a:r>
-            <a:endParaRPr lang="en-US"/>
           </a:p>
         </p:txBody>
       </p:sp>
@@ -2011,7 +1992,7 @@
           <a:p>
             <a:fld id="{D8BAFBB8-7F33-3545-ADBA-911ADAFE78D5}" type="datetimeFigureOut">
               <a:rPr lang="en-US" smtClean="0"/>
-              <a:t>10/29/16</a:t>
+              <a:t>6/29/19</a:t>
             </a:fld>
             <a:endParaRPr lang="en-US"/>
           </a:p>
@@ -2105,10 +2086,9 @@
           <a:lstStyle/>
           <a:p>
             <a:r>
-              <a:rPr lang="en-US" smtClean="0"/>
+              <a:rPr lang="en-US"/>
               <a:t>Click to edit Master title style</a:t>
             </a:r>
-            <a:endParaRPr lang="en-US"/>
           </a:p>
         </p:txBody>
       </p:sp>
@@ -2129,7 +2109,7 @@
           <a:p>
             <a:fld id="{D8BAFBB8-7F33-3545-ADBA-911ADAFE78D5}" type="datetimeFigureOut">
               <a:rPr lang="en-US" smtClean="0"/>
-              <a:t>10/29/16</a:t>
+              <a:t>6/29/19</a:t>
             </a:fld>
             <a:endParaRPr lang="en-US"/>
           </a:p>
@@ -2224,7 +2204,7 @@
           <a:p>
             <a:fld id="{D8BAFBB8-7F33-3545-ADBA-911ADAFE78D5}" type="datetimeFigureOut">
               <a:rPr lang="en-US" smtClean="0"/>
-              <a:t>10/29/16</a:t>
+              <a:t>6/29/19</a:t>
             </a:fld>
             <a:endParaRPr lang="en-US"/>
           </a:p>
@@ -2327,10 +2307,9 @@
           </a:lstStyle>
           <a:p>
             <a:r>
-              <a:rPr lang="en-US" smtClean="0"/>
+              <a:rPr lang="en-US"/>
               <a:t>Click to edit Master title style</a:t>
             </a:r>
-            <a:endParaRPr lang="en-US"/>
           </a:p>
         </p:txBody>
       </p:sp>
@@ -2384,38 +2363,37 @@
           <a:p>
             <a:pPr lvl="0"/>
             <a:r>
-              <a:rPr lang="en-US" smtClean="0"/>
+              <a:rPr lang="en-US"/>
               <a:t>Click to edit Master text styles</a:t>
             </a:r>
           </a:p>
           <a:p>
             <a:pPr lvl="1"/>
             <a:r>
-              <a:rPr lang="en-US" smtClean="0"/>
+              <a:rPr lang="en-US"/>
               <a:t>Second level</a:t>
             </a:r>
           </a:p>
           <a:p>
             <a:pPr lvl="2"/>
             <a:r>
-              <a:rPr lang="en-US" smtClean="0"/>
+              <a:rPr lang="en-US"/>
               <a:t>Third level</a:t>
             </a:r>
           </a:p>
           <a:p>
             <a:pPr lvl="3"/>
             <a:r>
-              <a:rPr lang="en-US" smtClean="0"/>
+              <a:rPr lang="en-US"/>
               <a:t>Fourth level</a:t>
             </a:r>
           </a:p>
           <a:p>
             <a:pPr lvl="4"/>
             <a:r>
-              <a:rPr lang="en-US" smtClean="0"/>
+              <a:rPr lang="en-US"/>
               <a:t>Fifth level</a:t>
             </a:r>
-            <a:endParaRPr lang="en-US"/>
           </a:p>
         </p:txBody>
       </p:sp>
@@ -2478,7 +2456,7 @@
           <a:p>
             <a:pPr lvl="0"/>
             <a:r>
-              <a:rPr lang="en-US" smtClean="0"/>
+              <a:rPr lang="en-US"/>
               <a:t>Click to edit Master text styles</a:t>
             </a:r>
           </a:p>
@@ -2501,7 +2479,7 @@
           <a:p>
             <a:fld id="{D8BAFBB8-7F33-3545-ADBA-911ADAFE78D5}" type="datetimeFigureOut">
               <a:rPr lang="en-US" smtClean="0"/>
-              <a:t>10/29/16</a:t>
+              <a:t>6/29/19</a:t>
             </a:fld>
             <a:endParaRPr lang="en-US"/>
           </a:p>
@@ -2604,10 +2582,9 @@
           </a:lstStyle>
           <a:p>
             <a:r>
-              <a:rPr lang="en-US" smtClean="0"/>
+              <a:rPr lang="en-US"/>
               <a:t>Click to edit Master title style</a:t>
             </a:r>
-            <a:endParaRPr lang="en-US"/>
           </a:p>
         </p:txBody>
       </p:sp>
@@ -2731,7 +2708,7 @@
           <a:p>
             <a:pPr lvl="0"/>
             <a:r>
-              <a:rPr lang="en-US" smtClean="0"/>
+              <a:rPr lang="en-US"/>
               <a:t>Click to edit Master text styles</a:t>
             </a:r>
           </a:p>
@@ -2754,7 +2731,7 @@
           <a:p>
             <a:fld id="{D8BAFBB8-7F33-3545-ADBA-911ADAFE78D5}" type="datetimeFigureOut">
               <a:rPr lang="en-US" smtClean="0"/>
-              <a:t>10/29/16</a:t>
+              <a:t>6/29/19</a:t>
             </a:fld>
             <a:endParaRPr lang="en-US"/>
           </a:p>
@@ -2863,10 +2840,9 @@
           <a:lstStyle/>
           <a:p>
             <a:r>
-              <a:rPr lang="en-US" smtClean="0"/>
+              <a:rPr lang="en-US"/>
               <a:t>Click to edit Master title style</a:t>
             </a:r>
-            <a:endParaRPr lang="en-US"/>
           </a:p>
         </p:txBody>
       </p:sp>
@@ -2897,38 +2873,37 @@
           <a:p>
             <a:pPr lvl="0"/>
             <a:r>
-              <a:rPr lang="en-US" smtClean="0"/>
+              <a:rPr lang="en-US"/>
               <a:t>Click to edit Master text styles</a:t>
             </a:r>
           </a:p>
           <a:p>
             <a:pPr lvl="1"/>
             <a:r>
-              <a:rPr lang="en-US" smtClean="0"/>
+              <a:rPr lang="en-US"/>
               <a:t>Second level</a:t>
             </a:r>
           </a:p>
           <a:p>
             <a:pPr lvl="2"/>
             <a:r>
-              <a:rPr lang="en-US" smtClean="0"/>
+              <a:rPr lang="en-US"/>
               <a:t>Third level</a:t>
             </a:r>
           </a:p>
           <a:p>
             <a:pPr lvl="3"/>
             <a:r>
-              <a:rPr lang="en-US" smtClean="0"/>
+              <a:rPr lang="en-US"/>
               <a:t>Fourth level</a:t>
             </a:r>
           </a:p>
           <a:p>
             <a:pPr lvl="4"/>
             <a:r>
-              <a:rPr lang="en-US" smtClean="0"/>
+              <a:rPr lang="en-US"/>
               <a:t>Fifth level</a:t>
             </a:r>
-            <a:endParaRPr lang="en-US"/>
           </a:p>
         </p:txBody>
       </p:sp>
@@ -2967,7 +2942,7 @@
           <a:p>
             <a:fld id="{D8BAFBB8-7F33-3545-ADBA-911ADAFE78D5}" type="datetimeFigureOut">
               <a:rPr lang="en-US" smtClean="0"/>
-              <a:t>10/29/16</a:t>
+              <a:t>6/29/19</a:t>
             </a:fld>
             <a:endParaRPr lang="en-US"/>
           </a:p>
@@ -3390,17 +3365,16 @@
           <a:lstStyle/>
           <a:p>
             <a:r>
-              <a:rPr lang="en-US" dirty="0" smtClean="0"/>
+              <a:rPr lang="en-US" dirty="0"/>
               <a:t>Data Shaping &amp; </a:t>
             </a:r>
             <a:br>
-              <a:rPr lang="en-US" dirty="0" smtClean="0"/>
+              <a:rPr lang="en-US" dirty="0"/>
             </a:br>
             <a:r>
-              <a:rPr lang="en-US" dirty="0" smtClean="0"/>
+              <a:rPr lang="en-US" dirty="0"/>
               <a:t>Visualization</a:t>
             </a:r>
-            <a:endParaRPr lang="en-US" dirty="0"/>
           </a:p>
         </p:txBody>
       </p:sp>
@@ -3433,13 +3407,6 @@
   <p:clrMapOvr>
     <a:masterClrMapping/>
   </p:clrMapOvr>
-  <p:timing>
-    <p:tnLst>
-      <p:par>
-        <p:cTn id="1" dur="indefinite" restart="never" nodeType="tmRoot"/>
-      </p:par>
-    </p:tnLst>
-  </p:timing>
 </p:sld>
 </file>
 
@@ -3476,430 +3443,9 @@
           <a:lstStyle/>
           <a:p>
             <a:r>
-              <a:rPr lang="en-US" smtClean="0"/>
-              <a:t>Agenda</a:t>
-            </a:r>
-            <a:endParaRPr lang="en-US"/>
-          </a:p>
-        </p:txBody>
-      </p:sp>
-      <p:sp>
-        <p:nvSpPr>
-          <p:cNvPr id="3" name="Content Placeholder 2"/>
-          <p:cNvSpPr>
-            <a:spLocks noGrp="1"/>
-          </p:cNvSpPr>
-          <p:nvPr>
-            <p:ph idx="1"/>
-          </p:nvPr>
-        </p:nvSpPr>
-        <p:spPr/>
-        <p:txBody>
-          <a:bodyPr>
-            <a:normAutofit/>
-          </a:bodyPr>
-          <a:lstStyle/>
-          <a:p>
-            <a:r>
               <a:rPr lang="en-US" dirty="0"/>
-              <a:t>Midterm</a:t>
-            </a:r>
-          </a:p>
-          <a:p>
-            <a:r>
-              <a:rPr lang="en-US" dirty="0" smtClean="0"/>
-              <a:t>Final </a:t>
-            </a:r>
-            <a:r>
-              <a:rPr lang="en-US" dirty="0"/>
-              <a:t>Project</a:t>
-            </a:r>
-          </a:p>
-          <a:p>
-            <a:r>
-              <a:rPr lang="en-US" b="1" dirty="0" smtClean="0"/>
-              <a:t>Data Shaping</a:t>
-            </a:r>
-          </a:p>
-          <a:p>
-            <a:pPr lvl="1"/>
-            <a:r>
-              <a:rPr lang="en-US" b="1" dirty="0"/>
-              <a:t>Merge &amp; joins</a:t>
-            </a:r>
-          </a:p>
-          <a:p>
-            <a:pPr lvl="1"/>
-            <a:r>
-              <a:rPr lang="en-US" b="1" dirty="0" err="1"/>
-              <a:t>Concat</a:t>
-            </a:r>
-            <a:endParaRPr lang="en-US" b="1" dirty="0"/>
-          </a:p>
-          <a:p>
-            <a:pPr lvl="1"/>
-            <a:r>
-              <a:rPr lang="en-US" b="1" dirty="0" smtClean="0"/>
-              <a:t>Clean</a:t>
-            </a:r>
-          </a:p>
-          <a:p>
-            <a:r>
-              <a:rPr lang="en-US" dirty="0" smtClean="0"/>
-              <a:t>Tableau</a:t>
-            </a:r>
-          </a:p>
-          <a:p>
-            <a:r>
-              <a:rPr lang="en-US" dirty="0" err="1" smtClean="0"/>
-              <a:t>Matplotlib</a:t>
-            </a:r>
-            <a:endParaRPr lang="en-US" dirty="0" smtClean="0"/>
-          </a:p>
-          <a:p>
-            <a:endParaRPr lang="en-US" b="1" dirty="0"/>
-          </a:p>
-        </p:txBody>
-      </p:sp>
-    </p:spTree>
-    <p:extLst>
-      <p:ext uri="{BB962C8B-B14F-4D97-AF65-F5344CB8AC3E}">
-        <p14:creationId xmlns:p14="http://schemas.microsoft.com/office/powerpoint/2010/main" val="945141067"/>
-      </p:ext>
-    </p:extLst>
-  </p:cSld>
-  <p:clrMapOvr>
-    <a:masterClrMapping/>
-  </p:clrMapOvr>
-  <p:timing>
-    <p:tnLst>
-      <p:par>
-        <p:cTn id="1" dur="indefinite" restart="never" nodeType="tmRoot"/>
-      </p:par>
-    </p:tnLst>
-  </p:timing>
-</p:sld>
-</file>
-
-<file path=ppt/slides/slide11.xml><?xml version="1.0" encoding="utf-8"?>
-<p:sld xmlns:a="http://schemas.openxmlformats.org/drawingml/2006/main" xmlns:r="http://schemas.openxmlformats.org/officeDocument/2006/relationships" xmlns:p="http://schemas.openxmlformats.org/presentationml/2006/main">
-  <p:cSld>
-    <p:spTree>
-      <p:nvGrpSpPr>
-        <p:cNvPr id="1" name=""/>
-        <p:cNvGrpSpPr/>
-        <p:nvPr/>
-      </p:nvGrpSpPr>
-      <p:grpSpPr>
-        <a:xfrm>
-          <a:off x="0" y="0"/>
-          <a:ext cx="0" cy="0"/>
-          <a:chOff x="0" y="0"/>
-          <a:chExt cx="0" cy="0"/>
-        </a:xfrm>
-      </p:grpSpPr>
-      <p:sp>
-        <p:nvSpPr>
-          <p:cNvPr id="2" name="Title 1"/>
-          <p:cNvSpPr>
-            <a:spLocks noGrp="1"/>
-          </p:cNvSpPr>
-          <p:nvPr>
-            <p:ph type="title"/>
-          </p:nvPr>
-        </p:nvSpPr>
-        <p:spPr/>
-        <p:txBody>
-          <a:bodyPr/>
-          <a:lstStyle/>
-          <a:p>
-            <a:r>
-              <a:rPr lang="en-US" dirty="0" smtClean="0"/>
-              <a:t>Joining Datasets</a:t>
-            </a:r>
-            <a:endParaRPr lang="en-US" dirty="0"/>
-          </a:p>
-        </p:txBody>
-      </p:sp>
-      <p:sp>
-        <p:nvSpPr>
-          <p:cNvPr id="4" name="Oval 3"/>
-          <p:cNvSpPr/>
-          <p:nvPr/>
-        </p:nvSpPr>
-        <p:spPr>
-          <a:xfrm>
-            <a:off x="2452914" y="2160270"/>
-            <a:ext cx="2663372" cy="2803616"/>
-          </a:xfrm>
-          <a:prstGeom prst="ellipse">
-            <a:avLst/>
-          </a:prstGeom>
-          <a:solidFill>
-            <a:srgbClr val="C00000"/>
-          </a:solidFill>
-          <a:ln w="38100">
-            <a:solidFill>
-              <a:schemeClr val="tx1"/>
-            </a:solidFill>
-          </a:ln>
-        </p:spPr>
-        <p:style>
-          <a:lnRef idx="2">
-            <a:schemeClr val="accent1">
-              <a:shade val="50000"/>
-            </a:schemeClr>
-          </a:lnRef>
-          <a:fillRef idx="1">
-            <a:schemeClr val="accent1"/>
-          </a:fillRef>
-          <a:effectRef idx="0">
-            <a:schemeClr val="accent1"/>
-          </a:effectRef>
-          <a:fontRef idx="minor">
-            <a:schemeClr val="lt1"/>
-          </a:fontRef>
-        </p:style>
-        <p:txBody>
-          <a:bodyPr rtlCol="0" anchor="ctr"/>
-          <a:lstStyle/>
-          <a:p>
-            <a:pPr algn="ctr"/>
-            <a:r>
-              <a:rPr lang="en-US" sz="4000" b="1" dirty="0" smtClean="0">
-                <a:solidFill>
-                  <a:schemeClr val="tx1"/>
-                </a:solidFill>
-                <a:latin typeface="Times New Roman" charset="0"/>
-                <a:ea typeface="Times New Roman" charset="0"/>
-                <a:cs typeface="Times New Roman" charset="0"/>
-              </a:rPr>
-              <a:t>A</a:t>
-            </a:r>
-            <a:endParaRPr lang="en-US" sz="4000" b="1" dirty="0">
-              <a:solidFill>
-                <a:schemeClr val="tx1"/>
-              </a:solidFill>
-              <a:latin typeface="Times New Roman" charset="0"/>
-              <a:ea typeface="Times New Roman" charset="0"/>
-              <a:cs typeface="Times New Roman" charset="0"/>
-            </a:endParaRPr>
-          </a:p>
-        </p:txBody>
-      </p:sp>
-      <p:sp>
-        <p:nvSpPr>
-          <p:cNvPr id="6" name="Oval 5"/>
-          <p:cNvSpPr/>
-          <p:nvPr/>
-        </p:nvSpPr>
-        <p:spPr>
-          <a:xfrm>
-            <a:off x="6828971" y="2160270"/>
-            <a:ext cx="2663372" cy="2803616"/>
-          </a:xfrm>
-          <a:prstGeom prst="ellipse">
-            <a:avLst/>
-          </a:prstGeom>
-          <a:solidFill>
-            <a:srgbClr val="C00000"/>
-          </a:solidFill>
-          <a:ln w="38100">
-            <a:solidFill>
-              <a:schemeClr val="tx1"/>
-            </a:solidFill>
-          </a:ln>
-        </p:spPr>
-        <p:style>
-          <a:lnRef idx="2">
-            <a:schemeClr val="accent1">
-              <a:shade val="50000"/>
-            </a:schemeClr>
-          </a:lnRef>
-          <a:fillRef idx="1">
-            <a:schemeClr val="accent1"/>
-          </a:fillRef>
-          <a:effectRef idx="0">
-            <a:schemeClr val="accent1"/>
-          </a:effectRef>
-          <a:fontRef idx="minor">
-            <a:schemeClr val="lt1"/>
-          </a:fontRef>
-        </p:style>
-        <p:txBody>
-          <a:bodyPr rtlCol="0" anchor="ctr"/>
-          <a:lstStyle/>
-          <a:p>
-            <a:pPr algn="ctr"/>
-            <a:r>
-              <a:rPr lang="en-US" sz="4000" b="1" dirty="0" smtClean="0">
-                <a:solidFill>
-                  <a:schemeClr val="tx1"/>
-                </a:solidFill>
-                <a:latin typeface="Times New Roman" charset="0"/>
-                <a:ea typeface="Times New Roman" charset="0"/>
-                <a:cs typeface="Times New Roman" charset="0"/>
-              </a:rPr>
-              <a:t>B</a:t>
-            </a:r>
-            <a:endParaRPr lang="en-US" sz="4000" b="1" dirty="0">
-              <a:solidFill>
-                <a:schemeClr val="tx1"/>
-              </a:solidFill>
-              <a:latin typeface="Times New Roman" charset="0"/>
-              <a:ea typeface="Times New Roman" charset="0"/>
-              <a:cs typeface="Times New Roman" charset="0"/>
-            </a:endParaRPr>
-          </a:p>
-        </p:txBody>
-      </p:sp>
-    </p:spTree>
-    <p:extLst>
-      <p:ext uri="{BB962C8B-B14F-4D97-AF65-F5344CB8AC3E}">
-        <p14:creationId xmlns:p14="http://schemas.microsoft.com/office/powerpoint/2010/main" val="399446605"/>
-      </p:ext>
-    </p:extLst>
-  </p:cSld>
-  <p:clrMapOvr>
-    <a:masterClrMapping/>
-  </p:clrMapOvr>
-  <p:timing>
-    <p:tnLst>
-      <p:par>
-        <p:cTn id="1" dur="indefinite" restart="never" nodeType="tmRoot"/>
-      </p:par>
-    </p:tnLst>
-  </p:timing>
-</p:sld>
-</file>
-
-<file path=ppt/slides/slide12.xml><?xml version="1.0" encoding="utf-8"?>
-<p:sld xmlns:a="http://schemas.openxmlformats.org/drawingml/2006/main" xmlns:r="http://schemas.openxmlformats.org/officeDocument/2006/relationships" xmlns:p="http://schemas.openxmlformats.org/presentationml/2006/main">
-  <p:cSld>
-    <p:spTree>
-      <p:nvGrpSpPr>
-        <p:cNvPr id="1" name=""/>
-        <p:cNvGrpSpPr/>
-        <p:nvPr/>
-      </p:nvGrpSpPr>
-      <p:grpSpPr>
-        <a:xfrm>
-          <a:off x="0" y="0"/>
-          <a:ext cx="0" cy="0"/>
-          <a:chOff x="0" y="0"/>
-          <a:chExt cx="0" cy="0"/>
-        </a:xfrm>
-      </p:grpSpPr>
-      <p:sp>
-        <p:nvSpPr>
-          <p:cNvPr id="2" name="Title 1"/>
-          <p:cNvSpPr>
-            <a:spLocks noGrp="1"/>
-          </p:cNvSpPr>
-          <p:nvPr>
-            <p:ph type="title"/>
-          </p:nvPr>
-        </p:nvSpPr>
-        <p:spPr/>
-        <p:txBody>
-          <a:bodyPr/>
-          <a:lstStyle/>
-          <a:p>
-            <a:r>
-              <a:rPr lang="en-US" dirty="0" smtClean="0"/>
-              <a:t>Joining Datasets : Inner Join</a:t>
-            </a:r>
-            <a:endParaRPr lang="en-US" dirty="0"/>
-          </a:p>
-        </p:txBody>
-      </p:sp>
-      <p:pic>
-        <p:nvPicPr>
-          <p:cNvPr id="3" name="Picture 2"/>
-          <p:cNvPicPr>
-            <a:picLocks noChangeAspect="1"/>
-          </p:cNvPicPr>
-          <p:nvPr/>
-        </p:nvPicPr>
-        <p:blipFill>
-          <a:blip r:embed="rId2">
-            <a:extLst>
-              <a:ext uri="{28A0092B-C50C-407E-A947-70E740481C1C}">
-                <a14:useLocalDpi xmlns:a14="http://schemas.microsoft.com/office/drawing/2010/main" val="0"/>
-              </a:ext>
-            </a:extLst>
-          </a:blip>
-          <a:stretch>
-            <a:fillRect/>
-          </a:stretch>
-        </p:blipFill>
-        <p:spPr>
-          <a:xfrm>
-            <a:off x="3844346" y="1690688"/>
-            <a:ext cx="4867854" cy="4630057"/>
-          </a:xfrm>
-          <a:prstGeom prst="rect">
-            <a:avLst/>
-          </a:prstGeom>
-        </p:spPr>
-      </p:pic>
-    </p:spTree>
-    <p:extLst>
-      <p:ext uri="{BB962C8B-B14F-4D97-AF65-F5344CB8AC3E}">
-        <p14:creationId xmlns:p14="http://schemas.microsoft.com/office/powerpoint/2010/main" val="465209713"/>
-      </p:ext>
-    </p:extLst>
-  </p:cSld>
-  <p:clrMapOvr>
-    <a:masterClrMapping/>
-  </p:clrMapOvr>
-  <p:timing>
-    <p:tnLst>
-      <p:par>
-        <p:cTn id="1" dur="indefinite" restart="never" nodeType="tmRoot"/>
-      </p:par>
-    </p:tnLst>
-  </p:timing>
-</p:sld>
-</file>
-
-<file path=ppt/slides/slide13.xml><?xml version="1.0" encoding="utf-8"?>
-<p:sld xmlns:a="http://schemas.openxmlformats.org/drawingml/2006/main" xmlns:r="http://schemas.openxmlformats.org/officeDocument/2006/relationships" xmlns:p="http://schemas.openxmlformats.org/presentationml/2006/main">
-  <p:cSld>
-    <p:spTree>
-      <p:nvGrpSpPr>
-        <p:cNvPr id="1" name=""/>
-        <p:cNvGrpSpPr/>
-        <p:nvPr/>
-      </p:nvGrpSpPr>
-      <p:grpSpPr>
-        <a:xfrm>
-          <a:off x="0" y="0"/>
-          <a:ext cx="0" cy="0"/>
-          <a:chOff x="0" y="0"/>
-          <a:chExt cx="0" cy="0"/>
-        </a:xfrm>
-      </p:grpSpPr>
-      <p:sp>
-        <p:nvSpPr>
-          <p:cNvPr id="2" name="Title 1"/>
-          <p:cNvSpPr>
-            <a:spLocks noGrp="1"/>
-          </p:cNvSpPr>
-          <p:nvPr>
-            <p:ph type="title"/>
-          </p:nvPr>
-        </p:nvSpPr>
-        <p:spPr/>
-        <p:txBody>
-          <a:bodyPr/>
-          <a:lstStyle/>
-          <a:p>
-            <a:r>
-              <a:rPr lang="en-US" dirty="0" smtClean="0"/>
               <a:t>Joining Datasets : Left Outer Join</a:t>
             </a:r>
-            <a:endParaRPr lang="en-US" dirty="0"/>
           </a:p>
         </p:txBody>
       </p:sp>
@@ -3943,17 +3489,10 @@
   <p:clrMapOvr>
     <a:masterClrMapping/>
   </p:clrMapOvr>
-  <p:timing>
-    <p:tnLst>
-      <p:par>
-        <p:cTn id="1" dur="indefinite" restart="never" nodeType="tmRoot"/>
-      </p:par>
-    </p:tnLst>
-  </p:timing>
 </p:sld>
 </file>
 
-<file path=ppt/slides/slide14.xml><?xml version="1.0" encoding="utf-8"?>
+<file path=ppt/slides/slide11.xml><?xml version="1.0" encoding="utf-8"?>
 <p:sld xmlns:a="http://schemas.openxmlformats.org/drawingml/2006/main" xmlns:r="http://schemas.openxmlformats.org/officeDocument/2006/relationships" xmlns:p="http://schemas.openxmlformats.org/presentationml/2006/main">
   <p:cSld>
     <p:spTree>
@@ -3986,10 +3525,9 @@
           <a:lstStyle/>
           <a:p>
             <a:r>
-              <a:rPr lang="en-US" dirty="0" smtClean="0"/>
+              <a:rPr lang="en-US" dirty="0"/>
               <a:t>Joining Datasets : Right Outer Join</a:t>
             </a:r>
-            <a:endParaRPr lang="en-US" dirty="0"/>
           </a:p>
         </p:txBody>
       </p:sp>
@@ -4033,17 +3571,10 @@
   <p:clrMapOvr>
     <a:masterClrMapping/>
   </p:clrMapOvr>
-  <p:timing>
-    <p:tnLst>
-      <p:par>
-        <p:cTn id="1" dur="indefinite" restart="never" nodeType="tmRoot"/>
-      </p:par>
-    </p:tnLst>
-  </p:timing>
 </p:sld>
 </file>
 
-<file path=ppt/slides/slide15.xml><?xml version="1.0" encoding="utf-8"?>
+<file path=ppt/slides/slide12.xml><?xml version="1.0" encoding="utf-8"?>
 <p:sld xmlns:a="http://schemas.openxmlformats.org/drawingml/2006/main" xmlns:r="http://schemas.openxmlformats.org/officeDocument/2006/relationships" xmlns:p="http://schemas.openxmlformats.org/presentationml/2006/main">
   <p:cSld>
     <p:spTree>
@@ -4076,10 +3607,9 @@
           <a:lstStyle/>
           <a:p>
             <a:r>
-              <a:rPr lang="en-US" dirty="0" smtClean="0"/>
+              <a:rPr lang="en-US" dirty="0"/>
               <a:t>Joining Datasets : Full Outer Join</a:t>
             </a:r>
-            <a:endParaRPr lang="en-US" dirty="0"/>
           </a:p>
         </p:txBody>
       </p:sp>
@@ -4294,7 +3824,7 @@
             <a:lstStyle/>
             <a:p>
               <a:r>
-                <a:rPr lang="en-US" sz="2200" b="1" dirty="0" smtClean="0">
+                <a:rPr lang="en-US" sz="2200" b="1" dirty="0">
                   <a:latin typeface="Times New Roman" charset="0"/>
                   <a:ea typeface="Times New Roman" charset="0"/>
                   <a:cs typeface="Times New Roman" charset="0"/>
@@ -4302,7 +3832,7 @@
                 <a:t>SELECT &lt;</a:t>
               </a:r>
               <a:r>
-                <a:rPr lang="en-US" sz="2200" b="1" dirty="0" err="1" smtClean="0">
+                <a:rPr lang="en-US" sz="2200" b="1" dirty="0" err="1">
                   <a:latin typeface="Times New Roman" charset="0"/>
                   <a:ea typeface="Times New Roman" charset="0"/>
                   <a:cs typeface="Times New Roman" charset="0"/>
@@ -4310,7 +3840,7 @@
                 <a:t>select_list</a:t>
               </a:r>
               <a:r>
-                <a:rPr lang="en-US" sz="2200" b="1" dirty="0" smtClean="0">
+                <a:rPr lang="en-US" sz="2200" b="1" dirty="0">
                   <a:latin typeface="Times New Roman" charset="0"/>
                   <a:ea typeface="Times New Roman" charset="0"/>
                   <a:cs typeface="Times New Roman" charset="0"/>
@@ -4320,7 +3850,7 @@
             </a:p>
             <a:p>
               <a:r>
-                <a:rPr lang="en-US" sz="2200" b="1" dirty="0" smtClean="0">
+                <a:rPr lang="en-US" sz="2200" b="1" dirty="0">
                   <a:latin typeface="Times New Roman" charset="0"/>
                   <a:ea typeface="Times New Roman" charset="0"/>
                   <a:cs typeface="Times New Roman" charset="0"/>
@@ -4328,7 +3858,7 @@
                 <a:t>FROM </a:t>
               </a:r>
               <a:r>
-                <a:rPr lang="en-US" sz="2200" b="1" dirty="0" err="1" smtClean="0">
+                <a:rPr lang="en-US" sz="2200" b="1" dirty="0" err="1">
                   <a:latin typeface="Times New Roman" charset="0"/>
                   <a:ea typeface="Times New Roman" charset="0"/>
                   <a:cs typeface="Times New Roman" charset="0"/>
@@ -4336,7 +3866,7 @@
                 <a:t>TableA</a:t>
               </a:r>
               <a:r>
-                <a:rPr lang="en-US" sz="2200" b="1" dirty="0" smtClean="0">
+                <a:rPr lang="en-US" sz="2200" b="1" dirty="0">
                   <a:latin typeface="Times New Roman" charset="0"/>
                   <a:ea typeface="Times New Roman" charset="0"/>
                   <a:cs typeface="Times New Roman" charset="0"/>
@@ -4346,7 +3876,7 @@
             </a:p>
             <a:p>
               <a:r>
-                <a:rPr lang="en-US" sz="2200" b="1" dirty="0" smtClean="0">
+                <a:rPr lang="en-US" sz="2200" b="1" dirty="0">
                   <a:latin typeface="Times New Roman" charset="0"/>
                   <a:ea typeface="Times New Roman" charset="0"/>
                   <a:cs typeface="Times New Roman" charset="0"/>
@@ -4354,7 +3884,7 @@
                 <a:t>FULL OUTER JOIN </a:t>
               </a:r>
               <a:r>
-                <a:rPr lang="en-US" sz="2200" b="1" dirty="0" err="1" smtClean="0">
+                <a:rPr lang="en-US" sz="2200" b="1" dirty="0" err="1">
                   <a:latin typeface="Times New Roman" charset="0"/>
                   <a:ea typeface="Times New Roman" charset="0"/>
                   <a:cs typeface="Times New Roman" charset="0"/>
@@ -4362,7 +3892,7 @@
                 <a:t>TableB</a:t>
               </a:r>
               <a:r>
-                <a:rPr lang="en-US" sz="2200" b="1" dirty="0" smtClean="0">
+                <a:rPr lang="en-US" sz="2200" b="1" dirty="0">
                   <a:latin typeface="Times New Roman" charset="0"/>
                   <a:ea typeface="Times New Roman" charset="0"/>
                   <a:cs typeface="Times New Roman" charset="0"/>
@@ -4372,7 +3902,7 @@
             </a:p>
             <a:p>
               <a:r>
-                <a:rPr lang="en-US" sz="2200" b="1" dirty="0" smtClean="0">
+                <a:rPr lang="en-US" sz="2200" b="1" dirty="0">
                   <a:latin typeface="Times New Roman" charset="0"/>
                   <a:ea typeface="Times New Roman" charset="0"/>
                   <a:cs typeface="Times New Roman" charset="0"/>
@@ -4380,7 +3910,7 @@
                 <a:t>ON </a:t>
               </a:r>
               <a:r>
-                <a:rPr lang="en-US" sz="2200" b="1" dirty="0" err="1" smtClean="0">
+                <a:rPr lang="en-US" sz="2200" b="1" dirty="0" err="1">
                   <a:latin typeface="Times New Roman" charset="0"/>
                   <a:ea typeface="Times New Roman" charset="0"/>
                   <a:cs typeface="Times New Roman" charset="0"/>
@@ -4388,7 +3918,7 @@
                 <a:t>A.Key</a:t>
               </a:r>
               <a:r>
-                <a:rPr lang="en-US" sz="2200" b="1" dirty="0" smtClean="0">
+                <a:rPr lang="en-US" sz="2200" b="1" dirty="0">
                   <a:latin typeface="Times New Roman" charset="0"/>
                   <a:ea typeface="Times New Roman" charset="0"/>
                   <a:cs typeface="Times New Roman" charset="0"/>
@@ -4396,7 +3926,7 @@
                 <a:t> = </a:t>
               </a:r>
               <a:r>
-                <a:rPr lang="en-US" sz="2200" b="1" dirty="0" err="1" smtClean="0">
+                <a:rPr lang="en-US" sz="2200" b="1" dirty="0" err="1">
                   <a:latin typeface="Times New Roman" charset="0"/>
                   <a:ea typeface="Times New Roman" charset="0"/>
                   <a:cs typeface="Times New Roman" charset="0"/>
@@ -4422,17 +3952,10 @@
   <p:clrMapOvr>
     <a:masterClrMapping/>
   </p:clrMapOvr>
-  <p:timing>
-    <p:tnLst>
-      <p:par>
-        <p:cTn id="1" dur="indefinite" restart="never" nodeType="tmRoot"/>
-      </p:par>
-    </p:tnLst>
-  </p:timing>
 </p:sld>
 </file>
 
-<file path=ppt/slides/slide16.xml><?xml version="1.0" encoding="utf-8"?>
+<file path=ppt/slides/slide13.xml><?xml version="1.0" encoding="utf-8"?>
 <p:sld xmlns:a="http://schemas.openxmlformats.org/drawingml/2006/main" xmlns:r="http://schemas.openxmlformats.org/officeDocument/2006/relationships" xmlns:p="http://schemas.openxmlformats.org/presentationml/2006/main">
   <p:cSld>
     <p:spTree>
@@ -4465,10 +3988,9 @@
           <a:lstStyle/>
           <a:p>
             <a:r>
-              <a:rPr lang="en-US" dirty="0" smtClean="0"/>
+              <a:rPr lang="en-US" dirty="0"/>
               <a:t>Merging (inner join)</a:t>
             </a:r>
-            <a:endParaRPr lang="en-US" dirty="0"/>
           </a:p>
         </p:txBody>
       </p:sp>
@@ -4585,7 +4107,7 @@
           <a:lstStyle/>
           <a:p>
             <a:r>
-              <a:rPr lang="en-US" sz="3200" dirty="0" smtClean="0">
+              <a:rPr lang="en-US" sz="3200" dirty="0">
                 <a:solidFill>
                   <a:schemeClr val="tx1">
                     <a:lumMod val="50000"/>
@@ -4595,14 +4117,6 @@
               </a:rPr>
               <a:t>merge</a:t>
             </a:r>
-            <a:endParaRPr lang="en-US" sz="3200" dirty="0">
-              <a:solidFill>
-                <a:schemeClr val="tx1">
-                  <a:lumMod val="50000"/>
-                  <a:lumOff val="50000"/>
-                </a:schemeClr>
-              </a:solidFill>
-            </a:endParaRPr>
           </a:p>
         </p:txBody>
       </p:sp>
@@ -4629,7 +4143,7 @@
           <a:lstStyle/>
           <a:p>
             <a:r>
-              <a:rPr lang="en-US" sz="3200" dirty="0" smtClean="0">
+              <a:rPr lang="en-US" sz="3200" dirty="0">
                 <a:solidFill>
                   <a:schemeClr val="tx1">
                     <a:lumMod val="50000"/>
@@ -4639,14 +4153,6 @@
               </a:rPr>
               <a:t>→</a:t>
             </a:r>
-            <a:endParaRPr lang="en-US" sz="3200" dirty="0">
-              <a:solidFill>
-                <a:schemeClr val="tx1">
-                  <a:lumMod val="50000"/>
-                  <a:lumOff val="50000"/>
-                </a:schemeClr>
-              </a:solidFill>
-            </a:endParaRPr>
           </a:p>
         </p:txBody>
       </p:sp>
@@ -4660,17 +4166,10 @@
   <p:clrMapOvr>
     <a:masterClrMapping/>
   </p:clrMapOvr>
-  <p:timing>
-    <p:tnLst>
-      <p:par>
-        <p:cTn id="1" dur="indefinite" restart="never" nodeType="tmRoot"/>
-      </p:par>
-    </p:tnLst>
-  </p:timing>
 </p:sld>
 </file>
 
-<file path=ppt/slides/slide17.xml><?xml version="1.0" encoding="utf-8"?>
+<file path=ppt/slides/slide14.xml><?xml version="1.0" encoding="utf-8"?>
 <p:sld xmlns:a="http://schemas.openxmlformats.org/drawingml/2006/main" xmlns:r="http://schemas.openxmlformats.org/officeDocument/2006/relationships" xmlns:p="http://schemas.openxmlformats.org/presentationml/2006/main">
   <p:cSld>
     <p:spTree>
@@ -4703,10 +4202,9 @@
           <a:lstStyle/>
           <a:p>
             <a:r>
-              <a:rPr lang="en-US" dirty="0" smtClean="0"/>
+              <a:rPr lang="en-US" dirty="0"/>
               <a:t>Merging (inner join)</a:t>
             </a:r>
-            <a:endParaRPr lang="en-US" dirty="0"/>
           </a:p>
         </p:txBody>
       </p:sp>
@@ -4831,18 +4329,7 @@
                   </a:schemeClr>
                 </a:solidFill>
               </a:rPr>
-              <a:t>i</a:t>
-            </a:r>
-            <a:r>
-              <a:rPr lang="en-US" sz="3200" smtClean="0">
-                <a:solidFill>
-                  <a:schemeClr val="tx1">
-                    <a:lumMod val="50000"/>
-                    <a:lumOff val="50000"/>
-                  </a:schemeClr>
-                </a:solidFill>
-              </a:rPr>
-              <a:t>nner join</a:t>
+              <a:t>inner join</a:t>
             </a:r>
             <a:endParaRPr lang="en-US" sz="3200" dirty="0">
               <a:solidFill>
@@ -4879,7 +4366,7 @@
           <a:p>
             <a:pPr algn="ctr"/>
             <a:r>
-              <a:rPr lang="en-US" sz="3200" dirty="0" smtClean="0">
+              <a:rPr lang="en-US" sz="3200" dirty="0">
                 <a:solidFill>
                   <a:schemeClr val="tx1">
                     <a:lumMod val="50000"/>
@@ -4889,14 +4376,6 @@
               </a:rPr>
               <a:t>→</a:t>
             </a:r>
-            <a:endParaRPr lang="en-US" sz="3200" dirty="0">
-              <a:solidFill>
-                <a:schemeClr val="tx1">
-                  <a:lumMod val="50000"/>
-                  <a:lumOff val="50000"/>
-                </a:schemeClr>
-              </a:solidFill>
-            </a:endParaRPr>
           </a:p>
         </p:txBody>
       </p:sp>
@@ -4910,17 +4389,10 @@
   <p:clrMapOvr>
     <a:masterClrMapping/>
   </p:clrMapOvr>
-  <p:timing>
-    <p:tnLst>
-      <p:par>
-        <p:cTn id="1" dur="indefinite" restart="never" nodeType="tmRoot"/>
-      </p:par>
-    </p:tnLst>
-  </p:timing>
 </p:sld>
 </file>
 
-<file path=ppt/slides/slide18.xml><?xml version="1.0" encoding="utf-8"?>
+<file path=ppt/slides/slide15.xml><?xml version="1.0" encoding="utf-8"?>
 <p:sld xmlns:a="http://schemas.openxmlformats.org/drawingml/2006/main" xmlns:r="http://schemas.openxmlformats.org/officeDocument/2006/relationships" xmlns:p="http://schemas.openxmlformats.org/presentationml/2006/main">
   <p:cSld>
     <p:spTree>
@@ -4953,10 +4425,9 @@
           <a:lstStyle/>
           <a:p>
             <a:r>
-              <a:rPr lang="en-US" dirty="0" smtClean="0"/>
+              <a:rPr lang="en-US" dirty="0"/>
               <a:t>Merging (left outer join)</a:t>
             </a:r>
-            <a:endParaRPr lang="en-US" dirty="0"/>
           </a:p>
         </p:txBody>
       </p:sp>
@@ -5051,27 +4522,8 @@
                   </a:schemeClr>
                 </a:solidFill>
               </a:rPr>
-              <a:t>o</a:t>
-            </a:r>
-            <a:r>
-              <a:rPr lang="en-US" sz="3200" dirty="0" smtClean="0">
-                <a:solidFill>
-                  <a:schemeClr val="tx1">
-                    <a:lumMod val="50000"/>
-                    <a:lumOff val="50000"/>
-                  </a:schemeClr>
-                </a:solidFill>
-              </a:rPr>
-              <a:t>uter join</a:t>
-            </a:r>
-            <a:endParaRPr lang="en-US" sz="3200" dirty="0">
-              <a:solidFill>
-                <a:schemeClr val="tx1">
-                  <a:lumMod val="50000"/>
-                  <a:lumOff val="50000"/>
-                </a:schemeClr>
-              </a:solidFill>
-            </a:endParaRPr>
+              <a:t>outer join</a:t>
+            </a:r>
           </a:p>
         </p:txBody>
       </p:sp>
@@ -5099,7 +4551,7 @@
           <a:p>
             <a:pPr algn="ctr"/>
             <a:r>
-              <a:rPr lang="en-US" sz="3200" dirty="0" smtClean="0">
+              <a:rPr lang="en-US" sz="3200" dirty="0">
                 <a:solidFill>
                   <a:schemeClr val="tx1">
                     <a:lumMod val="50000"/>
@@ -5109,14 +4561,6 @@
               </a:rPr>
               <a:t>→</a:t>
             </a:r>
-            <a:endParaRPr lang="en-US" sz="3200" dirty="0">
-              <a:solidFill>
-                <a:schemeClr val="tx1">
-                  <a:lumMod val="50000"/>
-                  <a:lumOff val="50000"/>
-                </a:schemeClr>
-              </a:solidFill>
-            </a:endParaRPr>
           </a:p>
         </p:txBody>
       </p:sp>
@@ -5160,17 +4604,10 @@
   <p:clrMapOvr>
     <a:masterClrMapping/>
   </p:clrMapOvr>
-  <p:timing>
-    <p:tnLst>
-      <p:par>
-        <p:cTn id="1" dur="indefinite" restart="never" nodeType="tmRoot"/>
-      </p:par>
-    </p:tnLst>
-  </p:timing>
 </p:sld>
 </file>
 
-<file path=ppt/slides/slide19.xml><?xml version="1.0" encoding="utf-8"?>
+<file path=ppt/slides/slide16.xml><?xml version="1.0" encoding="utf-8"?>
 <p:sld xmlns:a="http://schemas.openxmlformats.org/drawingml/2006/main" xmlns:r="http://schemas.openxmlformats.org/officeDocument/2006/relationships" xmlns:p="http://schemas.openxmlformats.org/presentationml/2006/main">
   <p:cSld>
     <p:spTree>
@@ -5203,10 +4640,9 @@
           <a:lstStyle/>
           <a:p>
             <a:r>
-              <a:rPr lang="en-US" dirty="0" smtClean="0"/>
+              <a:rPr lang="en-US" dirty="0"/>
               <a:t>Merging (right outer join)</a:t>
             </a:r>
-            <a:endParaRPr lang="en-US" dirty="0"/>
           </a:p>
         </p:txBody>
       </p:sp>
@@ -5301,27 +4737,8 @@
                   </a:schemeClr>
                 </a:solidFill>
               </a:rPr>
-              <a:t>o</a:t>
-            </a:r>
-            <a:r>
-              <a:rPr lang="en-US" sz="3200" dirty="0" smtClean="0">
-                <a:solidFill>
-                  <a:schemeClr val="tx1">
-                    <a:lumMod val="50000"/>
-                    <a:lumOff val="50000"/>
-                  </a:schemeClr>
-                </a:solidFill>
-              </a:rPr>
-              <a:t>uter join</a:t>
-            </a:r>
-            <a:endParaRPr lang="en-US" sz="3200" dirty="0">
-              <a:solidFill>
-                <a:schemeClr val="tx1">
-                  <a:lumMod val="50000"/>
-                  <a:lumOff val="50000"/>
-                </a:schemeClr>
-              </a:solidFill>
-            </a:endParaRPr>
+              <a:t>outer join</a:t>
+            </a:r>
           </a:p>
         </p:txBody>
       </p:sp>
@@ -5349,7 +4766,7 @@
           <a:p>
             <a:pPr algn="ctr"/>
             <a:r>
-              <a:rPr lang="en-US" sz="3200" dirty="0" smtClean="0">
+              <a:rPr lang="en-US" sz="3200" dirty="0">
                 <a:solidFill>
                   <a:schemeClr val="tx1">
                     <a:lumMod val="50000"/>
@@ -5359,14 +4776,6 @@
               </a:rPr>
               <a:t>→</a:t>
             </a:r>
-            <a:endParaRPr lang="en-US" sz="3200" dirty="0">
-              <a:solidFill>
-                <a:schemeClr val="tx1">
-                  <a:lumMod val="50000"/>
-                  <a:lumOff val="50000"/>
-                </a:schemeClr>
-              </a:solidFill>
-            </a:endParaRPr>
           </a:p>
         </p:txBody>
       </p:sp>
@@ -5410,17 +4819,10 @@
   <p:clrMapOvr>
     <a:masterClrMapping/>
   </p:clrMapOvr>
-  <p:timing>
-    <p:tnLst>
-      <p:par>
-        <p:cTn id="1" dur="indefinite" restart="never" nodeType="tmRoot"/>
-      </p:par>
-    </p:tnLst>
-  </p:timing>
 </p:sld>
 </file>
 
-<file path=ppt/slides/slide2.xml><?xml version="1.0" encoding="utf-8"?>
+<file path=ppt/slides/slide17.xml><?xml version="1.0" encoding="utf-8"?>
 <p:sld xmlns:a="http://schemas.openxmlformats.org/drawingml/2006/main" xmlns:r="http://schemas.openxmlformats.org/officeDocument/2006/relationships" xmlns:p="http://schemas.openxmlformats.org/presentationml/2006/main">
   <p:cSld>
     <p:spTree>
@@ -5453,148 +4855,9 @@
           <a:lstStyle/>
           <a:p>
             <a:r>
-              <a:rPr lang="en-US" smtClean="0"/>
-              <a:t>Agenda</a:t>
-            </a:r>
-            <a:endParaRPr lang="en-US"/>
-          </a:p>
-        </p:txBody>
-      </p:sp>
-      <p:sp>
-        <p:nvSpPr>
-          <p:cNvPr id="3" name="Content Placeholder 2"/>
-          <p:cNvSpPr>
-            <a:spLocks noGrp="1"/>
-          </p:cNvSpPr>
-          <p:nvPr>
-            <p:ph idx="1"/>
-          </p:nvPr>
-        </p:nvSpPr>
-        <p:spPr/>
-        <p:txBody>
-          <a:bodyPr>
-            <a:normAutofit/>
-          </a:bodyPr>
-          <a:lstStyle/>
-          <a:p>
-            <a:r>
-              <a:rPr lang="en-US" b="1"/>
-              <a:t>Midterm</a:t>
-            </a:r>
-          </a:p>
-          <a:p>
-            <a:r>
-              <a:rPr lang="en-US" smtClean="0"/>
-              <a:t>Final </a:t>
-            </a:r>
-            <a:r>
               <a:rPr lang="en-US" dirty="0"/>
-              <a:t>Project</a:t>
-            </a:r>
-          </a:p>
-          <a:p>
-            <a:r>
-              <a:rPr lang="en-US" dirty="0" smtClean="0"/>
-              <a:t>Data Shaping</a:t>
-            </a:r>
-          </a:p>
-          <a:p>
-            <a:pPr lvl="1"/>
-            <a:r>
-              <a:rPr lang="en-US" dirty="0"/>
-              <a:t>Merge &amp; joins</a:t>
-            </a:r>
-          </a:p>
-          <a:p>
-            <a:pPr lvl="1"/>
-            <a:r>
-              <a:rPr lang="en-US" dirty="0" err="1"/>
-              <a:t>Concat</a:t>
-            </a:r>
-            <a:endParaRPr lang="en-US" dirty="0"/>
-          </a:p>
-          <a:p>
-            <a:pPr lvl="1"/>
-            <a:r>
-              <a:rPr lang="en-US" dirty="0" smtClean="0"/>
-              <a:t>Clean</a:t>
-            </a:r>
-          </a:p>
-          <a:p>
-            <a:r>
-              <a:rPr lang="en-US" dirty="0" smtClean="0"/>
-              <a:t>Tableau</a:t>
-            </a:r>
-          </a:p>
-          <a:p>
-            <a:r>
-              <a:rPr lang="en-US" dirty="0" err="1" smtClean="0"/>
-              <a:t>Matplotlib</a:t>
-            </a:r>
-            <a:endParaRPr lang="en-US" dirty="0" smtClean="0"/>
-          </a:p>
-          <a:p>
-            <a:endParaRPr lang="en-US" b="1" dirty="0"/>
-          </a:p>
-        </p:txBody>
-      </p:sp>
-    </p:spTree>
-    <p:extLst>
-      <p:ext uri="{BB962C8B-B14F-4D97-AF65-F5344CB8AC3E}">
-        <p14:creationId xmlns:p14="http://schemas.microsoft.com/office/powerpoint/2010/main" val="1944294493"/>
-      </p:ext>
-    </p:extLst>
-  </p:cSld>
-  <p:clrMapOvr>
-    <a:masterClrMapping/>
-  </p:clrMapOvr>
-  <p:timing>
-    <p:tnLst>
-      <p:par>
-        <p:cTn id="1" dur="indefinite" restart="never" nodeType="tmRoot"/>
-      </p:par>
-    </p:tnLst>
-  </p:timing>
-</p:sld>
-</file>
-
-<file path=ppt/slides/slide20.xml><?xml version="1.0" encoding="utf-8"?>
-<p:sld xmlns:a="http://schemas.openxmlformats.org/drawingml/2006/main" xmlns:r="http://schemas.openxmlformats.org/officeDocument/2006/relationships" xmlns:p="http://schemas.openxmlformats.org/presentationml/2006/main">
-  <p:cSld>
-    <p:spTree>
-      <p:nvGrpSpPr>
-        <p:cNvPr id="1" name=""/>
-        <p:cNvGrpSpPr/>
-        <p:nvPr/>
-      </p:nvGrpSpPr>
-      <p:grpSpPr>
-        <a:xfrm>
-          <a:off x="0" y="0"/>
-          <a:ext cx="0" cy="0"/>
-          <a:chOff x="0" y="0"/>
-          <a:chExt cx="0" cy="0"/>
-        </a:xfrm>
-      </p:grpSpPr>
-      <p:sp>
-        <p:nvSpPr>
-          <p:cNvPr id="2" name="Title 1"/>
-          <p:cNvSpPr>
-            <a:spLocks noGrp="1"/>
-          </p:cNvSpPr>
-          <p:nvPr>
-            <p:ph type="title"/>
-          </p:nvPr>
-        </p:nvSpPr>
-        <p:spPr/>
-        <p:txBody>
-          <a:bodyPr/>
-          <a:lstStyle/>
-          <a:p>
-            <a:r>
-              <a:rPr lang="en-US" dirty="0" smtClean="0"/>
               <a:t>Merging (full outer join)</a:t>
             </a:r>
-            <a:endParaRPr lang="en-US" dirty="0"/>
           </a:p>
         </p:txBody>
       </p:sp>
@@ -5689,27 +4952,8 @@
                   </a:schemeClr>
                 </a:solidFill>
               </a:rPr>
-              <a:t>o</a:t>
-            </a:r>
-            <a:r>
-              <a:rPr lang="en-US" sz="3200" dirty="0" smtClean="0">
-                <a:solidFill>
-                  <a:schemeClr val="tx1">
-                    <a:lumMod val="50000"/>
-                    <a:lumOff val="50000"/>
-                  </a:schemeClr>
-                </a:solidFill>
-              </a:rPr>
-              <a:t>uter join</a:t>
-            </a:r>
-            <a:endParaRPr lang="en-US" sz="3200" dirty="0">
-              <a:solidFill>
-                <a:schemeClr val="tx1">
-                  <a:lumMod val="50000"/>
-                  <a:lumOff val="50000"/>
-                </a:schemeClr>
-              </a:solidFill>
-            </a:endParaRPr>
+              <a:t>outer join</a:t>
+            </a:r>
           </a:p>
         </p:txBody>
       </p:sp>
@@ -5737,7 +4981,7 @@
           <a:p>
             <a:pPr algn="ctr"/>
             <a:r>
-              <a:rPr lang="en-US" sz="3200" dirty="0" smtClean="0">
+              <a:rPr lang="en-US" sz="3200" dirty="0">
                 <a:solidFill>
                   <a:schemeClr val="tx1">
                     <a:lumMod val="50000"/>
@@ -5747,14 +4991,6 @@
               </a:rPr>
               <a:t>→</a:t>
             </a:r>
-            <a:endParaRPr lang="en-US" sz="3200" dirty="0">
-              <a:solidFill>
-                <a:schemeClr val="tx1">
-                  <a:lumMod val="50000"/>
-                  <a:lumOff val="50000"/>
-                </a:schemeClr>
-              </a:solidFill>
-            </a:endParaRPr>
           </a:p>
         </p:txBody>
       </p:sp>
@@ -5798,17 +5034,10 @@
   <p:clrMapOvr>
     <a:masterClrMapping/>
   </p:clrMapOvr>
-  <p:timing>
-    <p:tnLst>
-      <p:par>
-        <p:cTn id="1" dur="indefinite" restart="never" nodeType="tmRoot"/>
-      </p:par>
-    </p:tnLst>
-  </p:timing>
 </p:sld>
 </file>
 
-<file path=ppt/slides/slide21.xml><?xml version="1.0" encoding="utf-8"?>
+<file path=ppt/slides/slide18.xml><?xml version="1.0" encoding="utf-8"?>
 <p:sld xmlns:a="http://schemas.openxmlformats.org/drawingml/2006/main" xmlns:r="http://schemas.openxmlformats.org/officeDocument/2006/relationships" xmlns:p="http://schemas.openxmlformats.org/presentationml/2006/main">
   <p:cSld>
     <p:spTree>
@@ -5841,14 +5070,13 @@
           <a:lstStyle/>
           <a:p>
             <a:r>
-              <a:rPr lang="en-US" dirty="0" err="1" smtClean="0"/>
+              <a:rPr lang="en-US" dirty="0" err="1"/>
               <a:t>GroupBy</a:t>
             </a:r>
             <a:r>
-              <a:rPr lang="en-US" dirty="0" smtClean="0"/>
+              <a:rPr lang="en-US" dirty="0"/>
               <a:t> : setup</a:t>
             </a:r>
-            <a:endParaRPr lang="en-US" dirty="0"/>
           </a:p>
         </p:txBody>
       </p:sp>
@@ -6008,7 +5236,7 @@
 </p:sld>
 </file>
 
-<file path=ppt/slides/slide22.xml><?xml version="1.0" encoding="utf-8"?>
+<file path=ppt/slides/slide19.xml><?xml version="1.0" encoding="utf-8"?>
 <p:sld xmlns:a="http://schemas.openxmlformats.org/drawingml/2006/main" xmlns:r="http://schemas.openxmlformats.org/officeDocument/2006/relationships" xmlns:p="http://schemas.openxmlformats.org/presentationml/2006/main">
   <p:cSld>
     <p:spTree>
@@ -6041,14 +5269,13 @@
           <a:lstStyle/>
           <a:p>
             <a:r>
-              <a:rPr lang="en-US" dirty="0" err="1" smtClean="0"/>
+              <a:rPr lang="en-US" dirty="0" err="1"/>
               <a:t>GroupBy</a:t>
             </a:r>
             <a:r>
-              <a:rPr lang="en-US" dirty="0" smtClean="0"/>
+              <a:rPr lang="en-US" dirty="0"/>
               <a:t> : by teacher</a:t>
             </a:r>
-            <a:endParaRPr lang="en-US" dirty="0"/>
           </a:p>
         </p:txBody>
       </p:sp>
@@ -6122,17 +5349,10 @@
   <p:clrMapOvr>
     <a:masterClrMapping/>
   </p:clrMapOvr>
-  <p:timing>
-    <p:tnLst>
-      <p:par>
-        <p:cTn id="1" dur="indefinite" restart="never" nodeType="tmRoot"/>
-      </p:par>
-    </p:tnLst>
-  </p:timing>
 </p:sld>
 </file>
 
-<file path=ppt/slides/slide23.xml><?xml version="1.0" encoding="utf-8"?>
+<file path=ppt/slides/slide2.xml><?xml version="1.0" encoding="utf-8"?>
 <p:sld xmlns:a="http://schemas.openxmlformats.org/drawingml/2006/main" xmlns:r="http://schemas.openxmlformats.org/officeDocument/2006/relationships" xmlns:p="http://schemas.openxmlformats.org/presentationml/2006/main">
   <p:cSld>
     <p:spTree>
@@ -6165,14 +5385,133 @@
           <a:lstStyle/>
           <a:p>
             <a:r>
-              <a:rPr lang="en-US" dirty="0" err="1" smtClean="0"/>
+              <a:rPr lang="en-US"/>
+              <a:t>Agenda</a:t>
+            </a:r>
+          </a:p>
+        </p:txBody>
+      </p:sp>
+      <p:sp>
+        <p:nvSpPr>
+          <p:cNvPr id="3" name="Content Placeholder 2"/>
+          <p:cNvSpPr>
+            <a:spLocks noGrp="1"/>
+          </p:cNvSpPr>
+          <p:nvPr>
+            <p:ph idx="1"/>
+          </p:nvPr>
+        </p:nvSpPr>
+        <p:spPr/>
+        <p:txBody>
+          <a:bodyPr>
+            <a:normAutofit/>
+          </a:bodyPr>
+          <a:lstStyle/>
+          <a:p>
+            <a:r>
+              <a:rPr lang="en-US" dirty="0"/>
+              <a:t>Project</a:t>
+            </a:r>
+          </a:p>
+          <a:p>
+            <a:r>
+              <a:rPr lang="en-US" dirty="0"/>
+              <a:t>Data Shaping</a:t>
+            </a:r>
+          </a:p>
+          <a:p>
+            <a:pPr lvl="1"/>
+            <a:r>
+              <a:rPr lang="en-US" dirty="0"/>
+              <a:t>Merge &amp; joins</a:t>
+            </a:r>
+          </a:p>
+          <a:p>
+            <a:pPr lvl="1"/>
+            <a:r>
+              <a:rPr lang="en-US" dirty="0" err="1"/>
+              <a:t>Concat</a:t>
+            </a:r>
+            <a:endParaRPr lang="en-US" dirty="0"/>
+          </a:p>
+          <a:p>
+            <a:pPr lvl="1"/>
+            <a:r>
+              <a:rPr lang="en-US" dirty="0"/>
+              <a:t>Clean</a:t>
+            </a:r>
+          </a:p>
+          <a:p>
+            <a:r>
+              <a:rPr lang="en-US" dirty="0"/>
+              <a:t>Tableau</a:t>
+            </a:r>
+          </a:p>
+          <a:p>
+            <a:r>
+              <a:rPr lang="en-US" dirty="0" err="1"/>
+              <a:t>Matplotlib</a:t>
+            </a:r>
+            <a:endParaRPr lang="en-US" dirty="0"/>
+          </a:p>
+          <a:p>
+            <a:endParaRPr lang="en-US" b="1" dirty="0"/>
+          </a:p>
+        </p:txBody>
+      </p:sp>
+    </p:spTree>
+    <p:extLst>
+      <p:ext uri="{BB962C8B-B14F-4D97-AF65-F5344CB8AC3E}">
+        <p14:creationId xmlns:p14="http://schemas.microsoft.com/office/powerpoint/2010/main" val="1944294493"/>
+      </p:ext>
+    </p:extLst>
+  </p:cSld>
+  <p:clrMapOvr>
+    <a:masterClrMapping/>
+  </p:clrMapOvr>
+</p:sld>
+</file>
+
+<file path=ppt/slides/slide20.xml><?xml version="1.0" encoding="utf-8"?>
+<p:sld xmlns:a="http://schemas.openxmlformats.org/drawingml/2006/main" xmlns:r="http://schemas.openxmlformats.org/officeDocument/2006/relationships" xmlns:p="http://schemas.openxmlformats.org/presentationml/2006/main">
+  <p:cSld>
+    <p:spTree>
+      <p:nvGrpSpPr>
+        <p:cNvPr id="1" name=""/>
+        <p:cNvGrpSpPr/>
+        <p:nvPr/>
+      </p:nvGrpSpPr>
+      <p:grpSpPr>
+        <a:xfrm>
+          <a:off x="0" y="0"/>
+          <a:ext cx="0" cy="0"/>
+          <a:chOff x="0" y="0"/>
+          <a:chExt cx="0" cy="0"/>
+        </a:xfrm>
+      </p:grpSpPr>
+      <p:sp>
+        <p:nvSpPr>
+          <p:cNvPr id="2" name="Title 1"/>
+          <p:cNvSpPr>
+            <a:spLocks noGrp="1"/>
+          </p:cNvSpPr>
+          <p:nvPr>
+            <p:ph type="title"/>
+          </p:nvPr>
+        </p:nvSpPr>
+        <p:spPr/>
+        <p:txBody>
+          <a:bodyPr/>
+          <a:lstStyle/>
+          <a:p>
+            <a:r>
+              <a:rPr lang="en-US" dirty="0" err="1"/>
               <a:t>GroupBy</a:t>
             </a:r>
             <a:r>
-              <a:rPr lang="en-US" dirty="0" smtClean="0"/>
+              <a:rPr lang="en-US" dirty="0"/>
               <a:t> : by teacher</a:t>
             </a:r>
-            <a:endParaRPr lang="en-US" dirty="0"/>
           </a:p>
         </p:txBody>
       </p:sp>
@@ -6324,7 +5663,7 @@
 </p:sld>
 </file>
 
-<file path=ppt/slides/slide24.xml><?xml version="1.0" encoding="utf-8"?>
+<file path=ppt/slides/slide21.xml><?xml version="1.0" encoding="utf-8"?>
 <p:sld xmlns:a="http://schemas.openxmlformats.org/drawingml/2006/main" xmlns:r="http://schemas.openxmlformats.org/officeDocument/2006/relationships" xmlns:p="http://schemas.openxmlformats.org/presentationml/2006/main">
   <p:cSld>
     <p:spTree>
@@ -6357,14 +5696,13 @@
           <a:lstStyle/>
           <a:p>
             <a:r>
-              <a:rPr lang="en-US" dirty="0" err="1" smtClean="0"/>
+              <a:rPr lang="en-US" dirty="0" err="1"/>
               <a:t>GroupBy</a:t>
             </a:r>
             <a:r>
-              <a:rPr lang="en-US" dirty="0" smtClean="0"/>
+              <a:rPr lang="en-US" dirty="0"/>
               <a:t> : specific aggregations</a:t>
             </a:r>
-            <a:endParaRPr lang="en-US" dirty="0"/>
           </a:p>
         </p:txBody>
       </p:sp>
@@ -6524,7 +5862,7 @@
 </p:sld>
 </file>
 
-<file path=ppt/slides/slide25.xml><?xml version="1.0" encoding="utf-8"?>
+<file path=ppt/slides/slide22.xml><?xml version="1.0" encoding="utf-8"?>
 <p:sld xmlns:a="http://schemas.openxmlformats.org/drawingml/2006/main" xmlns:r="http://schemas.openxmlformats.org/officeDocument/2006/relationships" xmlns:p="http://schemas.openxmlformats.org/presentationml/2006/main">
   <p:cSld>
     <p:spTree>
@@ -6557,10 +5895,9 @@
           <a:lstStyle/>
           <a:p>
             <a:r>
-              <a:rPr lang="en-US" dirty="0" smtClean="0"/>
+              <a:rPr lang="en-US" dirty="0"/>
               <a:t>Stacking &amp; Unstacking</a:t>
             </a:r>
-            <a:endParaRPr lang="en-US" dirty="0"/>
           </a:p>
         </p:txBody>
       </p:sp>
@@ -6616,7 +5953,7 @@
 </p:sld>
 </file>
 
-<file path=ppt/slides/slide26.xml><?xml version="1.0" encoding="utf-8"?>
+<file path=ppt/slides/slide23.xml><?xml version="1.0" encoding="utf-8"?>
 <p:sld xmlns:a="http://schemas.openxmlformats.org/drawingml/2006/main" xmlns:r="http://schemas.openxmlformats.org/officeDocument/2006/relationships" xmlns:p="http://schemas.openxmlformats.org/presentationml/2006/main">
   <p:cSld>
     <p:spTree>
@@ -6649,10 +5986,9 @@
           <a:lstStyle/>
           <a:p>
             <a:r>
-              <a:rPr lang="en-US" dirty="0" smtClean="0"/>
+              <a:rPr lang="en-US" dirty="0"/>
               <a:t>Stacking</a:t>
             </a:r>
-            <a:endParaRPr lang="en-US" dirty="0"/>
           </a:p>
         </p:txBody>
       </p:sp>
@@ -6699,7 +6035,7 @@
 </p:sld>
 </file>
 
-<file path=ppt/slides/slide27.xml><?xml version="1.0" encoding="utf-8"?>
+<file path=ppt/slides/slide24.xml><?xml version="1.0" encoding="utf-8"?>
 <p:sld xmlns:a="http://schemas.openxmlformats.org/drawingml/2006/main" xmlns:r="http://schemas.openxmlformats.org/officeDocument/2006/relationships" xmlns:p="http://schemas.openxmlformats.org/presentationml/2006/main">
   <p:cSld>
     <p:spTree>
@@ -6732,10 +6068,9 @@
           <a:lstStyle/>
           <a:p>
             <a:r>
-              <a:rPr lang="en-US" dirty="0" smtClean="0"/>
+              <a:rPr lang="en-US" dirty="0"/>
               <a:t>Stacking</a:t>
             </a:r>
-            <a:endParaRPr lang="en-US" dirty="0"/>
           </a:p>
         </p:txBody>
       </p:sp>
@@ -6782,7 +6117,7 @@
 </p:sld>
 </file>
 
-<file path=ppt/slides/slide28.xml><?xml version="1.0" encoding="utf-8"?>
+<file path=ppt/slides/slide25.xml><?xml version="1.0" encoding="utf-8"?>
 <p:sld xmlns:a="http://schemas.openxmlformats.org/drawingml/2006/main" xmlns:r="http://schemas.openxmlformats.org/officeDocument/2006/relationships" xmlns:p="http://schemas.openxmlformats.org/presentationml/2006/main">
   <p:cSld>
     <p:spTree>
@@ -6815,10 +6150,9 @@
           <a:lstStyle/>
           <a:p>
             <a:r>
-              <a:rPr lang="en-US" dirty="0" smtClean="0"/>
+              <a:rPr lang="en-US" dirty="0"/>
               <a:t>Stacking</a:t>
             </a:r>
-            <a:endParaRPr lang="en-US" dirty="0"/>
           </a:p>
         </p:txBody>
       </p:sp>
@@ -6865,7 +6199,7 @@
 </p:sld>
 </file>
 
-<file path=ppt/slides/slide29.xml><?xml version="1.0" encoding="utf-8"?>
+<file path=ppt/slides/slide26.xml><?xml version="1.0" encoding="utf-8"?>
 <p:sld xmlns:a="http://schemas.openxmlformats.org/drawingml/2006/main" xmlns:r="http://schemas.openxmlformats.org/officeDocument/2006/relationships" xmlns:p="http://schemas.openxmlformats.org/presentationml/2006/main">
   <p:cSld>
     <p:spTree>
@@ -6898,10 +6232,9 @@
           <a:lstStyle/>
           <a:p>
             <a:r>
-              <a:rPr lang="en-US" dirty="0" smtClean="0"/>
+              <a:rPr lang="en-US" dirty="0"/>
               <a:t>Stacking</a:t>
             </a:r>
-            <a:endParaRPr lang="en-US" dirty="0"/>
           </a:p>
         </p:txBody>
       </p:sp>
@@ -6948,7 +6281,7 @@
 </p:sld>
 </file>
 
-<file path=ppt/slides/slide3.xml><?xml version="1.0" encoding="utf-8"?>
+<file path=ppt/slides/slide27.xml><?xml version="1.0" encoding="utf-8"?>
 <p:sld xmlns:a="http://schemas.openxmlformats.org/drawingml/2006/main" xmlns:r="http://schemas.openxmlformats.org/officeDocument/2006/relationships" xmlns:p="http://schemas.openxmlformats.org/presentationml/2006/main">
   <p:cSld>
     <p:spTree>
@@ -6975,82 +6308,15 @@
             <p:ph type="title"/>
           </p:nvPr>
         </p:nvSpPr>
-        <p:spPr>
-          <a:xfrm>
-            <a:off x="895350" y="2411095"/>
-            <a:ext cx="10515600" cy="1325563"/>
-          </a:xfrm>
-        </p:spPr>
+        <p:spPr/>
         <p:txBody>
           <a:bodyPr/>
           <a:lstStyle/>
           <a:p>
-            <a:pPr algn="ctr"/>
-            <a:r>
-              <a:rPr lang="en-US" dirty="0" smtClean="0"/>
-              <a:t>Midterm</a:t>
-            </a:r>
-            <a:endParaRPr lang="en-US" dirty="0"/>
-          </a:p>
-        </p:txBody>
-      </p:sp>
-    </p:spTree>
-    <p:extLst>
-      <p:ext uri="{BB962C8B-B14F-4D97-AF65-F5344CB8AC3E}">
-        <p14:creationId xmlns:p14="http://schemas.microsoft.com/office/powerpoint/2010/main" val="1646371099"/>
-      </p:ext>
-    </p:extLst>
-  </p:cSld>
-  <p:clrMapOvr>
-    <a:masterClrMapping/>
-  </p:clrMapOvr>
-  <p:timing>
-    <p:tnLst>
-      <p:par>
-        <p:cTn id="1" dur="indefinite" restart="never" nodeType="tmRoot"/>
-      </p:par>
-    </p:tnLst>
-  </p:timing>
-</p:sld>
-</file>
-
-<file path=ppt/slides/slide30.xml><?xml version="1.0" encoding="utf-8"?>
-<p:sld xmlns:a="http://schemas.openxmlformats.org/drawingml/2006/main" xmlns:r="http://schemas.openxmlformats.org/officeDocument/2006/relationships" xmlns:p="http://schemas.openxmlformats.org/presentationml/2006/main">
-  <p:cSld>
-    <p:spTree>
-      <p:nvGrpSpPr>
-        <p:cNvPr id="1" name=""/>
-        <p:cNvGrpSpPr/>
-        <p:nvPr/>
-      </p:nvGrpSpPr>
-      <p:grpSpPr>
-        <a:xfrm>
-          <a:off x="0" y="0"/>
-          <a:ext cx="0" cy="0"/>
-          <a:chOff x="0" y="0"/>
-          <a:chExt cx="0" cy="0"/>
-        </a:xfrm>
-      </p:grpSpPr>
-      <p:sp>
-        <p:nvSpPr>
-          <p:cNvPr id="2" name="Title 1"/>
-          <p:cNvSpPr>
-            <a:spLocks noGrp="1"/>
-          </p:cNvSpPr>
-          <p:nvPr>
-            <p:ph type="title"/>
-          </p:nvPr>
-        </p:nvSpPr>
-        <p:spPr/>
-        <p:txBody>
-          <a:bodyPr/>
-          <a:lstStyle/>
-          <a:p>
-            <a:r>
-              <a:rPr lang="en-US" dirty="0" smtClean="0"/>
+            <a:r>
+              <a:rPr lang="en-US" dirty="0"/>
               <a:t>Stacking</a:t>
             </a:r>
-            <a:endParaRPr lang="en-US" dirty="0"/>
           </a:p>
         </p:txBody>
       </p:sp>
@@ -7097,7 +6363,7 @@
 </p:sld>
 </file>
 
-<file path=ppt/slides/slide31.xml><?xml version="1.0" encoding="utf-8"?>
+<file path=ppt/slides/slide28.xml><?xml version="1.0" encoding="utf-8"?>
 <p:sld xmlns:a="http://schemas.openxmlformats.org/drawingml/2006/main" xmlns:r="http://schemas.openxmlformats.org/officeDocument/2006/relationships" xmlns:p="http://schemas.openxmlformats.org/presentationml/2006/main">
   <p:cSld>
     <p:spTree>
@@ -7130,10 +6396,9 @@
           <a:lstStyle/>
           <a:p>
             <a:r>
-              <a:rPr lang="en-US" dirty="0" smtClean="0"/>
+              <a:rPr lang="en-US" dirty="0"/>
               <a:t>Stacking : may introduce Missing Values</a:t>
             </a:r>
-            <a:endParaRPr lang="en-US" dirty="0"/>
           </a:p>
         </p:txBody>
       </p:sp>
@@ -7180,7 +6445,7 @@
 </p:sld>
 </file>
 
-<file path=ppt/slides/slide32.xml><?xml version="1.0" encoding="utf-8"?>
+<file path=ppt/slides/slide29.xml><?xml version="1.0" encoding="utf-8"?>
 <p:sld xmlns:a="http://schemas.openxmlformats.org/drawingml/2006/main" xmlns:r="http://schemas.openxmlformats.org/officeDocument/2006/relationships" xmlns:p="http://schemas.openxmlformats.org/presentationml/2006/main">
   <p:cSld>
     <p:spTree>
@@ -7213,11 +6478,11 @@
           <a:lstStyle/>
           <a:p>
             <a:r>
-              <a:rPr lang="en-US" dirty="0" smtClean="0"/>
+              <a:rPr lang="en-US" dirty="0"/>
               <a:t>Stacking : may </a:t>
             </a:r>
             <a:r>
-              <a:rPr lang="en-US" smtClean="0"/>
+              <a:rPr lang="en-US"/>
               <a:t>introduce Missing Values</a:t>
             </a:r>
             <a:endParaRPr lang="en-US" dirty="0"/>
@@ -7267,7 +6532,7 @@
 </p:sld>
 </file>
 
-<file path=ppt/slides/slide33.xml><?xml version="1.0" encoding="utf-8"?>
+<file path=ppt/slides/slide3.xml><?xml version="1.0" encoding="utf-8"?>
 <p:sld xmlns:a="http://schemas.openxmlformats.org/drawingml/2006/main" xmlns:r="http://schemas.openxmlformats.org/officeDocument/2006/relationships" xmlns:p="http://schemas.openxmlformats.org/presentationml/2006/main">
   <p:cSld>
     <p:spTree>
@@ -7300,11 +6565,131 @@
           <a:lstStyle/>
           <a:p>
             <a:r>
-              <a:rPr lang="en-US" dirty="0" smtClean="0"/>
+              <a:rPr lang="en-US"/>
+              <a:t>Agenda</a:t>
+            </a:r>
+          </a:p>
+        </p:txBody>
+      </p:sp>
+      <p:sp>
+        <p:nvSpPr>
+          <p:cNvPr id="3" name="Content Placeholder 2"/>
+          <p:cNvSpPr>
+            <a:spLocks noGrp="1"/>
+          </p:cNvSpPr>
+          <p:nvPr>
+            <p:ph idx="1"/>
+          </p:nvPr>
+        </p:nvSpPr>
+        <p:spPr/>
+        <p:txBody>
+          <a:bodyPr>
+            <a:normAutofit/>
+          </a:bodyPr>
+          <a:lstStyle/>
+          <a:p>
+            <a:r>
+              <a:rPr lang="en-US" b="1" dirty="0"/>
+              <a:t>Project</a:t>
+            </a:r>
+          </a:p>
+          <a:p>
+            <a:r>
+              <a:rPr lang="en-US" dirty="0"/>
+              <a:t>Data Shaping</a:t>
+            </a:r>
+          </a:p>
+          <a:p>
+            <a:pPr lvl="1"/>
+            <a:r>
+              <a:rPr lang="en-US" dirty="0"/>
+              <a:t>Merge &amp; joins</a:t>
+            </a:r>
+          </a:p>
+          <a:p>
+            <a:pPr lvl="1"/>
+            <a:r>
+              <a:rPr lang="en-US" dirty="0" err="1"/>
+              <a:t>Concat</a:t>
+            </a:r>
+            <a:endParaRPr lang="en-US" dirty="0"/>
+          </a:p>
+          <a:p>
+            <a:pPr lvl="1"/>
+            <a:r>
+              <a:rPr lang="en-US" dirty="0"/>
+              <a:t>Clean</a:t>
+            </a:r>
+          </a:p>
+          <a:p>
+            <a:r>
+              <a:rPr lang="en-US" dirty="0"/>
+              <a:t>Tableau</a:t>
+            </a:r>
+          </a:p>
+          <a:p>
+            <a:r>
+              <a:rPr lang="en-US" dirty="0" err="1"/>
+              <a:t>Matplotlib</a:t>
+            </a:r>
+            <a:endParaRPr lang="en-US" dirty="0"/>
+          </a:p>
+          <a:p>
+            <a:endParaRPr lang="en-US" b="1" dirty="0"/>
+          </a:p>
+        </p:txBody>
+      </p:sp>
+    </p:spTree>
+    <p:extLst>
+      <p:ext uri="{BB962C8B-B14F-4D97-AF65-F5344CB8AC3E}">
+        <p14:creationId xmlns:p14="http://schemas.microsoft.com/office/powerpoint/2010/main" val="289355079"/>
+      </p:ext>
+    </p:extLst>
+  </p:cSld>
+  <p:clrMapOvr>
+    <a:masterClrMapping/>
+  </p:clrMapOvr>
+</p:sld>
+</file>
+
+<file path=ppt/slides/slide30.xml><?xml version="1.0" encoding="utf-8"?>
+<p:sld xmlns:a="http://schemas.openxmlformats.org/drawingml/2006/main" xmlns:r="http://schemas.openxmlformats.org/officeDocument/2006/relationships" xmlns:p="http://schemas.openxmlformats.org/presentationml/2006/main">
+  <p:cSld>
+    <p:spTree>
+      <p:nvGrpSpPr>
+        <p:cNvPr id="1" name=""/>
+        <p:cNvGrpSpPr/>
+        <p:nvPr/>
+      </p:nvGrpSpPr>
+      <p:grpSpPr>
+        <a:xfrm>
+          <a:off x="0" y="0"/>
+          <a:ext cx="0" cy="0"/>
+          <a:chOff x="0" y="0"/>
+          <a:chExt cx="0" cy="0"/>
+        </a:xfrm>
+      </p:grpSpPr>
+      <p:sp>
+        <p:nvSpPr>
+          <p:cNvPr id="2" name="Title 1"/>
+          <p:cNvSpPr>
+            <a:spLocks noGrp="1"/>
+          </p:cNvSpPr>
+          <p:nvPr>
+            <p:ph type="title"/>
+          </p:nvPr>
+        </p:nvSpPr>
+        <p:spPr/>
+        <p:txBody>
+          <a:bodyPr/>
+          <a:lstStyle/>
+          <a:p>
+            <a:r>
+              <a:rPr lang="en-US" dirty="0"/>
               <a:t>Stacking : may </a:t>
             </a:r>
             <a:r>
-              <a:rPr lang="en-US" smtClean="0"/>
+              <a:rPr lang="en-US"/>
               <a:t>introduce Missing Values</a:t>
             </a:r>
             <a:endParaRPr lang="en-US" dirty="0"/>
@@ -7354,7 +6739,7 @@
 </p:sld>
 </file>
 
-<file path=ppt/slides/slide34.xml><?xml version="1.0" encoding="utf-8"?>
+<file path=ppt/slides/slide31.xml><?xml version="1.0" encoding="utf-8"?>
 <p:sld xmlns:a="http://schemas.openxmlformats.org/drawingml/2006/main" xmlns:r="http://schemas.openxmlformats.org/officeDocument/2006/relationships" xmlns:p="http://schemas.openxmlformats.org/presentationml/2006/main">
   <p:cSld>
     <p:spTree>
@@ -7392,10 +6777,9 @@
           <a:lstStyle/>
           <a:p>
             <a:r>
-              <a:rPr lang="en-US" dirty="0" smtClean="0"/>
+              <a:rPr lang="en-US" dirty="0"/>
               <a:t>Open notebook: “lecture05.data.shaping”</a:t>
             </a:r>
-            <a:endParaRPr lang="en-US" dirty="0"/>
           </a:p>
         </p:txBody>
       </p:sp>
@@ -7409,17 +6793,10 @@
   <p:clrMapOvr>
     <a:masterClrMapping/>
   </p:clrMapOvr>
-  <p:timing>
-    <p:tnLst>
-      <p:par>
-        <p:cTn id="1" dur="indefinite" restart="never" nodeType="tmRoot"/>
-      </p:par>
-    </p:tnLst>
-  </p:timing>
 </p:sld>
 </file>
 
-<file path=ppt/slides/slide35.xml><?xml version="1.0" encoding="utf-8"?>
+<file path=ppt/slides/slide32.xml><?xml version="1.0" encoding="utf-8"?>
 <p:sld xmlns:a="http://schemas.openxmlformats.org/drawingml/2006/main" xmlns:r="http://schemas.openxmlformats.org/officeDocument/2006/relationships" xmlns:p="http://schemas.openxmlformats.org/presentationml/2006/main">
   <p:cSld>
     <p:spTree>
@@ -7452,10 +6829,9 @@
           <a:lstStyle/>
           <a:p>
             <a:r>
-              <a:rPr lang="en-US" smtClean="0"/>
+              <a:rPr lang="en-US"/>
               <a:t>Agenda</a:t>
             </a:r>
-            <a:endParaRPr lang="en-US"/>
           </a:p>
         </p:txBody>
       </p:sp>
@@ -7478,22 +6854,12 @@
           <a:p>
             <a:r>
               <a:rPr lang="en-US" dirty="0"/>
-              <a:t>Midterm</a:t>
-            </a:r>
-          </a:p>
-          <a:p>
-            <a:r>
-              <a:rPr lang="en-US" dirty="0" smtClean="0"/>
-              <a:t>Final </a:t>
-            </a:r>
+              <a:t>Project</a:t>
+            </a:r>
+          </a:p>
+          <a:p>
             <a:r>
               <a:rPr lang="en-US" dirty="0"/>
-              <a:t>Project</a:t>
-            </a:r>
-          </a:p>
-          <a:p>
-            <a:r>
-              <a:rPr lang="en-US" dirty="0" smtClean="0"/>
               <a:t>Data Shaping</a:t>
             </a:r>
           </a:p>
@@ -7515,22 +6881,22 @@
           <a:p>
             <a:pPr lvl="1"/>
             <a:r>
-              <a:rPr lang="en-US" dirty="0" smtClean="0"/>
+              <a:rPr lang="en-US" dirty="0"/>
               <a:t>Clean</a:t>
             </a:r>
           </a:p>
           <a:p>
             <a:r>
-              <a:rPr lang="en-US" b="1" dirty="0" smtClean="0"/>
+              <a:rPr lang="en-US" b="1" dirty="0"/>
               <a:t>Tableau</a:t>
             </a:r>
           </a:p>
           <a:p>
             <a:r>
-              <a:rPr lang="en-US" dirty="0" err="1" smtClean="0"/>
+              <a:rPr lang="en-US" dirty="0" err="1"/>
               <a:t>Matplotlib</a:t>
             </a:r>
-            <a:endParaRPr lang="en-US" dirty="0" smtClean="0"/>
+            <a:endParaRPr lang="en-US" dirty="0"/>
           </a:p>
           <a:p>
             <a:endParaRPr lang="en-US" b="1" dirty="0"/>
@@ -7547,17 +6913,10 @@
   <p:clrMapOvr>
     <a:masterClrMapping/>
   </p:clrMapOvr>
-  <p:timing>
-    <p:tnLst>
-      <p:par>
-        <p:cTn id="1" dur="indefinite" restart="never" nodeType="tmRoot"/>
-      </p:par>
-    </p:tnLst>
-  </p:timing>
 </p:sld>
 </file>
 
-<file path=ppt/slides/slide36.xml><?xml version="1.0" encoding="utf-8"?>
+<file path=ppt/slides/slide33.xml><?xml version="1.0" encoding="utf-8"?>
 <p:sld xmlns:a="http://schemas.openxmlformats.org/drawingml/2006/main" xmlns:r="http://schemas.openxmlformats.org/officeDocument/2006/relationships" xmlns:p="http://schemas.openxmlformats.org/presentationml/2006/main">
   <p:cSld>
     <p:spTree>
@@ -7596,10 +6955,9 @@
           <a:p>
             <a:pPr algn="ctr"/>
             <a:r>
-              <a:rPr lang="en-US" dirty="0" smtClean="0"/>
+              <a:rPr lang="en-US" dirty="0"/>
               <a:t>Tableau</a:t>
             </a:r>
-            <a:endParaRPr lang="en-US" dirty="0"/>
           </a:p>
         </p:txBody>
       </p:sp>
@@ -7613,17 +6971,10 @@
   <p:clrMapOvr>
     <a:masterClrMapping/>
   </p:clrMapOvr>
-  <p:timing>
-    <p:tnLst>
-      <p:par>
-        <p:cTn id="1" dur="indefinite" restart="never" nodeType="tmRoot"/>
-      </p:par>
-    </p:tnLst>
-  </p:timing>
 </p:sld>
 </file>
 
-<file path=ppt/slides/slide37.xml><?xml version="1.0" encoding="utf-8"?>
+<file path=ppt/slides/slide34.xml><?xml version="1.0" encoding="utf-8"?>
 <p:sld xmlns:a="http://schemas.openxmlformats.org/drawingml/2006/main" xmlns:r="http://schemas.openxmlformats.org/officeDocument/2006/relationships" xmlns:p="http://schemas.openxmlformats.org/presentationml/2006/main">
   <p:cSld>
     <p:spTree>
@@ -7680,17 +7031,10 @@
   <p:clrMapOvr>
     <a:masterClrMapping/>
   </p:clrMapOvr>
-  <p:timing>
-    <p:tnLst>
-      <p:par>
-        <p:cTn id="1" dur="indefinite" restart="never" nodeType="tmRoot"/>
-      </p:par>
-    </p:tnLst>
-  </p:timing>
 </p:sld>
 </file>
 
-<file path=ppt/slides/slide38.xml><?xml version="1.0" encoding="utf-8"?>
+<file path=ppt/slides/slide35.xml><?xml version="1.0" encoding="utf-8"?>
 <p:sld xmlns:a="http://schemas.openxmlformats.org/drawingml/2006/main" xmlns:r="http://schemas.openxmlformats.org/officeDocument/2006/relationships" xmlns:p="http://schemas.openxmlformats.org/presentationml/2006/main">
   <p:cSld>
     <p:spTree>
@@ -7723,10 +7067,9 @@
           <a:lstStyle/>
           <a:p>
             <a:r>
-              <a:rPr lang="en-US" dirty="0" smtClean="0"/>
+              <a:rPr lang="en-US" dirty="0"/>
               <a:t>Student Tableau License</a:t>
             </a:r>
-            <a:endParaRPr lang="en-US" dirty="0"/>
           </a:p>
         </p:txBody>
       </p:sp>
@@ -7770,18 +7113,17 @@
               <a:defRPr/>
             </a:pPr>
             <a:r>
-              <a:rPr lang="en-US" sz="4800" dirty="0" smtClean="0"/>
+              <a:rPr lang="en-US" sz="4800" dirty="0"/>
               <a:t>http://</a:t>
             </a:r>
             <a:r>
-              <a:rPr lang="en-US" sz="4800" dirty="0" err="1" smtClean="0"/>
+              <a:rPr lang="en-US" sz="4800" dirty="0" err="1"/>
               <a:t>tableau.com</a:t>
             </a:r>
             <a:r>
-              <a:rPr lang="en-US" sz="4800" dirty="0" smtClean="0"/>
+              <a:rPr lang="en-US" sz="4800" dirty="0"/>
               <a:t>/students</a:t>
             </a:r>
-            <a:endParaRPr lang="en-US" sz="4800" dirty="0"/>
           </a:p>
         </p:txBody>
       </p:sp>
@@ -7795,17 +7137,10 @@
   <p:clrMapOvr>
     <a:masterClrMapping/>
   </p:clrMapOvr>
-  <p:timing>
-    <p:tnLst>
-      <p:par>
-        <p:cTn id="1" dur="indefinite" restart="never" nodeType="tmRoot"/>
-      </p:par>
-    </p:tnLst>
-  </p:timing>
 </p:sld>
 </file>
 
-<file path=ppt/slides/slide39.xml><?xml version="1.0" encoding="utf-8"?>
+<file path=ppt/slides/slide36.xml><?xml version="1.0" encoding="utf-8"?>
 <p:sld xmlns:a="http://schemas.openxmlformats.org/drawingml/2006/main" xmlns:r="http://schemas.openxmlformats.org/officeDocument/2006/relationships" xmlns:p="http://schemas.openxmlformats.org/presentationml/2006/main">
   <p:cSld>
     <p:spTree>
@@ -7838,10 +7173,9 @@
           <a:lstStyle/>
           <a:p>
             <a:r>
-              <a:rPr lang="en-US" dirty="0" smtClean="0"/>
+              <a:rPr lang="en-US" dirty="0"/>
               <a:t>Data Ingestion</a:t>
             </a:r>
-            <a:endParaRPr lang="en-US" dirty="0"/>
           </a:p>
         </p:txBody>
       </p:sp>
@@ -7861,40 +7195,39 @@
           <a:lstStyle/>
           <a:p>
             <a:r>
-              <a:rPr lang="en-US" dirty="0" smtClean="0"/>
+              <a:rPr lang="en-US" dirty="0"/>
               <a:t>Joins: inner, left, right, full</a:t>
             </a:r>
           </a:p>
           <a:p>
             <a:r>
-              <a:rPr lang="en-US" dirty="0" smtClean="0"/>
+              <a:rPr lang="en-US" dirty="0"/>
               <a:t>Extract – Transform – Load (ETL)</a:t>
             </a:r>
           </a:p>
           <a:p>
             <a:r>
-              <a:rPr lang="en-US" dirty="0" smtClean="0"/>
+              <a:rPr lang="en-US" dirty="0"/>
               <a:t>Field Transformation</a:t>
             </a:r>
           </a:p>
           <a:p>
             <a:r>
-              <a:rPr lang="en-US" dirty="0" smtClean="0"/>
+              <a:rPr lang="en-US" dirty="0"/>
               <a:t>Live / Extract</a:t>
             </a:r>
           </a:p>
           <a:p>
             <a:r>
-              <a:rPr lang="en-US" dirty="0" smtClean="0"/>
+              <a:rPr lang="en-US" dirty="0"/>
               <a:t>Filtering</a:t>
             </a:r>
           </a:p>
           <a:p>
             <a:r>
-              <a:rPr lang="en-US" dirty="0" smtClean="0"/>
+              <a:rPr lang="en-US" dirty="0"/>
               <a:t>Large dataset &amp; role of Tableau</a:t>
             </a:r>
-            <a:endParaRPr lang="en-US" dirty="0"/>
           </a:p>
         </p:txBody>
       </p:sp>
@@ -8378,7 +7711,7 @@
 </p:sld>
 </file>
 
-<file path=ppt/slides/slide4.xml><?xml version="1.0" encoding="utf-8"?>
+<file path=ppt/slides/slide37.xml><?xml version="1.0" encoding="utf-8"?>
 <p:sld xmlns:a="http://schemas.openxmlformats.org/drawingml/2006/main" xmlns:r="http://schemas.openxmlformats.org/officeDocument/2006/relationships" xmlns:p="http://schemas.openxmlformats.org/presentationml/2006/main">
   <p:cSld>
     <p:spTree>
@@ -8411,130 +7744,9 @@
           <a:lstStyle/>
           <a:p>
             <a:r>
-              <a:rPr lang="en-US" dirty="0" smtClean="0"/>
-              <a:t>Midterm – 2 parts</a:t>
-            </a:r>
-            <a:endParaRPr lang="en-US" dirty="0"/>
-          </a:p>
-        </p:txBody>
-      </p:sp>
-      <p:sp>
-        <p:nvSpPr>
-          <p:cNvPr id="3" name="Content Placeholder 2"/>
-          <p:cNvSpPr>
-            <a:spLocks noGrp="1"/>
-          </p:cNvSpPr>
-          <p:nvPr>
-            <p:ph idx="1"/>
-          </p:nvPr>
-        </p:nvSpPr>
-        <p:spPr/>
-        <p:txBody>
-          <a:bodyPr/>
-          <a:lstStyle/>
-          <a:p>
-            <a:r>
-              <a:rPr lang="en-US" dirty="0" smtClean="0"/>
-              <a:t>In-class (20 questions, 1 hour)</a:t>
-            </a:r>
-          </a:p>
-          <a:p>
-            <a:r>
-              <a:rPr lang="en-US" dirty="0" smtClean="0"/>
-              <a:t>Take-home (1 dataset)</a:t>
-            </a:r>
-          </a:p>
-          <a:p>
-            <a:pPr lvl="1"/>
-            <a:r>
-              <a:rPr lang="en-US" dirty="0" smtClean="0"/>
-              <a:t>Will be in Camino by Sunday</a:t>
-            </a:r>
-          </a:p>
-          <a:p>
-            <a:pPr lvl="1"/>
-            <a:r>
-              <a:rPr lang="en-US" dirty="0" smtClean="0"/>
-              <a:t>Due date next Saturday</a:t>
-            </a:r>
-            <a:br>
-              <a:rPr lang="en-US" dirty="0" smtClean="0"/>
-            </a:br>
-            <a:r>
-              <a:rPr lang="en-US" dirty="0" smtClean="0"/>
-              <a:t/>
-            </a:r>
-            <a:br>
-              <a:rPr lang="en-US" dirty="0" smtClean="0"/>
-            </a:br>
-            <a:r>
-              <a:rPr lang="en-US" dirty="0" smtClean="0"/>
-              <a:t/>
-            </a:r>
-            <a:br>
-              <a:rPr lang="en-US" dirty="0" smtClean="0"/>
-            </a:br>
-            <a:endParaRPr lang="en-US" dirty="0" smtClean="0"/>
-          </a:p>
-        </p:txBody>
-      </p:sp>
-    </p:spTree>
-    <p:extLst>
-      <p:ext uri="{BB962C8B-B14F-4D97-AF65-F5344CB8AC3E}">
-        <p14:creationId xmlns:p14="http://schemas.microsoft.com/office/powerpoint/2010/main" val="232269298"/>
-      </p:ext>
-    </p:extLst>
-  </p:cSld>
-  <p:clrMapOvr>
-    <a:masterClrMapping/>
-  </p:clrMapOvr>
-  <p:timing>
-    <p:tnLst>
-      <p:par>
-        <p:cTn id="1" dur="indefinite" restart="never" nodeType="tmRoot"/>
-      </p:par>
-    </p:tnLst>
-  </p:timing>
-</p:sld>
-</file>
-
-<file path=ppt/slides/slide40.xml><?xml version="1.0" encoding="utf-8"?>
-<p:sld xmlns:a="http://schemas.openxmlformats.org/drawingml/2006/main" xmlns:r="http://schemas.openxmlformats.org/officeDocument/2006/relationships" xmlns:p="http://schemas.openxmlformats.org/presentationml/2006/main">
-  <p:cSld>
-    <p:spTree>
-      <p:nvGrpSpPr>
-        <p:cNvPr id="1" name=""/>
-        <p:cNvGrpSpPr/>
-        <p:nvPr/>
-      </p:nvGrpSpPr>
-      <p:grpSpPr>
-        <a:xfrm>
-          <a:off x="0" y="0"/>
-          <a:ext cx="0" cy="0"/>
-          <a:chOff x="0" y="0"/>
-          <a:chExt cx="0" cy="0"/>
-        </a:xfrm>
-      </p:grpSpPr>
-      <p:sp>
-        <p:nvSpPr>
-          <p:cNvPr id="2" name="Title 1"/>
-          <p:cNvSpPr>
-            <a:spLocks noGrp="1"/>
-          </p:cNvSpPr>
-          <p:nvPr>
-            <p:ph type="title"/>
-          </p:nvPr>
-        </p:nvSpPr>
-        <p:spPr/>
-        <p:txBody>
-          <a:bodyPr/>
-          <a:lstStyle/>
-          <a:p>
-            <a:r>
-              <a:rPr lang="en-US" dirty="0" smtClean="0"/>
+              <a:rPr lang="en-US" dirty="0"/>
               <a:t>Dimensions &amp; Measures</a:t>
             </a:r>
-            <a:endParaRPr lang="en-US" dirty="0"/>
           </a:p>
         </p:txBody>
       </p:sp>
@@ -8559,41 +7771,28 @@
           <a:lstStyle/>
           <a:p>
             <a:r>
-              <a:rPr lang="en-US" dirty="0" smtClean="0"/>
+              <a:rPr lang="en-US" dirty="0"/>
               <a:t>Dimensions : categorical </a:t>
             </a:r>
             <a:br>
-              <a:rPr lang="en-US" dirty="0" smtClean="0"/>
+              <a:rPr lang="en-US" dirty="0"/>
             </a:br>
-            <a:r>
-              <a:rPr lang="en-US" dirty="0" smtClean="0"/>
-              <a:t/>
-            </a:r>
             <a:br>
-              <a:rPr lang="en-US" dirty="0" smtClean="0"/>
+              <a:rPr lang="en-US" dirty="0"/>
             </a:br>
-            <a:r>
-              <a:rPr lang="en-US" dirty="0" smtClean="0"/>
-              <a:t/>
-            </a:r>
             <a:br>
-              <a:rPr lang="en-US" dirty="0" smtClean="0"/>
+              <a:rPr lang="en-US" dirty="0"/>
             </a:br>
-            <a:r>
-              <a:rPr lang="en-US" dirty="0" smtClean="0"/>
-              <a:t/>
-            </a:r>
             <a:br>
-              <a:rPr lang="en-US" dirty="0" smtClean="0"/>
+              <a:rPr lang="en-US" dirty="0"/>
             </a:br>
-            <a:endParaRPr lang="en-US" dirty="0" smtClean="0"/>
-          </a:p>
-          <a:p>
-            <a:r>
-              <a:rPr lang="en-US" dirty="0" smtClean="0"/>
+            <a:endParaRPr lang="en-US" dirty="0"/>
+          </a:p>
+          <a:p>
+            <a:r>
+              <a:rPr lang="en-US" dirty="0"/>
               <a:t>Measures : numerical</a:t>
             </a:r>
-            <a:endParaRPr lang="en-US" dirty="0"/>
           </a:p>
         </p:txBody>
       </p:sp>
@@ -8895,7 +8094,7 @@
 </p:sld>
 </file>
 
-<file path=ppt/slides/slide41.xml><?xml version="1.0" encoding="utf-8"?>
+<file path=ppt/slides/slide38.xml><?xml version="1.0" encoding="utf-8"?>
 <p:sld xmlns:a="http://schemas.openxmlformats.org/drawingml/2006/main" xmlns:r="http://schemas.openxmlformats.org/officeDocument/2006/relationships" xmlns:p="http://schemas.openxmlformats.org/presentationml/2006/main">
   <p:cSld>
     <p:spTree>
@@ -8928,10 +8127,9 @@
           <a:lstStyle/>
           <a:p>
             <a:r>
-              <a:rPr lang="en-US" dirty="0" smtClean="0"/>
+              <a:rPr lang="en-US" dirty="0"/>
               <a:t>Rows &amp; Columns</a:t>
             </a:r>
-            <a:endParaRPr lang="en-US" dirty="0"/>
           </a:p>
         </p:txBody>
       </p:sp>
@@ -8974,17 +8172,10 @@
   <p:clrMapOvr>
     <a:masterClrMapping/>
   </p:clrMapOvr>
-  <p:timing>
-    <p:tnLst>
-      <p:par>
-        <p:cTn id="1" dur="indefinite" restart="never" nodeType="tmRoot"/>
-      </p:par>
-    </p:tnLst>
-  </p:timing>
 </p:sld>
 </file>
 
-<file path=ppt/slides/slide42.xml><?xml version="1.0" encoding="utf-8"?>
+<file path=ppt/slides/slide39.xml><?xml version="1.0" encoding="utf-8"?>
 <p:sld xmlns:a="http://schemas.openxmlformats.org/drawingml/2006/main" xmlns:r="http://schemas.openxmlformats.org/officeDocument/2006/relationships" xmlns:p="http://schemas.openxmlformats.org/presentationml/2006/main">
   <p:cSld>
     <p:spTree>
@@ -9017,10 +8208,9 @@
           <a:lstStyle/>
           <a:p>
             <a:r>
-              <a:rPr lang="en-US" dirty="0" smtClean="0"/>
+              <a:rPr lang="en-US" dirty="0"/>
               <a:t>Marks</a:t>
             </a:r>
-            <a:endParaRPr lang="en-US" dirty="0"/>
           </a:p>
         </p:txBody>
       </p:sp>
@@ -9064,17 +8254,10 @@
   <p:clrMapOvr>
     <a:masterClrMapping/>
   </p:clrMapOvr>
-  <p:timing>
-    <p:tnLst>
-      <p:par>
-        <p:cTn id="1" dur="indefinite" restart="never" nodeType="tmRoot"/>
-      </p:par>
-    </p:tnLst>
-  </p:timing>
 </p:sld>
 </file>
 
-<file path=ppt/slides/slide43.xml><?xml version="1.0" encoding="utf-8"?>
+<file path=ppt/slides/slide4.xml><?xml version="1.0" encoding="utf-8"?>
 <p:sld xmlns:a="http://schemas.openxmlformats.org/drawingml/2006/main" xmlns:r="http://schemas.openxmlformats.org/officeDocument/2006/relationships" xmlns:p="http://schemas.openxmlformats.org/presentationml/2006/main">
   <p:cSld>
     <p:spTree>
@@ -9107,10 +8290,127 @@
           <a:lstStyle/>
           <a:p>
             <a:r>
-              <a:rPr lang="en-US" dirty="0" smtClean="0"/>
+              <a:rPr lang="en-US" dirty="0"/>
+              <a:t>Your project : guidelines</a:t>
+            </a:r>
+          </a:p>
+        </p:txBody>
+      </p:sp>
+      <p:sp>
+        <p:nvSpPr>
+          <p:cNvPr id="3" name="Content Placeholder 2"/>
+          <p:cNvSpPr>
+            <a:spLocks noGrp="1"/>
+          </p:cNvSpPr>
+          <p:nvPr>
+            <p:ph idx="1"/>
+          </p:nvPr>
+        </p:nvSpPr>
+        <p:spPr/>
+        <p:txBody>
+          <a:bodyPr/>
+          <a:lstStyle/>
+          <a:p>
+            <a:r>
+              <a:rPr lang="en-US" dirty="0"/>
+              <a:t>Goal: </a:t>
+            </a:r>
+            <a:r>
+              <a:rPr lang="en-US" b="1" dirty="0"/>
+              <a:t>apply</a:t>
+            </a:r>
+            <a:r>
+              <a:rPr lang="en-US" dirty="0"/>
+              <a:t> what you have learned so far to a realistic data science challenge + exercise your creativity + have fun!</a:t>
+            </a:r>
+          </a:p>
+          <a:p>
+            <a:r>
+              <a:rPr lang="en-US" dirty="0"/>
+              <a:t>This is meant to be a significant </a:t>
+            </a:r>
+            <a:r>
+              <a:rPr lang="en-US" b="1" dirty="0"/>
+              <a:t>group effort </a:t>
+            </a:r>
+            <a:r>
+              <a:rPr lang="en-US" dirty="0"/>
+              <a:t>to learn by practicing what you are learning to a real-world data science problem.</a:t>
+            </a:r>
+          </a:p>
+          <a:p>
+            <a:r>
+              <a:rPr lang="en-US" dirty="0"/>
+              <a:t>The </a:t>
+            </a:r>
+            <a:r>
+              <a:rPr lang="en-US" b="1" dirty="0"/>
+              <a:t>writeup</a:t>
+            </a:r>
+            <a:r>
+              <a:rPr lang="en-US" dirty="0"/>
+              <a:t> of your final project is in the form of a </a:t>
+            </a:r>
+            <a:r>
+              <a:rPr lang="en-US" dirty="0" err="1"/>
+              <a:t>Jupyter</a:t>
+            </a:r>
+            <a:r>
+              <a:rPr lang="en-US" dirty="0"/>
+              <a:t> notebook, associated data, and presentation board</a:t>
+            </a:r>
+          </a:p>
+        </p:txBody>
+      </p:sp>
+    </p:spTree>
+    <p:extLst>
+      <p:ext uri="{BB962C8B-B14F-4D97-AF65-F5344CB8AC3E}">
+        <p14:creationId xmlns:p14="http://schemas.microsoft.com/office/powerpoint/2010/main" val="1287835945"/>
+      </p:ext>
+    </p:extLst>
+  </p:cSld>
+  <p:clrMapOvr>
+    <a:masterClrMapping/>
+  </p:clrMapOvr>
+</p:sld>
+</file>
+
+<file path=ppt/slides/slide40.xml><?xml version="1.0" encoding="utf-8"?>
+<p:sld xmlns:a="http://schemas.openxmlformats.org/drawingml/2006/main" xmlns:r="http://schemas.openxmlformats.org/officeDocument/2006/relationships" xmlns:p="http://schemas.openxmlformats.org/presentationml/2006/main">
+  <p:cSld>
+    <p:spTree>
+      <p:nvGrpSpPr>
+        <p:cNvPr id="1" name=""/>
+        <p:cNvGrpSpPr/>
+        <p:nvPr/>
+      </p:nvGrpSpPr>
+      <p:grpSpPr>
+        <a:xfrm>
+          <a:off x="0" y="0"/>
+          <a:ext cx="0" cy="0"/>
+          <a:chOff x="0" y="0"/>
+          <a:chExt cx="0" cy="0"/>
+        </a:xfrm>
+      </p:grpSpPr>
+      <p:sp>
+        <p:nvSpPr>
+          <p:cNvPr id="2" name="Title 1"/>
+          <p:cNvSpPr>
+            <a:spLocks noGrp="1"/>
+          </p:cNvSpPr>
+          <p:nvPr>
+            <p:ph type="title"/>
+          </p:nvPr>
+        </p:nvSpPr>
+        <p:spPr/>
+        <p:txBody>
+          <a:bodyPr/>
+          <a:lstStyle/>
+          <a:p>
+            <a:r>
+              <a:rPr lang="en-US" dirty="0"/>
               <a:t>Multi-level Analysis</a:t>
             </a:r>
-            <a:endParaRPr lang="en-US" dirty="0"/>
           </a:p>
         </p:txBody>
       </p:sp>
@@ -9154,13 +8454,318 @@
   <p:clrMapOvr>
     <a:masterClrMapping/>
   </p:clrMapOvr>
-  <p:timing>
-    <p:tnLst>
-      <p:par>
-        <p:cTn id="1" dur="indefinite" restart="never" nodeType="tmRoot"/>
-      </p:par>
-    </p:tnLst>
-  </p:timing>
+</p:sld>
+</file>
+
+<file path=ppt/slides/slide41.xml><?xml version="1.0" encoding="utf-8"?>
+<p:sld xmlns:a="http://schemas.openxmlformats.org/drawingml/2006/main" xmlns:r="http://schemas.openxmlformats.org/officeDocument/2006/relationships" xmlns:p="http://schemas.openxmlformats.org/presentationml/2006/main">
+  <p:cSld>
+    <p:spTree>
+      <p:nvGrpSpPr>
+        <p:cNvPr id="1" name=""/>
+        <p:cNvGrpSpPr/>
+        <p:nvPr/>
+      </p:nvGrpSpPr>
+      <p:grpSpPr>
+        <a:xfrm>
+          <a:off x="0" y="0"/>
+          <a:ext cx="0" cy="0"/>
+          <a:chOff x="0" y="0"/>
+          <a:chExt cx="0" cy="0"/>
+        </a:xfrm>
+      </p:grpSpPr>
+      <p:sp>
+        <p:nvSpPr>
+          <p:cNvPr id="2" name="Title 1"/>
+          <p:cNvSpPr>
+            <a:spLocks noGrp="1"/>
+          </p:cNvSpPr>
+          <p:nvPr>
+            <p:ph type="title"/>
+          </p:nvPr>
+        </p:nvSpPr>
+        <p:spPr/>
+        <p:txBody>
+          <a:bodyPr/>
+          <a:lstStyle/>
+          <a:p>
+            <a:r>
+              <a:rPr lang="en-US" dirty="0"/>
+              <a:t>Group Exercise</a:t>
+            </a:r>
+          </a:p>
+        </p:txBody>
+      </p:sp>
+      <p:sp>
+        <p:nvSpPr>
+          <p:cNvPr id="3" name="Content Placeholder 2"/>
+          <p:cNvSpPr>
+            <a:spLocks noGrp="1"/>
+          </p:cNvSpPr>
+          <p:nvPr>
+            <p:ph idx="1"/>
+          </p:nvPr>
+        </p:nvSpPr>
+        <p:spPr/>
+        <p:txBody>
+          <a:bodyPr/>
+          <a:lstStyle/>
+          <a:p>
+            <a:r>
+              <a:rPr lang="en-US" dirty="0"/>
+              <a:t>Load the “</a:t>
+            </a:r>
+            <a:r>
+              <a:rPr lang="en-US" dirty="0" err="1"/>
+              <a:t>global_superstore.xls</a:t>
+            </a:r>
+            <a:r>
+              <a:rPr lang="en-US" dirty="0"/>
+              <a:t>” dataset into Tableau</a:t>
+            </a:r>
+          </a:p>
+          <a:p>
+            <a:r>
+              <a:rPr lang="en-US" dirty="0"/>
+              <a:t>Answer the following questions:</a:t>
+            </a:r>
+          </a:p>
+          <a:p>
+            <a:pPr marL="914400" lvl="1" indent="-457200">
+              <a:buFont typeface="+mj-lt"/>
+              <a:buAutoNum type="arabicPeriod"/>
+            </a:pPr>
+            <a:r>
+              <a:rPr lang="en-US" dirty="0"/>
+              <a:t>Which region has the highest sales? </a:t>
+            </a:r>
+          </a:p>
+          <a:p>
+            <a:pPr marL="914400" lvl="1" indent="-457200">
+              <a:buFont typeface="+mj-lt"/>
+              <a:buAutoNum type="arabicPeriod"/>
+            </a:pPr>
+            <a:r>
+              <a:rPr lang="en-US" dirty="0"/>
+              <a:t>For (1), which product segment for that region has the highest sales?</a:t>
+            </a:r>
+          </a:p>
+          <a:p>
+            <a:pPr marL="914400" lvl="1" indent="-457200">
+              <a:buFont typeface="+mj-lt"/>
+              <a:buAutoNum type="arabicPeriod"/>
+            </a:pPr>
+            <a:r>
+              <a:rPr lang="en-US" dirty="0"/>
+              <a:t>Regardless of region, which product segment in a given region has the highest sales?	</a:t>
+            </a:r>
+          </a:p>
+          <a:p>
+            <a:r>
+              <a:rPr lang="en-US"/>
+              <a:t>Take 15 </a:t>
+            </a:r>
+            <a:r>
+              <a:rPr lang="en-US" dirty="0"/>
+              <a:t>min in your group to decide on extracting </a:t>
+            </a:r>
+            <a:r>
+              <a:rPr lang="en-US"/>
+              <a:t>an interesting insight from this dataset to present to the class.</a:t>
+            </a:r>
+            <a:endParaRPr lang="en-US" dirty="0"/>
+          </a:p>
+        </p:txBody>
+      </p:sp>
+    </p:spTree>
+    <p:extLst>
+      <p:ext uri="{BB962C8B-B14F-4D97-AF65-F5344CB8AC3E}">
+        <p14:creationId xmlns:p14="http://schemas.microsoft.com/office/powerpoint/2010/main" val="110352877"/>
+      </p:ext>
+    </p:extLst>
+  </p:cSld>
+  <p:clrMapOvr>
+    <a:masterClrMapping/>
+  </p:clrMapOvr>
+</p:sld>
+</file>
+
+<file path=ppt/slides/slide42.xml><?xml version="1.0" encoding="utf-8"?>
+<p:sld xmlns:a="http://schemas.openxmlformats.org/drawingml/2006/main" xmlns:r="http://schemas.openxmlformats.org/officeDocument/2006/relationships" xmlns:p="http://schemas.openxmlformats.org/presentationml/2006/main">
+  <p:cSld>
+    <p:spTree>
+      <p:nvGrpSpPr>
+        <p:cNvPr id="1" name=""/>
+        <p:cNvGrpSpPr/>
+        <p:nvPr/>
+      </p:nvGrpSpPr>
+      <p:grpSpPr>
+        <a:xfrm>
+          <a:off x="0" y="0"/>
+          <a:ext cx="0" cy="0"/>
+          <a:chOff x="0" y="0"/>
+          <a:chExt cx="0" cy="0"/>
+        </a:xfrm>
+      </p:grpSpPr>
+      <p:sp>
+        <p:nvSpPr>
+          <p:cNvPr id="2" name="Title 1"/>
+          <p:cNvSpPr>
+            <a:spLocks noGrp="1"/>
+          </p:cNvSpPr>
+          <p:nvPr>
+            <p:ph type="title"/>
+          </p:nvPr>
+        </p:nvSpPr>
+        <p:spPr/>
+        <p:txBody>
+          <a:bodyPr/>
+          <a:lstStyle/>
+          <a:p>
+            <a:r>
+              <a:rPr lang="en-US"/>
+              <a:t>Agenda</a:t>
+            </a:r>
+          </a:p>
+        </p:txBody>
+      </p:sp>
+      <p:sp>
+        <p:nvSpPr>
+          <p:cNvPr id="3" name="Content Placeholder 2"/>
+          <p:cNvSpPr>
+            <a:spLocks noGrp="1"/>
+          </p:cNvSpPr>
+          <p:nvPr>
+            <p:ph idx="1"/>
+          </p:nvPr>
+        </p:nvSpPr>
+        <p:spPr/>
+        <p:txBody>
+          <a:bodyPr>
+            <a:normAutofit/>
+          </a:bodyPr>
+          <a:lstStyle/>
+          <a:p>
+            <a:r>
+              <a:rPr lang="en-US" dirty="0"/>
+              <a:t>Project</a:t>
+            </a:r>
+          </a:p>
+          <a:p>
+            <a:r>
+              <a:rPr lang="en-US" dirty="0"/>
+              <a:t>Data Shaping</a:t>
+            </a:r>
+          </a:p>
+          <a:p>
+            <a:pPr lvl="1"/>
+            <a:r>
+              <a:rPr lang="en-US" dirty="0"/>
+              <a:t>Merge &amp; joins</a:t>
+            </a:r>
+          </a:p>
+          <a:p>
+            <a:pPr lvl="1"/>
+            <a:r>
+              <a:rPr lang="en-US" dirty="0" err="1"/>
+              <a:t>Concat</a:t>
+            </a:r>
+            <a:endParaRPr lang="en-US" dirty="0"/>
+          </a:p>
+          <a:p>
+            <a:pPr lvl="1"/>
+            <a:r>
+              <a:rPr lang="en-US" dirty="0"/>
+              <a:t>Clean</a:t>
+            </a:r>
+          </a:p>
+          <a:p>
+            <a:r>
+              <a:rPr lang="en-US" dirty="0"/>
+              <a:t>Tableau</a:t>
+            </a:r>
+          </a:p>
+          <a:p>
+            <a:r>
+              <a:rPr lang="en-US" b="1" dirty="0" err="1"/>
+              <a:t>Matplotlib</a:t>
+            </a:r>
+            <a:endParaRPr lang="en-US" b="1" dirty="0"/>
+          </a:p>
+          <a:p>
+            <a:endParaRPr lang="en-US" b="1" dirty="0"/>
+          </a:p>
+        </p:txBody>
+      </p:sp>
+    </p:spTree>
+    <p:extLst>
+      <p:ext uri="{BB962C8B-B14F-4D97-AF65-F5344CB8AC3E}">
+        <p14:creationId xmlns:p14="http://schemas.microsoft.com/office/powerpoint/2010/main" val="1536486866"/>
+      </p:ext>
+    </p:extLst>
+  </p:cSld>
+  <p:clrMapOvr>
+    <a:masterClrMapping/>
+  </p:clrMapOvr>
+</p:sld>
+</file>
+
+<file path=ppt/slides/slide43.xml><?xml version="1.0" encoding="utf-8"?>
+<p:sld xmlns:a="http://schemas.openxmlformats.org/drawingml/2006/main" xmlns:r="http://schemas.openxmlformats.org/officeDocument/2006/relationships" xmlns:p="http://schemas.openxmlformats.org/presentationml/2006/main">
+  <p:cSld>
+    <p:spTree>
+      <p:nvGrpSpPr>
+        <p:cNvPr id="1" name=""/>
+        <p:cNvGrpSpPr/>
+        <p:nvPr/>
+      </p:nvGrpSpPr>
+      <p:grpSpPr>
+        <a:xfrm>
+          <a:off x="0" y="0"/>
+          <a:ext cx="0" cy="0"/>
+          <a:chOff x="0" y="0"/>
+          <a:chExt cx="0" cy="0"/>
+        </a:xfrm>
+      </p:grpSpPr>
+      <p:sp>
+        <p:nvSpPr>
+          <p:cNvPr id="2" name="Title 1"/>
+          <p:cNvSpPr>
+            <a:spLocks noGrp="1"/>
+          </p:cNvSpPr>
+          <p:nvPr>
+            <p:ph type="title"/>
+          </p:nvPr>
+        </p:nvSpPr>
+        <p:spPr>
+          <a:xfrm>
+            <a:off x="872490" y="2491105"/>
+            <a:ext cx="10515600" cy="1325563"/>
+          </a:xfrm>
+        </p:spPr>
+        <p:txBody>
+          <a:bodyPr/>
+          <a:lstStyle/>
+          <a:p>
+            <a:pPr algn="ctr"/>
+            <a:r>
+              <a:rPr lang="en-US" dirty="0" err="1"/>
+              <a:t>Matplotlib</a:t>
+            </a:r>
+            <a:endParaRPr lang="en-US" dirty="0"/>
+          </a:p>
+        </p:txBody>
+      </p:sp>
+    </p:spTree>
+    <p:extLst>
+      <p:ext uri="{BB962C8B-B14F-4D97-AF65-F5344CB8AC3E}">
+        <p14:creationId xmlns:p14="http://schemas.microsoft.com/office/powerpoint/2010/main" val="1888437833"/>
+      </p:ext>
+    </p:extLst>
+  </p:cSld>
+  <p:clrMapOvr>
+    <a:masterClrMapping/>
+  </p:clrMapOvr>
 </p:sld>
 </file>
 
@@ -9197,10 +8802,13 @@
           <a:lstStyle/>
           <a:p>
             <a:r>
-              <a:rPr lang="en-US" dirty="0" smtClean="0"/>
-              <a:t>Group Exercise</a:t>
-            </a:r>
-            <a:endParaRPr lang="en-US" dirty="0"/>
+              <a:rPr lang="en-US" dirty="0" err="1"/>
+              <a:t>Matplotlib</a:t>
+            </a:r>
+            <a:r>
+              <a:rPr lang="en-US" dirty="0"/>
+              <a:t>	</a:t>
+            </a:r>
           </a:p>
         </p:txBody>
       </p:sp>
@@ -9220,88 +8828,91 @@
           <a:lstStyle/>
           <a:p>
             <a:r>
-              <a:rPr lang="en-US" dirty="0" smtClean="0"/>
-              <a:t>Load the “</a:t>
-            </a:r>
-            <a:r>
-              <a:rPr lang="en-US" dirty="0" err="1" smtClean="0"/>
-              <a:t>global_superstore.xls</a:t>
-            </a:r>
-            <a:r>
-              <a:rPr lang="en-US" dirty="0" smtClean="0"/>
-              <a:t>” dataset into Tableau</a:t>
-            </a:r>
-          </a:p>
-          <a:p>
-            <a:r>
-              <a:rPr lang="en-US" dirty="0" smtClean="0"/>
-              <a:t>Answer the following questions:</a:t>
-            </a:r>
-          </a:p>
-          <a:p>
-            <a:pPr marL="914400" lvl="1" indent="-457200">
-              <a:buFont typeface="+mj-lt"/>
-              <a:buAutoNum type="arabicPeriod"/>
-            </a:pPr>
-            <a:r>
-              <a:rPr lang="en-US" dirty="0" smtClean="0"/>
-              <a:t>Which region has the highest sales? </a:t>
-            </a:r>
-          </a:p>
-          <a:p>
-            <a:pPr marL="914400" lvl="1" indent="-457200">
-              <a:buFont typeface="+mj-lt"/>
-              <a:buAutoNum type="arabicPeriod"/>
-            </a:pPr>
-            <a:r>
-              <a:rPr lang="en-US" dirty="0" smtClean="0"/>
-              <a:t>For (1), which product segment for that region has the highest sales?</a:t>
-            </a:r>
-          </a:p>
-          <a:p>
-            <a:pPr marL="914400" lvl="1" indent="-457200">
-              <a:buFont typeface="+mj-lt"/>
-              <a:buAutoNum type="arabicPeriod"/>
-            </a:pPr>
-            <a:r>
-              <a:rPr lang="en-US" dirty="0" smtClean="0"/>
-              <a:t>Regardless of region, which product segment in a given region has the highest sales?	</a:t>
-            </a:r>
-          </a:p>
-          <a:p>
-            <a:r>
-              <a:rPr lang="en-US" smtClean="0"/>
-              <a:t>Take 15 </a:t>
-            </a:r>
-            <a:r>
-              <a:rPr lang="en-US" dirty="0" smtClean="0"/>
-              <a:t>min in your group to decide on extracting </a:t>
-            </a:r>
-            <a:r>
-              <a:rPr lang="en-US" smtClean="0"/>
-              <a:t>an interesting insight from this dataset to present to the class.</a:t>
-            </a:r>
-            <a:endParaRPr lang="en-US" dirty="0"/>
+              <a:rPr lang="en-US" altLang="zh-TW" b="1" dirty="0" err="1"/>
+              <a:t>Matplotlib</a:t>
+            </a:r>
+            <a:r>
+              <a:rPr lang="en-US" altLang="zh-TW" dirty="0"/>
+              <a:t> is a python 2D plotting library which produces publication quality figures in a variety of hardcopy formats and interactive environments across platforms.</a:t>
+            </a:r>
+          </a:p>
+          <a:p>
+            <a:r>
+              <a:rPr lang="en-US" altLang="zh-TW" b="1" dirty="0" err="1"/>
+              <a:t>Matplotlib</a:t>
+            </a:r>
+            <a:r>
+              <a:rPr lang="en-US" altLang="zh-TW" dirty="0"/>
+              <a:t> is the whole package; </a:t>
+            </a:r>
+            <a:r>
+              <a:rPr lang="en-US" altLang="zh-TW" b="1" dirty="0" err="1"/>
+              <a:t>pylab</a:t>
+            </a:r>
+            <a:r>
+              <a:rPr lang="en-US" altLang="zh-TW" dirty="0"/>
+              <a:t> is a module in </a:t>
+            </a:r>
+            <a:r>
+              <a:rPr lang="en-US" altLang="zh-TW" dirty="0" err="1"/>
+              <a:t>matplotlib</a:t>
+            </a:r>
+            <a:r>
+              <a:rPr lang="en-US" altLang="zh-TW" dirty="0"/>
+              <a:t> that gets installed alongside </a:t>
+            </a:r>
+            <a:r>
+              <a:rPr lang="en-US" altLang="zh-TW" dirty="0" err="1"/>
+              <a:t>matplotlib</a:t>
+            </a:r>
+            <a:r>
+              <a:rPr lang="en-US" altLang="zh-TW" dirty="0"/>
+              <a:t>; and </a:t>
+            </a:r>
+            <a:r>
+              <a:rPr lang="en-US" altLang="zh-TW" b="1" dirty="0" err="1"/>
+              <a:t>matplotlib.pyplot</a:t>
+            </a:r>
+            <a:r>
+              <a:rPr lang="en-US" altLang="zh-TW" dirty="0"/>
+              <a:t> is a module in </a:t>
+            </a:r>
+            <a:r>
+              <a:rPr lang="en-US" altLang="zh-TW" dirty="0" err="1"/>
+              <a:t>matplotlib</a:t>
+            </a:r>
+            <a:endParaRPr lang="en-US" altLang="zh-TW" dirty="0"/>
+          </a:p>
+          <a:p>
+            <a:r>
+              <a:rPr lang="en-US" altLang="zh-TW" b="1" dirty="0" err="1"/>
+              <a:t>Pyplot</a:t>
+            </a:r>
+            <a:r>
+              <a:rPr lang="en-US" altLang="zh-TW" dirty="0"/>
+              <a:t> provides the state-machine interface to the underlying plotting library in </a:t>
+            </a:r>
+            <a:r>
+              <a:rPr lang="en-US" altLang="zh-TW" dirty="0" err="1"/>
+              <a:t>matplotlib</a:t>
+            </a:r>
+            <a:r>
+              <a:rPr lang="en-US" altLang="zh-TW" dirty="0"/>
+              <a:t>. </a:t>
+            </a:r>
           </a:p>
         </p:txBody>
       </p:sp>
     </p:spTree>
     <p:extLst>
       <p:ext uri="{BB962C8B-B14F-4D97-AF65-F5344CB8AC3E}">
-        <p14:creationId xmlns:p14="http://schemas.microsoft.com/office/powerpoint/2010/main" val="110352877"/>
+        <p14:creationId xmlns:p14="http://schemas.microsoft.com/office/powerpoint/2010/main" val="1313840218"/>
       </p:ext>
     </p:extLst>
   </p:cSld>
   <p:clrMapOvr>
     <a:masterClrMapping/>
   </p:clrMapOvr>
-  <p:timing>
-    <p:tnLst>
-      <p:par>
-        <p:cTn id="1" dur="indefinite" restart="never" nodeType="tmRoot"/>
-      </p:par>
-    </p:tnLst>
-  </p:timing>
 </p:sld>
 </file>
 
@@ -9338,10 +8949,9 @@
           <a:lstStyle/>
           <a:p>
             <a:r>
-              <a:rPr lang="en-US" smtClean="0"/>
-              <a:t>Agenda</a:t>
-            </a:r>
-            <a:endParaRPr lang="en-US"/>
+              <a:rPr lang="en-US" dirty="0"/>
+              <a:t>Subplot</a:t>
+            </a:r>
           </a:p>
         </p:txBody>
       </p:sp>
@@ -9357,89 +8967,32 @@
         </p:nvSpPr>
         <p:spPr/>
         <p:txBody>
-          <a:bodyPr>
-            <a:normAutofit/>
-          </a:bodyPr>
-          <a:lstStyle/>
-          <a:p>
-            <a:r>
-              <a:rPr lang="en-US"/>
-              <a:t>Midterm</a:t>
-            </a:r>
-          </a:p>
-          <a:p>
-            <a:r>
-              <a:rPr lang="en-US" smtClean="0"/>
-              <a:t>Final </a:t>
-            </a:r>
+          <a:bodyPr/>
+          <a:lstStyle/>
+          <a:p>
             <a:r>
               <a:rPr lang="en-US" dirty="0"/>
-              <a:t>Project</a:t>
-            </a:r>
-          </a:p>
-          <a:p>
-            <a:r>
-              <a:rPr lang="en-US" dirty="0" smtClean="0"/>
-              <a:t>Data Shaping</a:t>
-            </a:r>
-          </a:p>
-          <a:p>
-            <a:pPr lvl="1"/>
+              <a:t>Subplot divides the current figure into rectangular panes that are numbered row wise.</a:t>
+            </a:r>
+          </a:p>
+          <a:p>
             <a:r>
               <a:rPr lang="en-US" dirty="0"/>
-              <a:t>Merge &amp; joins</a:t>
-            </a:r>
-          </a:p>
-          <a:p>
-            <a:pPr lvl="1"/>
-            <a:r>
-              <a:rPr lang="en-US" dirty="0" err="1"/>
-              <a:t>Concat</a:t>
-            </a:r>
-            <a:endParaRPr lang="en-US" dirty="0"/>
-          </a:p>
-          <a:p>
-            <a:pPr lvl="1"/>
-            <a:r>
-              <a:rPr lang="en-US" dirty="0" smtClean="0"/>
-              <a:t>Clean</a:t>
-            </a:r>
-          </a:p>
-          <a:p>
-            <a:r>
-              <a:rPr lang="en-US" dirty="0" smtClean="0"/>
-              <a:t>Tableau</a:t>
-            </a:r>
-          </a:p>
-          <a:p>
-            <a:r>
-              <a:rPr lang="en-US" b="1" dirty="0" err="1" smtClean="0"/>
-              <a:t>Matplotlib</a:t>
-            </a:r>
-            <a:endParaRPr lang="en-US" b="1" dirty="0" smtClean="0"/>
-          </a:p>
-          <a:p>
-            <a:endParaRPr lang="en-US" b="1" dirty="0"/>
+              <a:t>Each pane contains an axes object. Subsequent plots are output to the current pane.</a:t>
+            </a:r>
           </a:p>
         </p:txBody>
       </p:sp>
     </p:spTree>
     <p:extLst>
       <p:ext uri="{BB962C8B-B14F-4D97-AF65-F5344CB8AC3E}">
-        <p14:creationId xmlns:p14="http://schemas.microsoft.com/office/powerpoint/2010/main" val="1536486866"/>
+        <p14:creationId xmlns:p14="http://schemas.microsoft.com/office/powerpoint/2010/main" val="1285685472"/>
       </p:ext>
     </p:extLst>
   </p:cSld>
   <p:clrMapOvr>
     <a:masterClrMapping/>
   </p:clrMapOvr>
-  <p:timing>
-    <p:tnLst>
-      <p:par>
-        <p:cTn id="1" dur="indefinite" restart="never" nodeType="tmRoot"/>
-      </p:par>
-    </p:tnLst>
-  </p:timing>
 </p:sld>
 </file>
 
@@ -9470,325 +9023,15 @@
             <p:ph type="title"/>
           </p:nvPr>
         </p:nvSpPr>
-        <p:spPr>
-          <a:xfrm>
-            <a:off x="872490" y="2491105"/>
-            <a:ext cx="10515600" cy="1325563"/>
-          </a:xfrm>
-        </p:spPr>
+        <p:spPr/>
         <p:txBody>
           <a:bodyPr/>
           <a:lstStyle/>
           <a:p>
-            <a:pPr algn="ctr"/>
-            <a:r>
-              <a:rPr lang="en-US" dirty="0" err="1" smtClean="0"/>
-              <a:t>Matplotlib</a:t>
-            </a:r>
-            <a:endParaRPr lang="en-US" dirty="0"/>
-          </a:p>
-        </p:txBody>
-      </p:sp>
-    </p:spTree>
-    <p:extLst>
-      <p:ext uri="{BB962C8B-B14F-4D97-AF65-F5344CB8AC3E}">
-        <p14:creationId xmlns:p14="http://schemas.microsoft.com/office/powerpoint/2010/main" val="1888437833"/>
-      </p:ext>
-    </p:extLst>
-  </p:cSld>
-  <p:clrMapOvr>
-    <a:masterClrMapping/>
-  </p:clrMapOvr>
-  <p:timing>
-    <p:tnLst>
-      <p:par>
-        <p:cTn id="1" dur="indefinite" restart="never" nodeType="tmRoot"/>
-      </p:par>
-    </p:tnLst>
-  </p:timing>
-</p:sld>
-</file>
-
-<file path=ppt/slides/slide47.xml><?xml version="1.0" encoding="utf-8"?>
-<p:sld xmlns:a="http://schemas.openxmlformats.org/drawingml/2006/main" xmlns:r="http://schemas.openxmlformats.org/officeDocument/2006/relationships" xmlns:p="http://schemas.openxmlformats.org/presentationml/2006/main">
-  <p:cSld>
-    <p:spTree>
-      <p:nvGrpSpPr>
-        <p:cNvPr id="1" name=""/>
-        <p:cNvGrpSpPr/>
-        <p:nvPr/>
-      </p:nvGrpSpPr>
-      <p:grpSpPr>
-        <a:xfrm>
-          <a:off x="0" y="0"/>
-          <a:ext cx="0" cy="0"/>
-          <a:chOff x="0" y="0"/>
-          <a:chExt cx="0" cy="0"/>
-        </a:xfrm>
-      </p:grpSpPr>
-      <p:sp>
-        <p:nvSpPr>
-          <p:cNvPr id="2" name="Title 1"/>
-          <p:cNvSpPr>
-            <a:spLocks noGrp="1"/>
-          </p:cNvSpPr>
-          <p:nvPr>
-            <p:ph type="title"/>
-          </p:nvPr>
-        </p:nvSpPr>
-        <p:spPr/>
-        <p:txBody>
-          <a:bodyPr/>
-          <a:lstStyle/>
-          <a:p>
-            <a:r>
-              <a:rPr lang="en-US" dirty="0" err="1" smtClean="0"/>
-              <a:t>Matplotlib</a:t>
-            </a:r>
-            <a:r>
-              <a:rPr lang="en-US" dirty="0" smtClean="0"/>
-              <a:t>	</a:t>
-            </a:r>
-            <a:endParaRPr lang="en-US" dirty="0"/>
-          </a:p>
-        </p:txBody>
-      </p:sp>
-      <p:sp>
-        <p:nvSpPr>
-          <p:cNvPr id="3" name="Content Placeholder 2"/>
-          <p:cNvSpPr>
-            <a:spLocks noGrp="1"/>
-          </p:cNvSpPr>
-          <p:nvPr>
-            <p:ph idx="1"/>
-          </p:nvPr>
-        </p:nvSpPr>
-        <p:spPr/>
-        <p:txBody>
-          <a:bodyPr/>
-          <a:lstStyle/>
-          <a:p>
-            <a:r>
-              <a:rPr lang="en-US" altLang="zh-TW" b="1" dirty="0" err="1" smtClean="0"/>
-              <a:t>Matplotlib</a:t>
-            </a:r>
-            <a:r>
-              <a:rPr lang="en-US" altLang="zh-TW" dirty="0" smtClean="0"/>
-              <a:t> is a python 2D plotting library which produces publication quality figures in a variety of hardcopy formats and interactive environments across platforms.</a:t>
-            </a:r>
-          </a:p>
-          <a:p>
-            <a:r>
-              <a:rPr lang="en-US" altLang="zh-TW" b="1" dirty="0" err="1" smtClean="0"/>
-              <a:t>Matplotlib</a:t>
-            </a:r>
-            <a:r>
-              <a:rPr lang="en-US" altLang="zh-TW" dirty="0" smtClean="0"/>
-              <a:t> is the whole package; </a:t>
-            </a:r>
-            <a:r>
-              <a:rPr lang="en-US" altLang="zh-TW" b="1" dirty="0" err="1" smtClean="0"/>
-              <a:t>pylab</a:t>
-            </a:r>
-            <a:r>
-              <a:rPr lang="en-US" altLang="zh-TW" dirty="0" smtClean="0"/>
-              <a:t> is a module in </a:t>
-            </a:r>
-            <a:r>
-              <a:rPr lang="en-US" altLang="zh-TW" dirty="0" err="1" smtClean="0"/>
-              <a:t>matplotlib</a:t>
-            </a:r>
-            <a:r>
-              <a:rPr lang="en-US" altLang="zh-TW" dirty="0" smtClean="0"/>
-              <a:t> that gets installed alongside </a:t>
-            </a:r>
-            <a:r>
-              <a:rPr lang="en-US" altLang="zh-TW" dirty="0" err="1" smtClean="0"/>
-              <a:t>matplotlib</a:t>
-            </a:r>
-            <a:r>
-              <a:rPr lang="en-US" altLang="zh-TW" dirty="0" smtClean="0"/>
-              <a:t>; and </a:t>
-            </a:r>
-            <a:r>
-              <a:rPr lang="en-US" altLang="zh-TW" b="1" dirty="0" err="1" smtClean="0"/>
-              <a:t>matplotlib.pyplot</a:t>
-            </a:r>
-            <a:r>
-              <a:rPr lang="en-US" altLang="zh-TW" dirty="0" smtClean="0"/>
-              <a:t> is a module in </a:t>
-            </a:r>
-            <a:r>
-              <a:rPr lang="en-US" altLang="zh-TW" dirty="0" err="1" smtClean="0"/>
-              <a:t>matplotlib</a:t>
-            </a:r>
-            <a:endParaRPr lang="en-US" altLang="zh-TW" dirty="0" smtClean="0"/>
-          </a:p>
-          <a:p>
-            <a:r>
-              <a:rPr lang="en-US" altLang="zh-TW" b="1" dirty="0" err="1" smtClean="0"/>
-              <a:t>Pyplot</a:t>
-            </a:r>
-            <a:r>
-              <a:rPr lang="en-US" altLang="zh-TW" dirty="0" smtClean="0"/>
-              <a:t> provides the state-machine interface to the underlying plotting library in </a:t>
-            </a:r>
-            <a:r>
-              <a:rPr lang="en-US" altLang="zh-TW" dirty="0" err="1" smtClean="0"/>
-              <a:t>matplotlib</a:t>
-            </a:r>
-            <a:r>
-              <a:rPr lang="en-US" altLang="zh-TW" dirty="0" smtClean="0"/>
-              <a:t>. </a:t>
-            </a:r>
-          </a:p>
-        </p:txBody>
-      </p:sp>
-    </p:spTree>
-    <p:extLst>
-      <p:ext uri="{BB962C8B-B14F-4D97-AF65-F5344CB8AC3E}">
-        <p14:creationId xmlns:p14="http://schemas.microsoft.com/office/powerpoint/2010/main" val="1313840218"/>
-      </p:ext>
-    </p:extLst>
-  </p:cSld>
-  <p:clrMapOvr>
-    <a:masterClrMapping/>
-  </p:clrMapOvr>
-  <p:timing>
-    <p:tnLst>
-      <p:par>
-        <p:cTn id="1" dur="indefinite" restart="never" nodeType="tmRoot"/>
-      </p:par>
-    </p:tnLst>
-  </p:timing>
-</p:sld>
-</file>
-
-<file path=ppt/slides/slide48.xml><?xml version="1.0" encoding="utf-8"?>
-<p:sld xmlns:a="http://schemas.openxmlformats.org/drawingml/2006/main" xmlns:r="http://schemas.openxmlformats.org/officeDocument/2006/relationships" xmlns:p="http://schemas.openxmlformats.org/presentationml/2006/main">
-  <p:cSld>
-    <p:spTree>
-      <p:nvGrpSpPr>
-        <p:cNvPr id="1" name=""/>
-        <p:cNvGrpSpPr/>
-        <p:nvPr/>
-      </p:nvGrpSpPr>
-      <p:grpSpPr>
-        <a:xfrm>
-          <a:off x="0" y="0"/>
-          <a:ext cx="0" cy="0"/>
-          <a:chOff x="0" y="0"/>
-          <a:chExt cx="0" cy="0"/>
-        </a:xfrm>
-      </p:grpSpPr>
-      <p:sp>
-        <p:nvSpPr>
-          <p:cNvPr id="2" name="Title 1"/>
-          <p:cNvSpPr>
-            <a:spLocks noGrp="1"/>
-          </p:cNvSpPr>
-          <p:nvPr>
-            <p:ph type="title"/>
-          </p:nvPr>
-        </p:nvSpPr>
-        <p:spPr/>
-        <p:txBody>
-          <a:bodyPr/>
-          <a:lstStyle/>
-          <a:p>
-            <a:r>
-              <a:rPr lang="en-US" dirty="0" smtClean="0"/>
-              <a:t>Subplot</a:t>
-            </a:r>
-            <a:endParaRPr lang="en-US" dirty="0"/>
-          </a:p>
-        </p:txBody>
-      </p:sp>
-      <p:sp>
-        <p:nvSpPr>
-          <p:cNvPr id="3" name="Content Placeholder 2"/>
-          <p:cNvSpPr>
-            <a:spLocks noGrp="1"/>
-          </p:cNvSpPr>
-          <p:nvPr>
-            <p:ph idx="1"/>
-          </p:nvPr>
-        </p:nvSpPr>
-        <p:spPr/>
-        <p:txBody>
-          <a:bodyPr/>
-          <a:lstStyle/>
-          <a:p>
-            <a:r>
-              <a:rPr lang="en-US" dirty="0" smtClean="0"/>
-              <a:t>Subplot divides the current figure into rectangular panes that are numbered row wise.</a:t>
-            </a:r>
-          </a:p>
-          <a:p>
-            <a:r>
-              <a:rPr lang="en-US" dirty="0" smtClean="0"/>
-              <a:t>Each pane contains an axes object. Subsequent plots are output to the current pane.</a:t>
-            </a:r>
-          </a:p>
-        </p:txBody>
-      </p:sp>
-    </p:spTree>
-    <p:extLst>
-      <p:ext uri="{BB962C8B-B14F-4D97-AF65-F5344CB8AC3E}">
-        <p14:creationId xmlns:p14="http://schemas.microsoft.com/office/powerpoint/2010/main" val="1285685472"/>
-      </p:ext>
-    </p:extLst>
-  </p:cSld>
-  <p:clrMapOvr>
-    <a:masterClrMapping/>
-  </p:clrMapOvr>
-  <p:timing>
-    <p:tnLst>
-      <p:par>
-        <p:cTn id="1" dur="indefinite" restart="never" nodeType="tmRoot"/>
-      </p:par>
-    </p:tnLst>
-  </p:timing>
-</p:sld>
-</file>
-
-<file path=ppt/slides/slide49.xml><?xml version="1.0" encoding="utf-8"?>
-<p:sld xmlns:a="http://schemas.openxmlformats.org/drawingml/2006/main" xmlns:r="http://schemas.openxmlformats.org/officeDocument/2006/relationships" xmlns:p="http://schemas.openxmlformats.org/presentationml/2006/main">
-  <p:cSld>
-    <p:spTree>
-      <p:nvGrpSpPr>
-        <p:cNvPr id="1" name=""/>
-        <p:cNvGrpSpPr/>
-        <p:nvPr/>
-      </p:nvGrpSpPr>
-      <p:grpSpPr>
-        <a:xfrm>
-          <a:off x="0" y="0"/>
-          <a:ext cx="0" cy="0"/>
-          <a:chOff x="0" y="0"/>
-          <a:chExt cx="0" cy="0"/>
-        </a:xfrm>
-      </p:grpSpPr>
-      <p:sp>
-        <p:nvSpPr>
-          <p:cNvPr id="2" name="Title 1"/>
-          <p:cNvSpPr>
-            <a:spLocks noGrp="1"/>
-          </p:cNvSpPr>
-          <p:nvPr>
-            <p:ph type="title"/>
-          </p:nvPr>
-        </p:nvSpPr>
-        <p:spPr/>
-        <p:txBody>
-          <a:bodyPr/>
-          <a:lstStyle/>
-          <a:p>
-            <a:r>
-              <a:rPr lang="en-US" dirty="0" smtClean="0"/>
+            <a:r>
+              <a:rPr lang="en-US" dirty="0"/>
               <a:t>Subplot grid 2X1</a:t>
             </a:r>
-            <a:endParaRPr lang="en-US" dirty="0"/>
           </a:p>
         </p:txBody>
       </p:sp>
@@ -9831,17 +9074,10 @@
   <p:clrMapOvr>
     <a:masterClrMapping/>
   </p:clrMapOvr>
-  <p:timing>
-    <p:tnLst>
-      <p:par>
-        <p:cTn id="1" dur="indefinite" restart="never" nodeType="tmRoot"/>
-      </p:par>
-    </p:tnLst>
-  </p:timing>
 </p:sld>
 </file>
 
-<file path=ppt/slides/slide5.xml><?xml version="1.0" encoding="utf-8"?>
+<file path=ppt/slides/slide47.xml><?xml version="1.0" encoding="utf-8"?>
 <p:sld xmlns:a="http://schemas.openxmlformats.org/drawingml/2006/main" xmlns:r="http://schemas.openxmlformats.org/officeDocument/2006/relationships" xmlns:p="http://schemas.openxmlformats.org/presentationml/2006/main">
   <p:cSld>
     <p:spTree>
@@ -9874,148 +9110,9 @@
           <a:lstStyle/>
           <a:p>
             <a:r>
-              <a:rPr lang="en-US" smtClean="0"/>
-              <a:t>Agenda</a:t>
-            </a:r>
-            <a:endParaRPr lang="en-US"/>
-          </a:p>
-        </p:txBody>
-      </p:sp>
-      <p:sp>
-        <p:nvSpPr>
-          <p:cNvPr id="3" name="Content Placeholder 2"/>
-          <p:cNvSpPr>
-            <a:spLocks noGrp="1"/>
-          </p:cNvSpPr>
-          <p:nvPr>
-            <p:ph idx="1"/>
-          </p:nvPr>
-        </p:nvSpPr>
-        <p:spPr/>
-        <p:txBody>
-          <a:bodyPr>
-            <a:normAutofit/>
-          </a:bodyPr>
-          <a:lstStyle/>
-          <a:p>
-            <a:r>
-              <a:rPr lang="en-US" dirty="0"/>
-              <a:t>Midterm</a:t>
-            </a:r>
-          </a:p>
-          <a:p>
-            <a:r>
-              <a:rPr lang="en-US" b="1" dirty="0" smtClean="0"/>
-              <a:t>Final </a:t>
-            </a:r>
-            <a:r>
-              <a:rPr lang="en-US" b="1" dirty="0"/>
-              <a:t>Project</a:t>
-            </a:r>
-          </a:p>
-          <a:p>
-            <a:r>
-              <a:rPr lang="en-US" dirty="0" smtClean="0"/>
-              <a:t>Data Shaping</a:t>
-            </a:r>
-          </a:p>
-          <a:p>
-            <a:pPr lvl="1"/>
-            <a:r>
-              <a:rPr lang="en-US" dirty="0"/>
-              <a:t>Merge &amp; joins</a:t>
-            </a:r>
-          </a:p>
-          <a:p>
-            <a:pPr lvl="1"/>
-            <a:r>
-              <a:rPr lang="en-US" dirty="0" err="1"/>
-              <a:t>Concat</a:t>
-            </a:r>
-            <a:endParaRPr lang="en-US" dirty="0"/>
-          </a:p>
-          <a:p>
-            <a:pPr lvl="1"/>
-            <a:r>
-              <a:rPr lang="en-US" dirty="0" smtClean="0"/>
-              <a:t>Clean</a:t>
-            </a:r>
-          </a:p>
-          <a:p>
-            <a:r>
-              <a:rPr lang="en-US" dirty="0" smtClean="0"/>
-              <a:t>Tableau</a:t>
-            </a:r>
-          </a:p>
-          <a:p>
-            <a:r>
-              <a:rPr lang="en-US" dirty="0" err="1" smtClean="0"/>
-              <a:t>Matplotlib</a:t>
-            </a:r>
-            <a:endParaRPr lang="en-US" dirty="0" smtClean="0"/>
-          </a:p>
-          <a:p>
-            <a:endParaRPr lang="en-US" b="1" dirty="0"/>
-          </a:p>
-        </p:txBody>
-      </p:sp>
-    </p:spTree>
-    <p:extLst>
-      <p:ext uri="{BB962C8B-B14F-4D97-AF65-F5344CB8AC3E}">
-        <p14:creationId xmlns:p14="http://schemas.microsoft.com/office/powerpoint/2010/main" val="289355079"/>
-      </p:ext>
-    </p:extLst>
-  </p:cSld>
-  <p:clrMapOvr>
-    <a:masterClrMapping/>
-  </p:clrMapOvr>
-  <p:timing>
-    <p:tnLst>
-      <p:par>
-        <p:cTn id="1" dur="indefinite" restart="never" nodeType="tmRoot"/>
-      </p:par>
-    </p:tnLst>
-  </p:timing>
-</p:sld>
-</file>
-
-<file path=ppt/slides/slide50.xml><?xml version="1.0" encoding="utf-8"?>
-<p:sld xmlns:a="http://schemas.openxmlformats.org/drawingml/2006/main" xmlns:r="http://schemas.openxmlformats.org/officeDocument/2006/relationships" xmlns:p="http://schemas.openxmlformats.org/presentationml/2006/main">
-  <p:cSld>
-    <p:spTree>
-      <p:nvGrpSpPr>
-        <p:cNvPr id="1" name=""/>
-        <p:cNvGrpSpPr/>
-        <p:nvPr/>
-      </p:nvGrpSpPr>
-      <p:grpSpPr>
-        <a:xfrm>
-          <a:off x="0" y="0"/>
-          <a:ext cx="0" cy="0"/>
-          <a:chOff x="0" y="0"/>
-          <a:chExt cx="0" cy="0"/>
-        </a:xfrm>
-      </p:grpSpPr>
-      <p:sp>
-        <p:nvSpPr>
-          <p:cNvPr id="2" name="Title 1"/>
-          <p:cNvSpPr>
-            <a:spLocks noGrp="1"/>
-          </p:cNvSpPr>
-          <p:nvPr>
-            <p:ph type="title"/>
-          </p:nvPr>
-        </p:nvSpPr>
-        <p:spPr/>
-        <p:txBody>
-          <a:bodyPr/>
-          <a:lstStyle/>
-          <a:p>
-            <a:r>
-              <a:rPr lang="en-US" smtClean="0"/>
+              <a:rPr lang="en-US"/>
               <a:t>Subplot grid 2x2</a:t>
             </a:r>
-            <a:endParaRPr lang="en-US"/>
           </a:p>
         </p:txBody>
       </p:sp>
@@ -10058,17 +9155,10 @@
   <p:clrMapOvr>
     <a:masterClrMapping/>
   </p:clrMapOvr>
-  <p:timing>
-    <p:tnLst>
-      <p:par>
-        <p:cTn id="1" dur="indefinite" restart="never" nodeType="tmRoot"/>
-      </p:par>
-    </p:tnLst>
-  </p:timing>
 </p:sld>
 </file>
 
-<file path=ppt/slides/slide51.xml><?xml version="1.0" encoding="utf-8"?>
+<file path=ppt/slides/slide48.xml><?xml version="1.0" encoding="utf-8"?>
 <p:sld xmlns:a="http://schemas.openxmlformats.org/drawingml/2006/main" xmlns:r="http://schemas.openxmlformats.org/officeDocument/2006/relationships" xmlns:p="http://schemas.openxmlformats.org/presentationml/2006/main">
   <p:cSld>
     <p:spTree>
@@ -10101,14 +9191,13 @@
           <a:lstStyle/>
           <a:p>
             <a:r>
-              <a:rPr lang="en-US" dirty="0" err="1" smtClean="0"/>
+              <a:rPr lang="en-US" dirty="0" err="1"/>
               <a:t>Matplotlib</a:t>
             </a:r>
             <a:r>
-              <a:rPr lang="en-US" dirty="0" smtClean="0"/>
+              <a:rPr lang="en-US" dirty="0"/>
               <a:t> Gallery</a:t>
             </a:r>
-            <a:endParaRPr lang="en-US" dirty="0"/>
           </a:p>
         </p:txBody>
       </p:sp>
@@ -10144,19 +9233,19 @@
               <a:buNone/>
             </a:pPr>
             <a:r>
-              <a:rPr lang="en-US" sz="4200" dirty="0" smtClean="0"/>
+              <a:rPr lang="en-US" sz="4200" dirty="0"/>
               <a:t>http://</a:t>
             </a:r>
             <a:r>
-              <a:rPr lang="en-US" sz="4200" dirty="0" err="1" smtClean="0"/>
+              <a:rPr lang="en-US" sz="4200" dirty="0" err="1"/>
               <a:t>matplotlib.org</a:t>
             </a:r>
             <a:r>
-              <a:rPr lang="en-US" sz="4200" dirty="0" smtClean="0"/>
+              <a:rPr lang="en-US" sz="4200" dirty="0"/>
               <a:t>/examples/</a:t>
             </a:r>
             <a:r>
-              <a:rPr lang="en-US" sz="4200" dirty="0" err="1" smtClean="0"/>
+              <a:rPr lang="en-US" sz="4200" dirty="0" err="1"/>
               <a:t>index.html</a:t>
             </a:r>
             <a:endParaRPr lang="en-US" sz="4200" dirty="0"/>
@@ -10173,13 +9262,106 @@
   <p:clrMapOvr>
     <a:masterClrMapping/>
   </p:clrMapOvr>
-  <p:timing>
-    <p:tnLst>
-      <p:par>
-        <p:cTn id="1" dur="indefinite" restart="never" nodeType="tmRoot"/>
-      </p:par>
-    </p:tnLst>
-  </p:timing>
+</p:sld>
+</file>
+
+<file path=ppt/slides/slide5.xml><?xml version="1.0" encoding="utf-8"?>
+<p:sld xmlns:a="http://schemas.openxmlformats.org/drawingml/2006/main" xmlns:r="http://schemas.openxmlformats.org/officeDocument/2006/relationships" xmlns:p="http://schemas.openxmlformats.org/presentationml/2006/main">
+  <p:cSld>
+    <p:spTree>
+      <p:nvGrpSpPr>
+        <p:cNvPr id="1" name=""/>
+        <p:cNvGrpSpPr/>
+        <p:nvPr/>
+      </p:nvGrpSpPr>
+      <p:grpSpPr>
+        <a:xfrm>
+          <a:off x="0" y="0"/>
+          <a:ext cx="0" cy="0"/>
+          <a:chOff x="0" y="0"/>
+          <a:chExt cx="0" cy="0"/>
+        </a:xfrm>
+      </p:grpSpPr>
+      <p:sp>
+        <p:nvSpPr>
+          <p:cNvPr id="2" name="Title 1"/>
+          <p:cNvSpPr>
+            <a:spLocks noGrp="1"/>
+          </p:cNvSpPr>
+          <p:nvPr>
+            <p:ph type="title"/>
+          </p:nvPr>
+        </p:nvSpPr>
+        <p:spPr/>
+        <p:txBody>
+          <a:bodyPr/>
+          <a:lstStyle/>
+          <a:p>
+            <a:r>
+              <a:rPr lang="en-US" dirty="0"/>
+              <a:t>Your project : topic selection</a:t>
+            </a:r>
+          </a:p>
+        </p:txBody>
+      </p:sp>
+      <p:sp>
+        <p:nvSpPr>
+          <p:cNvPr id="3" name="Content Placeholder 2"/>
+          <p:cNvSpPr>
+            <a:spLocks noGrp="1"/>
+          </p:cNvSpPr>
+          <p:nvPr>
+            <p:ph idx="1"/>
+          </p:nvPr>
+        </p:nvSpPr>
+        <p:spPr/>
+        <p:txBody>
+          <a:bodyPr/>
+          <a:lstStyle/>
+          <a:p>
+            <a:r>
+              <a:rPr lang="en-US" dirty="0"/>
+              <a:t>Goal: </a:t>
+            </a:r>
+            <a:r>
+              <a:rPr lang="en-US" b="1" dirty="0"/>
+              <a:t>apply</a:t>
+            </a:r>
+            <a:r>
+              <a:rPr lang="en-US" dirty="0"/>
+              <a:t> what you have learned in this class to a realistic data science challenge + exercise your creativity + have fun!</a:t>
+            </a:r>
+          </a:p>
+          <a:p>
+            <a:r>
+              <a:rPr lang="en-US" dirty="0"/>
+              <a:t>You can choose any ”significant” data set via downloadable sites, APIs, or use any of the datasets from the class.</a:t>
+            </a:r>
+          </a:p>
+          <a:p>
+            <a:r>
+              <a:rPr lang="en-US" dirty="0"/>
+              <a:t>You need to propose an interesting data insight investigation that you would like to explore, analyze the data, visualize the data, and finally write up your conclusion on what insights you have reached.</a:t>
+            </a:r>
+          </a:p>
+          <a:p>
+            <a:pPr marL="0" indent="0">
+              <a:buNone/>
+            </a:pPr>
+            <a:endParaRPr lang="en-US" dirty="0"/>
+          </a:p>
+        </p:txBody>
+      </p:sp>
+    </p:spTree>
+    <p:extLst>
+      <p:ext uri="{BB962C8B-B14F-4D97-AF65-F5344CB8AC3E}">
+        <p14:creationId xmlns:p14="http://schemas.microsoft.com/office/powerpoint/2010/main" val="171049502"/>
+      </p:ext>
+    </p:extLst>
+  </p:cSld>
+  <p:clrMapOvr>
+    <a:masterClrMapping/>
+  </p:clrMapOvr>
 </p:sld>
 </file>
 
@@ -10216,621 +9398,9 @@
           <a:lstStyle/>
           <a:p>
             <a:r>
-              <a:rPr lang="en-US" dirty="0" smtClean="0"/>
-              <a:t>Your final project : guidelines</a:t>
-            </a:r>
-            <a:endParaRPr lang="en-US" dirty="0"/>
-          </a:p>
-        </p:txBody>
-      </p:sp>
-      <p:sp>
-        <p:nvSpPr>
-          <p:cNvPr id="3" name="Content Placeholder 2"/>
-          <p:cNvSpPr>
-            <a:spLocks noGrp="1"/>
-          </p:cNvSpPr>
-          <p:nvPr>
-            <p:ph idx="1"/>
-          </p:nvPr>
-        </p:nvSpPr>
-        <p:spPr/>
-        <p:txBody>
-          <a:bodyPr/>
-          <a:lstStyle/>
-          <a:p>
-            <a:r>
-              <a:rPr lang="en-US" dirty="0" smtClean="0"/>
-              <a:t>Goal: </a:t>
-            </a:r>
-            <a:r>
-              <a:rPr lang="en-US" b="1" dirty="0" smtClean="0"/>
-              <a:t>apply</a:t>
-            </a:r>
-            <a:r>
-              <a:rPr lang="en-US" dirty="0" smtClean="0"/>
-              <a:t> what you have learned in this class to a realistic data science challenge + exercise your creativity + have fun!</a:t>
-            </a:r>
-          </a:p>
-          <a:p>
-            <a:r>
-              <a:rPr lang="en-US" dirty="0" smtClean="0"/>
-              <a:t>This is meant to be a significant </a:t>
-            </a:r>
-            <a:r>
-              <a:rPr lang="en-US" b="1" dirty="0" smtClean="0"/>
-              <a:t>individual effort </a:t>
-            </a:r>
-            <a:r>
-              <a:rPr lang="en-US" dirty="0" smtClean="0"/>
-              <a:t>to learn by practicing what you are learning to a real-world data science problem.</a:t>
-            </a:r>
-          </a:p>
-          <a:p>
-            <a:r>
-              <a:rPr lang="en-US" dirty="0" smtClean="0"/>
-              <a:t>The </a:t>
-            </a:r>
-            <a:r>
-              <a:rPr lang="en-US" b="1" dirty="0" err="1" smtClean="0"/>
-              <a:t>writeup</a:t>
-            </a:r>
-            <a:r>
-              <a:rPr lang="en-US" dirty="0" smtClean="0"/>
-              <a:t> of your final project is in the form of a </a:t>
-            </a:r>
-            <a:r>
-              <a:rPr lang="en-US" dirty="0" err="1" smtClean="0"/>
-              <a:t>Jupyter</a:t>
-            </a:r>
-            <a:r>
-              <a:rPr lang="en-US" dirty="0" smtClean="0"/>
-              <a:t> notebook and associated data – to be uploaded to the final project assignment in Camino.</a:t>
-            </a:r>
-          </a:p>
-          <a:p>
-            <a:r>
-              <a:rPr lang="en-US" dirty="0" smtClean="0"/>
-              <a:t>You are to submit your final notebook by September 3 @ 11:59pm.</a:t>
-            </a:r>
-          </a:p>
-          <a:p>
-            <a:endParaRPr lang="en-US" dirty="0"/>
-          </a:p>
-        </p:txBody>
-      </p:sp>
-    </p:spTree>
-    <p:extLst>
-      <p:ext uri="{BB962C8B-B14F-4D97-AF65-F5344CB8AC3E}">
-        <p14:creationId xmlns:p14="http://schemas.microsoft.com/office/powerpoint/2010/main" val="1287835945"/>
-      </p:ext>
-    </p:extLst>
-  </p:cSld>
-  <p:clrMapOvr>
-    <a:masterClrMapping/>
-  </p:clrMapOvr>
-</p:sld>
-</file>
-
-<file path=ppt/slides/slide7.xml><?xml version="1.0" encoding="utf-8"?>
-<p:sld xmlns:a="http://schemas.openxmlformats.org/drawingml/2006/main" xmlns:r="http://schemas.openxmlformats.org/officeDocument/2006/relationships" xmlns:p="http://schemas.openxmlformats.org/presentationml/2006/main">
-  <p:cSld>
-    <p:spTree>
-      <p:nvGrpSpPr>
-        <p:cNvPr id="1" name=""/>
-        <p:cNvGrpSpPr/>
-        <p:nvPr/>
-      </p:nvGrpSpPr>
-      <p:grpSpPr>
-        <a:xfrm>
-          <a:off x="0" y="0"/>
-          <a:ext cx="0" cy="0"/>
-          <a:chOff x="0" y="0"/>
-          <a:chExt cx="0" cy="0"/>
-        </a:xfrm>
-      </p:grpSpPr>
-      <p:sp>
-        <p:nvSpPr>
-          <p:cNvPr id="2" name="Title 1"/>
-          <p:cNvSpPr>
-            <a:spLocks noGrp="1"/>
-          </p:cNvSpPr>
-          <p:nvPr>
-            <p:ph type="title"/>
-          </p:nvPr>
-        </p:nvSpPr>
-        <p:spPr/>
-        <p:txBody>
-          <a:bodyPr/>
-          <a:lstStyle/>
-          <a:p>
-            <a:r>
-              <a:rPr lang="en-US" dirty="0" smtClean="0"/>
-              <a:t>Your final project : topic selection</a:t>
-            </a:r>
-            <a:endParaRPr lang="en-US" dirty="0"/>
-          </a:p>
-        </p:txBody>
-      </p:sp>
-      <p:sp>
-        <p:nvSpPr>
-          <p:cNvPr id="3" name="Content Placeholder 2"/>
-          <p:cNvSpPr>
-            <a:spLocks noGrp="1"/>
-          </p:cNvSpPr>
-          <p:nvPr>
-            <p:ph idx="1"/>
-          </p:nvPr>
-        </p:nvSpPr>
-        <p:spPr/>
-        <p:txBody>
-          <a:bodyPr/>
-          <a:lstStyle/>
-          <a:p>
-            <a:r>
-              <a:rPr lang="en-US" dirty="0" smtClean="0"/>
-              <a:t>Goal: </a:t>
-            </a:r>
-            <a:r>
-              <a:rPr lang="en-US" b="1" dirty="0" smtClean="0"/>
-              <a:t>apply</a:t>
-            </a:r>
-            <a:r>
-              <a:rPr lang="en-US" dirty="0" smtClean="0"/>
-              <a:t> what you have learned in this class to a realistic data science challenge + exercise your creativity + have fun!</a:t>
-            </a:r>
-          </a:p>
-          <a:p>
-            <a:r>
-              <a:rPr lang="en-US" dirty="0" smtClean="0"/>
-              <a:t>You can choose any ”significant” data set via downloadable sites, APIs, or use any of the datasets from the class.</a:t>
-            </a:r>
-          </a:p>
-          <a:p>
-            <a:r>
-              <a:rPr lang="en-US" dirty="0" smtClean="0"/>
-              <a:t>You need to propose an interesting data insight investigation that you would like to explore, analyze the data, visualize the data, and finally write up your conclusion on what insights you have reached.</a:t>
-            </a:r>
-          </a:p>
-          <a:p>
-            <a:r>
-              <a:rPr lang="en-US" dirty="0" smtClean="0"/>
-              <a:t>Grading of your final project will be based on the following rubric.</a:t>
-            </a:r>
-          </a:p>
-          <a:p>
-            <a:endParaRPr lang="en-US" dirty="0"/>
-          </a:p>
-        </p:txBody>
-      </p:sp>
-    </p:spTree>
-    <p:extLst>
-      <p:ext uri="{BB962C8B-B14F-4D97-AF65-F5344CB8AC3E}">
-        <p14:creationId xmlns:p14="http://schemas.microsoft.com/office/powerpoint/2010/main" val="171049502"/>
-      </p:ext>
-    </p:extLst>
-  </p:cSld>
-  <p:clrMapOvr>
-    <a:masterClrMapping/>
-  </p:clrMapOvr>
-</p:sld>
-</file>
-
-<file path=ppt/slides/slide8.xml><?xml version="1.0" encoding="utf-8"?>
-<p:sld xmlns:a="http://schemas.openxmlformats.org/drawingml/2006/main" xmlns:r="http://schemas.openxmlformats.org/officeDocument/2006/relationships" xmlns:p="http://schemas.openxmlformats.org/presentationml/2006/main">
-  <p:cSld>
-    <p:spTree>
-      <p:nvGrpSpPr>
-        <p:cNvPr id="1" name=""/>
-        <p:cNvGrpSpPr/>
-        <p:nvPr/>
-      </p:nvGrpSpPr>
-      <p:grpSpPr>
-        <a:xfrm>
-          <a:off x="0" y="0"/>
-          <a:ext cx="0" cy="0"/>
-          <a:chOff x="0" y="0"/>
-          <a:chExt cx="0" cy="0"/>
-        </a:xfrm>
-      </p:grpSpPr>
-      <p:sp>
-        <p:nvSpPr>
-          <p:cNvPr id="2" name="Title 1"/>
-          <p:cNvSpPr>
-            <a:spLocks noGrp="1"/>
-          </p:cNvSpPr>
-          <p:nvPr>
-            <p:ph type="title"/>
-          </p:nvPr>
-        </p:nvSpPr>
-        <p:spPr/>
-        <p:txBody>
-          <a:bodyPr/>
-          <a:lstStyle/>
-          <a:p>
-            <a:r>
-              <a:rPr lang="en-US" dirty="0" smtClean="0"/>
-              <a:t>Your final project : grading rubric</a:t>
-            </a:r>
-            <a:endParaRPr lang="en-US" dirty="0"/>
-          </a:p>
-        </p:txBody>
-      </p:sp>
-      <p:graphicFrame>
-        <p:nvGraphicFramePr>
-          <p:cNvPr id="4" name="Content Placeholder 3"/>
-          <p:cNvGraphicFramePr>
-            <a:graphicFrameLocks noGrp="1"/>
-          </p:cNvGraphicFramePr>
-          <p:nvPr>
-            <p:ph idx="1"/>
-            <p:extLst/>
-          </p:nvPr>
-        </p:nvGraphicFramePr>
-        <p:xfrm>
-          <a:off x="838200" y="1825625"/>
-          <a:ext cx="10515600" cy="3205480"/>
-        </p:xfrm>
-        <a:graphic>
-          <a:graphicData uri="http://schemas.openxmlformats.org/drawingml/2006/table">
-            <a:tbl>
-              <a:tblPr firstRow="1" bandRow="1">
-                <a:tableStyleId>{7E9639D4-E3E2-4D34-9284-5A2195B3D0D7}</a:tableStyleId>
-              </a:tblPr>
-              <a:tblGrid>
-                <a:gridCol w="1969546"/>
-                <a:gridCol w="5040854"/>
-                <a:gridCol w="3505200"/>
-              </a:tblGrid>
-              <a:tr h="370840">
-                <a:tc>
-                  <a:txBody>
-                    <a:bodyPr/>
-                    <a:lstStyle/>
-                    <a:p>
-                      <a:r>
-                        <a:rPr lang="en-US" dirty="0" smtClean="0"/>
-                        <a:t>Area</a:t>
-                      </a:r>
-                      <a:endParaRPr lang="en-US" dirty="0"/>
-                    </a:p>
-                  </a:txBody>
-                  <a:tcPr/>
-                </a:tc>
-                <a:tc>
-                  <a:txBody>
-                    <a:bodyPr/>
-                    <a:lstStyle/>
-                    <a:p>
-                      <a:r>
-                        <a:rPr lang="en-US" dirty="0" smtClean="0"/>
-                        <a:t>Details</a:t>
-                      </a:r>
-                      <a:endParaRPr lang="en-US" dirty="0"/>
-                    </a:p>
-                  </a:txBody>
-                  <a:tcPr/>
-                </a:tc>
-                <a:tc>
-                  <a:txBody>
-                    <a:bodyPr/>
-                    <a:lstStyle/>
-                    <a:p>
-                      <a:r>
-                        <a:rPr lang="en-US" dirty="0" smtClean="0"/>
-                        <a:t>Grading %</a:t>
-                      </a:r>
-                      <a:endParaRPr lang="en-US" dirty="0"/>
-                    </a:p>
-                  </a:txBody>
-                  <a:tcPr/>
-                </a:tc>
-              </a:tr>
-              <a:tr h="370840">
-                <a:tc>
-                  <a:txBody>
-                    <a:bodyPr/>
-                    <a:lstStyle/>
-                    <a:p>
-                      <a:r>
-                        <a:rPr lang="en-US" dirty="0" smtClean="0"/>
-                        <a:t>Topic</a:t>
-                      </a:r>
-                      <a:r>
-                        <a:rPr lang="en-US" baseline="0" dirty="0" smtClean="0"/>
-                        <a:t> Selection</a:t>
-                      </a:r>
-                      <a:endParaRPr lang="en-US" dirty="0"/>
-                    </a:p>
-                  </a:txBody>
-                  <a:tcPr/>
-                </a:tc>
-                <a:tc>
-                  <a:txBody>
-                    <a:bodyPr/>
-                    <a:lstStyle/>
-                    <a:p>
-                      <a:r>
-                        <a:rPr lang="en-US" dirty="0" smtClean="0"/>
-                        <a:t>Did you create a reasonably</a:t>
-                      </a:r>
-                      <a:r>
-                        <a:rPr lang="en-US" baseline="0" dirty="0" smtClean="0"/>
-                        <a:t> interesting data insight</a:t>
-                      </a:r>
-                      <a:r>
-                        <a:rPr lang="en-US" dirty="0" smtClean="0"/>
-                        <a:t> hypothesis for your investigation?</a:t>
-                      </a:r>
-                      <a:endParaRPr lang="en-US" dirty="0"/>
-                    </a:p>
-                  </a:txBody>
-                  <a:tcPr/>
-                </a:tc>
-                <a:tc>
-                  <a:txBody>
-                    <a:bodyPr/>
-                    <a:lstStyle/>
-                    <a:p>
-                      <a:r>
-                        <a:rPr lang="en-US" dirty="0" smtClean="0"/>
-                        <a:t>10%</a:t>
-                      </a:r>
-                      <a:endParaRPr lang="en-US" dirty="0"/>
-                    </a:p>
-                  </a:txBody>
-                  <a:tcPr/>
-                </a:tc>
-              </a:tr>
-              <a:tr h="370840">
-                <a:tc>
-                  <a:txBody>
-                    <a:bodyPr/>
-                    <a:lstStyle/>
-                    <a:p>
-                      <a:r>
-                        <a:rPr lang="en-US" dirty="0" smtClean="0"/>
-                        <a:t>Packaging</a:t>
-                      </a:r>
-                      <a:endParaRPr lang="en-US" dirty="0"/>
-                    </a:p>
-                  </a:txBody>
-                  <a:tcPr/>
-                </a:tc>
-                <a:tc>
-                  <a:txBody>
-                    <a:bodyPr/>
-                    <a:lstStyle/>
-                    <a:p>
-                      <a:r>
-                        <a:rPr lang="en-US" dirty="0" smtClean="0"/>
-                        <a:t>Did</a:t>
-                      </a:r>
-                      <a:r>
-                        <a:rPr lang="en-US" baseline="0" dirty="0" smtClean="0"/>
-                        <a:t> you create a </a:t>
-                      </a:r>
-                      <a:r>
-                        <a:rPr lang="en-US" baseline="0" dirty="0" err="1" smtClean="0"/>
-                        <a:t>Jupyter</a:t>
-                      </a:r>
-                      <a:r>
-                        <a:rPr lang="en-US" baseline="0" dirty="0" smtClean="0"/>
-                        <a:t> project packaging that looks professional and understandable?</a:t>
-                      </a:r>
-                      <a:endParaRPr lang="en-US" dirty="0"/>
-                    </a:p>
-                  </a:txBody>
-                  <a:tcPr/>
-                </a:tc>
-                <a:tc>
-                  <a:txBody>
-                    <a:bodyPr/>
-                    <a:lstStyle/>
-                    <a:p>
-                      <a:r>
-                        <a:rPr lang="en-US" dirty="0" smtClean="0"/>
-                        <a:t>10%</a:t>
-                      </a:r>
-                      <a:endParaRPr lang="en-US" dirty="0"/>
-                    </a:p>
-                  </a:txBody>
-                  <a:tcPr/>
-                </a:tc>
-              </a:tr>
-              <a:tr h="370840">
-                <a:tc>
-                  <a:txBody>
-                    <a:bodyPr/>
-                    <a:lstStyle/>
-                    <a:p>
-                      <a:pPr marL="0" marR="0" indent="0" algn="l" defTabSz="914400" rtl="0" eaLnBrk="1" fontAlgn="auto" latinLnBrk="0" hangingPunct="1">
-                        <a:lnSpc>
-                          <a:spcPct val="100000"/>
-                        </a:lnSpc>
-                        <a:spcBef>
-                          <a:spcPts val="0"/>
-                        </a:spcBef>
-                        <a:spcAft>
-                          <a:spcPts val="0"/>
-                        </a:spcAft>
-                        <a:buClrTx/>
-                        <a:buSzTx/>
-                        <a:buFontTx/>
-                        <a:buNone/>
-                        <a:tabLst/>
-                        <a:defRPr/>
-                      </a:pPr>
-                      <a:r>
-                        <a:rPr lang="en-US" dirty="0" smtClean="0"/>
-                        <a:t>Analysis</a:t>
-                      </a:r>
-                      <a:r>
-                        <a:rPr lang="en-US" baseline="0" dirty="0" smtClean="0"/>
-                        <a:t> Competence</a:t>
-                      </a:r>
-                      <a:endParaRPr lang="en-US" dirty="0" smtClean="0"/>
-                    </a:p>
-                    <a:p>
-                      <a:endParaRPr lang="en-US" dirty="0"/>
-                    </a:p>
-                  </a:txBody>
-                  <a:tcPr/>
-                </a:tc>
-                <a:tc>
-                  <a:txBody>
-                    <a:bodyPr/>
-                    <a:lstStyle/>
-                    <a:p>
-                      <a:pPr marL="0" marR="0" indent="0" algn="l" defTabSz="914400" rtl="0" eaLnBrk="1" fontAlgn="auto" latinLnBrk="0" hangingPunct="1">
-                        <a:lnSpc>
-                          <a:spcPct val="100000"/>
-                        </a:lnSpc>
-                        <a:spcBef>
-                          <a:spcPts val="0"/>
-                        </a:spcBef>
-                        <a:spcAft>
-                          <a:spcPts val="0"/>
-                        </a:spcAft>
-                        <a:buClrTx/>
-                        <a:buSzTx/>
-                        <a:buFontTx/>
-                        <a:buNone/>
-                        <a:tabLst/>
-                        <a:defRPr/>
-                      </a:pPr>
-                      <a:r>
-                        <a:rPr lang="en-US" dirty="0" smtClean="0"/>
-                        <a:t>Does your notebook show competence</a:t>
-                      </a:r>
-                      <a:r>
-                        <a:rPr lang="en-US" baseline="0" dirty="0" smtClean="0"/>
-                        <a:t> in using the data science tools we learned in class?</a:t>
-                      </a:r>
-                      <a:endParaRPr lang="en-US" dirty="0" smtClean="0"/>
-                    </a:p>
-                    <a:p>
-                      <a:endParaRPr lang="en-US" dirty="0"/>
-                    </a:p>
-                  </a:txBody>
-                  <a:tcPr/>
-                </a:tc>
-                <a:tc>
-                  <a:txBody>
-                    <a:bodyPr/>
-                    <a:lstStyle/>
-                    <a:p>
-                      <a:r>
-                        <a:rPr lang="en-US" dirty="0" smtClean="0"/>
-                        <a:t>40%</a:t>
-                      </a:r>
-                      <a:endParaRPr lang="en-US" dirty="0"/>
-                    </a:p>
-                  </a:txBody>
-                  <a:tcPr/>
-                </a:tc>
-              </a:tr>
-              <a:tr h="370840">
-                <a:tc>
-                  <a:txBody>
-                    <a:bodyPr/>
-                    <a:lstStyle/>
-                    <a:p>
-                      <a:r>
-                        <a:rPr lang="en-US" dirty="0" smtClean="0"/>
-                        <a:t>Insight</a:t>
-                      </a:r>
-                      <a:endParaRPr lang="en-US" dirty="0"/>
-                    </a:p>
-                  </a:txBody>
-                  <a:tcPr/>
-                </a:tc>
-                <a:tc>
-                  <a:txBody>
-                    <a:bodyPr/>
-                    <a:lstStyle/>
-                    <a:p>
-                      <a:r>
-                        <a:rPr lang="en-US" dirty="0" smtClean="0"/>
-                        <a:t>Does</a:t>
-                      </a:r>
-                      <a:r>
-                        <a:rPr lang="en-US" baseline="0" dirty="0" smtClean="0"/>
-                        <a:t> your project show useful or interesting insights from the data analysis you have done?</a:t>
-                      </a:r>
-                      <a:endParaRPr lang="en-US" dirty="0"/>
-                    </a:p>
-                  </a:txBody>
-                  <a:tcPr/>
-                </a:tc>
-                <a:tc>
-                  <a:txBody>
-                    <a:bodyPr/>
-                    <a:lstStyle/>
-                    <a:p>
-                      <a:r>
-                        <a:rPr lang="en-US" dirty="0" smtClean="0"/>
-                        <a:t>40%</a:t>
-                      </a:r>
-                      <a:endParaRPr lang="en-US" dirty="0"/>
-                    </a:p>
-                  </a:txBody>
-                  <a:tcPr/>
-                </a:tc>
-              </a:tr>
-            </a:tbl>
-          </a:graphicData>
-        </a:graphic>
-      </p:graphicFrame>
-    </p:spTree>
-    <p:extLst>
-      <p:ext uri="{BB962C8B-B14F-4D97-AF65-F5344CB8AC3E}">
-        <p14:creationId xmlns:p14="http://schemas.microsoft.com/office/powerpoint/2010/main" val="1495860428"/>
-      </p:ext>
-    </p:extLst>
-  </p:cSld>
-  <p:clrMapOvr>
-    <a:masterClrMapping/>
-  </p:clrMapOvr>
-</p:sld>
-</file>
-
-<file path=ppt/slides/slide9.xml><?xml version="1.0" encoding="utf-8"?>
-<p:sld xmlns:a="http://schemas.openxmlformats.org/drawingml/2006/main" xmlns:r="http://schemas.openxmlformats.org/officeDocument/2006/relationships" xmlns:p="http://schemas.openxmlformats.org/presentationml/2006/main">
-  <p:cSld>
-    <p:spTree>
-      <p:nvGrpSpPr>
-        <p:cNvPr id="1" name=""/>
-        <p:cNvGrpSpPr/>
-        <p:nvPr/>
-      </p:nvGrpSpPr>
-      <p:grpSpPr>
-        <a:xfrm>
-          <a:off x="0" y="0"/>
-          <a:ext cx="0" cy="0"/>
-          <a:chOff x="0" y="0"/>
-          <a:chExt cx="0" cy="0"/>
-        </a:xfrm>
-      </p:grpSpPr>
-      <p:sp>
-        <p:nvSpPr>
-          <p:cNvPr id="2" name="Title 1"/>
-          <p:cNvSpPr>
-            <a:spLocks noGrp="1"/>
-          </p:cNvSpPr>
-          <p:nvPr>
-            <p:ph type="title"/>
-          </p:nvPr>
-        </p:nvSpPr>
-        <p:spPr/>
-        <p:txBody>
-          <a:bodyPr/>
-          <a:lstStyle/>
-          <a:p>
-            <a:r>
-              <a:rPr lang="en-US" dirty="0" smtClean="0"/>
-              <a:t>Final Project</a:t>
-            </a:r>
-            <a:endParaRPr lang="en-US" dirty="0"/>
+              <a:rPr lang="en-US" dirty="0"/>
+              <a:t>Project Ideas …</a:t>
+            </a:r>
           </a:p>
         </p:txBody>
       </p:sp>
@@ -10957,6 +9527,376 @@
       </p:par>
     </p:tnLst>
   </p:timing>
+</p:sld>
+</file>
+
+<file path=ppt/slides/slide7.xml><?xml version="1.0" encoding="utf-8"?>
+<p:sld xmlns:a="http://schemas.openxmlformats.org/drawingml/2006/main" xmlns:r="http://schemas.openxmlformats.org/officeDocument/2006/relationships" xmlns:p="http://schemas.openxmlformats.org/presentationml/2006/main">
+  <p:cSld>
+    <p:spTree>
+      <p:nvGrpSpPr>
+        <p:cNvPr id="1" name=""/>
+        <p:cNvGrpSpPr/>
+        <p:nvPr/>
+      </p:nvGrpSpPr>
+      <p:grpSpPr>
+        <a:xfrm>
+          <a:off x="0" y="0"/>
+          <a:ext cx="0" cy="0"/>
+          <a:chOff x="0" y="0"/>
+          <a:chExt cx="0" cy="0"/>
+        </a:xfrm>
+      </p:grpSpPr>
+      <p:sp>
+        <p:nvSpPr>
+          <p:cNvPr id="2" name="Title 1"/>
+          <p:cNvSpPr>
+            <a:spLocks noGrp="1"/>
+          </p:cNvSpPr>
+          <p:nvPr>
+            <p:ph type="title"/>
+          </p:nvPr>
+        </p:nvSpPr>
+        <p:spPr/>
+        <p:txBody>
+          <a:bodyPr/>
+          <a:lstStyle/>
+          <a:p>
+            <a:r>
+              <a:rPr lang="en-US"/>
+              <a:t>Agenda</a:t>
+            </a:r>
+          </a:p>
+        </p:txBody>
+      </p:sp>
+      <p:sp>
+        <p:nvSpPr>
+          <p:cNvPr id="3" name="Content Placeholder 2"/>
+          <p:cNvSpPr>
+            <a:spLocks noGrp="1"/>
+          </p:cNvSpPr>
+          <p:nvPr>
+            <p:ph idx="1"/>
+          </p:nvPr>
+        </p:nvSpPr>
+        <p:spPr/>
+        <p:txBody>
+          <a:bodyPr>
+            <a:normAutofit/>
+          </a:bodyPr>
+          <a:lstStyle/>
+          <a:p>
+            <a:r>
+              <a:rPr lang="en-US" dirty="0"/>
+              <a:t>Project</a:t>
+            </a:r>
+          </a:p>
+          <a:p>
+            <a:r>
+              <a:rPr lang="en-US" b="1" dirty="0"/>
+              <a:t>Data Shaping</a:t>
+            </a:r>
+          </a:p>
+          <a:p>
+            <a:pPr lvl="1"/>
+            <a:r>
+              <a:rPr lang="en-US" b="1" dirty="0"/>
+              <a:t>Merge &amp; joins</a:t>
+            </a:r>
+          </a:p>
+          <a:p>
+            <a:pPr lvl="1"/>
+            <a:r>
+              <a:rPr lang="en-US" b="1" dirty="0" err="1"/>
+              <a:t>Concat</a:t>
+            </a:r>
+            <a:endParaRPr lang="en-US" b="1" dirty="0"/>
+          </a:p>
+          <a:p>
+            <a:pPr lvl="1"/>
+            <a:r>
+              <a:rPr lang="en-US" b="1" dirty="0"/>
+              <a:t>Clean</a:t>
+            </a:r>
+          </a:p>
+          <a:p>
+            <a:r>
+              <a:rPr lang="en-US" dirty="0"/>
+              <a:t>Tableau</a:t>
+            </a:r>
+          </a:p>
+          <a:p>
+            <a:r>
+              <a:rPr lang="en-US" dirty="0" err="1"/>
+              <a:t>Matplotlib</a:t>
+            </a:r>
+            <a:endParaRPr lang="en-US" dirty="0"/>
+          </a:p>
+          <a:p>
+            <a:endParaRPr lang="en-US" b="1" dirty="0"/>
+          </a:p>
+        </p:txBody>
+      </p:sp>
+    </p:spTree>
+    <p:extLst>
+      <p:ext uri="{BB962C8B-B14F-4D97-AF65-F5344CB8AC3E}">
+        <p14:creationId xmlns:p14="http://schemas.microsoft.com/office/powerpoint/2010/main" val="945141067"/>
+      </p:ext>
+    </p:extLst>
+  </p:cSld>
+  <p:clrMapOvr>
+    <a:masterClrMapping/>
+  </p:clrMapOvr>
+</p:sld>
+</file>
+
+<file path=ppt/slides/slide8.xml><?xml version="1.0" encoding="utf-8"?>
+<p:sld xmlns:a="http://schemas.openxmlformats.org/drawingml/2006/main" xmlns:r="http://schemas.openxmlformats.org/officeDocument/2006/relationships" xmlns:p="http://schemas.openxmlformats.org/presentationml/2006/main">
+  <p:cSld>
+    <p:spTree>
+      <p:nvGrpSpPr>
+        <p:cNvPr id="1" name=""/>
+        <p:cNvGrpSpPr/>
+        <p:nvPr/>
+      </p:nvGrpSpPr>
+      <p:grpSpPr>
+        <a:xfrm>
+          <a:off x="0" y="0"/>
+          <a:ext cx="0" cy="0"/>
+          <a:chOff x="0" y="0"/>
+          <a:chExt cx="0" cy="0"/>
+        </a:xfrm>
+      </p:grpSpPr>
+      <p:sp>
+        <p:nvSpPr>
+          <p:cNvPr id="2" name="Title 1"/>
+          <p:cNvSpPr>
+            <a:spLocks noGrp="1"/>
+          </p:cNvSpPr>
+          <p:nvPr>
+            <p:ph type="title"/>
+          </p:nvPr>
+        </p:nvSpPr>
+        <p:spPr/>
+        <p:txBody>
+          <a:bodyPr/>
+          <a:lstStyle/>
+          <a:p>
+            <a:r>
+              <a:rPr lang="en-US" dirty="0"/>
+              <a:t>Joining Datasets</a:t>
+            </a:r>
+          </a:p>
+        </p:txBody>
+      </p:sp>
+      <p:sp>
+        <p:nvSpPr>
+          <p:cNvPr id="4" name="Oval 3"/>
+          <p:cNvSpPr/>
+          <p:nvPr/>
+        </p:nvSpPr>
+        <p:spPr>
+          <a:xfrm>
+            <a:off x="2452914" y="2160270"/>
+            <a:ext cx="2663372" cy="2803616"/>
+          </a:xfrm>
+          <a:prstGeom prst="ellipse">
+            <a:avLst/>
+          </a:prstGeom>
+          <a:solidFill>
+            <a:srgbClr val="C00000"/>
+          </a:solidFill>
+          <a:ln w="38100">
+            <a:solidFill>
+              <a:schemeClr val="tx1"/>
+            </a:solidFill>
+          </a:ln>
+        </p:spPr>
+        <p:style>
+          <a:lnRef idx="2">
+            <a:schemeClr val="accent1">
+              <a:shade val="50000"/>
+            </a:schemeClr>
+          </a:lnRef>
+          <a:fillRef idx="1">
+            <a:schemeClr val="accent1"/>
+          </a:fillRef>
+          <a:effectRef idx="0">
+            <a:schemeClr val="accent1"/>
+          </a:effectRef>
+          <a:fontRef idx="minor">
+            <a:schemeClr val="lt1"/>
+          </a:fontRef>
+        </p:style>
+        <p:txBody>
+          <a:bodyPr rtlCol="0" anchor="ctr"/>
+          <a:lstStyle/>
+          <a:p>
+            <a:pPr algn="ctr"/>
+            <a:r>
+              <a:rPr lang="en-US" sz="4000" b="1" dirty="0">
+                <a:solidFill>
+                  <a:schemeClr val="tx1"/>
+                </a:solidFill>
+                <a:latin typeface="Times New Roman" charset="0"/>
+                <a:ea typeface="Times New Roman" charset="0"/>
+                <a:cs typeface="Times New Roman" charset="0"/>
+              </a:rPr>
+              <a:t>A</a:t>
+            </a:r>
+          </a:p>
+        </p:txBody>
+      </p:sp>
+      <p:sp>
+        <p:nvSpPr>
+          <p:cNvPr id="6" name="Oval 5"/>
+          <p:cNvSpPr/>
+          <p:nvPr/>
+        </p:nvSpPr>
+        <p:spPr>
+          <a:xfrm>
+            <a:off x="6828971" y="2160270"/>
+            <a:ext cx="2663372" cy="2803616"/>
+          </a:xfrm>
+          <a:prstGeom prst="ellipse">
+            <a:avLst/>
+          </a:prstGeom>
+          <a:solidFill>
+            <a:srgbClr val="C00000"/>
+          </a:solidFill>
+          <a:ln w="38100">
+            <a:solidFill>
+              <a:schemeClr val="tx1"/>
+            </a:solidFill>
+          </a:ln>
+        </p:spPr>
+        <p:style>
+          <a:lnRef idx="2">
+            <a:schemeClr val="accent1">
+              <a:shade val="50000"/>
+            </a:schemeClr>
+          </a:lnRef>
+          <a:fillRef idx="1">
+            <a:schemeClr val="accent1"/>
+          </a:fillRef>
+          <a:effectRef idx="0">
+            <a:schemeClr val="accent1"/>
+          </a:effectRef>
+          <a:fontRef idx="minor">
+            <a:schemeClr val="lt1"/>
+          </a:fontRef>
+        </p:style>
+        <p:txBody>
+          <a:bodyPr rtlCol="0" anchor="ctr"/>
+          <a:lstStyle/>
+          <a:p>
+            <a:pPr algn="ctr"/>
+            <a:r>
+              <a:rPr lang="en-US" sz="4000" b="1" dirty="0">
+                <a:solidFill>
+                  <a:schemeClr val="tx1"/>
+                </a:solidFill>
+                <a:latin typeface="Times New Roman" charset="0"/>
+                <a:ea typeface="Times New Roman" charset="0"/>
+                <a:cs typeface="Times New Roman" charset="0"/>
+              </a:rPr>
+              <a:t>B</a:t>
+            </a:r>
+          </a:p>
+        </p:txBody>
+      </p:sp>
+    </p:spTree>
+    <p:extLst>
+      <p:ext uri="{BB962C8B-B14F-4D97-AF65-F5344CB8AC3E}">
+        <p14:creationId xmlns:p14="http://schemas.microsoft.com/office/powerpoint/2010/main" val="399446605"/>
+      </p:ext>
+    </p:extLst>
+  </p:cSld>
+  <p:clrMapOvr>
+    <a:masterClrMapping/>
+  </p:clrMapOvr>
+</p:sld>
+</file>
+
+<file path=ppt/slides/slide9.xml><?xml version="1.0" encoding="utf-8"?>
+<p:sld xmlns:a="http://schemas.openxmlformats.org/drawingml/2006/main" xmlns:r="http://schemas.openxmlformats.org/officeDocument/2006/relationships" xmlns:p="http://schemas.openxmlformats.org/presentationml/2006/main">
+  <p:cSld>
+    <p:spTree>
+      <p:nvGrpSpPr>
+        <p:cNvPr id="1" name=""/>
+        <p:cNvGrpSpPr/>
+        <p:nvPr/>
+      </p:nvGrpSpPr>
+      <p:grpSpPr>
+        <a:xfrm>
+          <a:off x="0" y="0"/>
+          <a:ext cx="0" cy="0"/>
+          <a:chOff x="0" y="0"/>
+          <a:chExt cx="0" cy="0"/>
+        </a:xfrm>
+      </p:grpSpPr>
+      <p:sp>
+        <p:nvSpPr>
+          <p:cNvPr id="2" name="Title 1"/>
+          <p:cNvSpPr>
+            <a:spLocks noGrp="1"/>
+          </p:cNvSpPr>
+          <p:nvPr>
+            <p:ph type="title"/>
+          </p:nvPr>
+        </p:nvSpPr>
+        <p:spPr/>
+        <p:txBody>
+          <a:bodyPr/>
+          <a:lstStyle/>
+          <a:p>
+            <a:r>
+              <a:rPr lang="en-US" dirty="0"/>
+              <a:t>Joining Datasets : Inner Join</a:t>
+            </a:r>
+          </a:p>
+        </p:txBody>
+      </p:sp>
+      <p:pic>
+        <p:nvPicPr>
+          <p:cNvPr id="3" name="Picture 2"/>
+          <p:cNvPicPr>
+            <a:picLocks noChangeAspect="1"/>
+          </p:cNvPicPr>
+          <p:nvPr/>
+        </p:nvPicPr>
+        <p:blipFill>
+          <a:blip r:embed="rId2">
+            <a:extLst>
+              <a:ext uri="{28A0092B-C50C-407E-A947-70E740481C1C}">
+                <a14:useLocalDpi xmlns:a14="http://schemas.microsoft.com/office/drawing/2010/main" val="0"/>
+              </a:ext>
+            </a:extLst>
+          </a:blip>
+          <a:stretch>
+            <a:fillRect/>
+          </a:stretch>
+        </p:blipFill>
+        <p:spPr>
+          <a:xfrm>
+            <a:off x="3844346" y="1690688"/>
+            <a:ext cx="4867854" cy="4630057"/>
+          </a:xfrm>
+          <a:prstGeom prst="rect">
+            <a:avLst/>
+          </a:prstGeom>
+        </p:spPr>
+      </p:pic>
+    </p:spTree>
+    <p:extLst>
+      <p:ext uri="{BB962C8B-B14F-4D97-AF65-F5344CB8AC3E}">
+        <p14:creationId xmlns:p14="http://schemas.microsoft.com/office/powerpoint/2010/main" val="465209713"/>
+      </p:ext>
+    </p:extLst>
+  </p:cSld>
+  <p:clrMapOvr>
+    <a:masterClrMapping/>
+  </p:clrMapOvr>
 </p:sld>
 </file>
 
